--- a/pippo/pippo/pippo.pptx
+++ b/pippo/pippo/pippo.pptx
@@ -1,37 +1,132 @@
 
 <file path=ppt/presentation.xml><?xml version="1.0" encoding="utf-8"?>
-<p:presentation xmlns:a="http://schemas.openxmlformats.org/drawingml/2006/main" xmlns:p="http://schemas.openxmlformats.org/presentationml/2006/main" xmlns:r="http://schemas.openxmlformats.org/officeDocument/2006/relationships" xmlns:p14="http://schemas.microsoft.com/office/powerpoint/2010/main" xmlns:p15="http://schemas.microsoft.com/office/powerpoint/2012/main" xmlns:mc="http://schemas.openxmlformats.org/markup-compatibility/2006">
+<p:presentation xmlns:a="http://schemas.openxmlformats.org/drawingml/2006/main" xmlns:r="http://schemas.openxmlformats.org/officeDocument/2006/relationships" xmlns:p="http://schemas.openxmlformats.org/presentationml/2006/main">
   <p:sldMasterIdLst>
-    <p:sldMasterId id="2147483648" r:id="rId2"/>
+    <p:sldMasterId id="2147483648" r:id="rId1"/>
   </p:sldMasterIdLst>
   <p:sldIdLst>
-    <p:sldId id="256" r:id="rId3"/>
-    <p:sldId id="257" r:id="rId4"/>
-    <p:sldId id="258" r:id="rId5"/>
-    <p:sldId id="259" r:id="rId6"/>
-    <p:sldId id="260" r:id="rId7"/>
-    <p:sldId id="261" r:id="rId8"/>
-    <p:sldId id="262" r:id="rId9"/>
-    <p:sldId id="263" r:id="rId10"/>
-    <p:sldId id="264" r:id="rId11"/>
-    <p:sldId id="265" r:id="rId12"/>
-    <p:sldId id="266" r:id="rId13"/>
-    <p:sldId id="267" r:id="rId14"/>
-    <p:sldId id="268" r:id="rId15"/>
-    <p:sldId id="269" r:id="rId16"/>
-    <p:sldId id="270" r:id="rId17"/>
-    <p:sldId id="271" r:id="rId18"/>
-    <p:sldId id="272" r:id="rId19"/>
-    <p:sldId id="273" r:id="rId20"/>
-    <p:sldId id="274" r:id="rId21"/>
+    <p:sldId id="256" r:id="rId2"/>
+    <p:sldId id="257" r:id="rId3"/>
+    <p:sldId id="258" r:id="rId4"/>
+    <p:sldId id="259" r:id="rId5"/>
+    <p:sldId id="260" r:id="rId6"/>
+    <p:sldId id="261" r:id="rId7"/>
+    <p:sldId id="262" r:id="rId8"/>
+    <p:sldId id="263" r:id="rId9"/>
+    <p:sldId id="264" r:id="rId10"/>
+    <p:sldId id="265" r:id="rId11"/>
+    <p:sldId id="266" r:id="rId12"/>
+    <p:sldId id="267" r:id="rId13"/>
+    <p:sldId id="268" r:id="rId14"/>
+    <p:sldId id="269" r:id="rId15"/>
+    <p:sldId id="270" r:id="rId16"/>
+    <p:sldId id="271" r:id="rId17"/>
+    <p:sldId id="272" r:id="rId18"/>
+    <p:sldId id="273" r:id="rId19"/>
+    <p:sldId id="274" r:id="rId20"/>
   </p:sldIdLst>
   <p:sldSz cx="12192000" cy="6858000"/>
-  <p:notesSz cx="7559675" cy="10691812"/>
+  <p:notesSz cx="7559675" cy="10691813"/>
+  <p:defaultTextStyle>
+    <a:defPPr>
+      <a:defRPr lang="en-US"/>
+    </a:defPPr>
+    <a:lvl1pPr marL="0" algn="l" defTabSz="914400" rtl="0" eaLnBrk="1" latinLnBrk="0" hangingPunct="1">
+      <a:defRPr sz="1800" kern="1200">
+        <a:solidFill>
+          <a:schemeClr val="tx1"/>
+        </a:solidFill>
+        <a:latin typeface="+mn-lt"/>
+        <a:ea typeface="+mn-ea"/>
+        <a:cs typeface="+mn-cs"/>
+      </a:defRPr>
+    </a:lvl1pPr>
+    <a:lvl2pPr marL="457200" algn="l" defTabSz="914400" rtl="0" eaLnBrk="1" latinLnBrk="0" hangingPunct="1">
+      <a:defRPr sz="1800" kern="1200">
+        <a:solidFill>
+          <a:schemeClr val="tx1"/>
+        </a:solidFill>
+        <a:latin typeface="+mn-lt"/>
+        <a:ea typeface="+mn-ea"/>
+        <a:cs typeface="+mn-cs"/>
+      </a:defRPr>
+    </a:lvl2pPr>
+    <a:lvl3pPr marL="914400" algn="l" defTabSz="914400" rtl="0" eaLnBrk="1" latinLnBrk="0" hangingPunct="1">
+      <a:defRPr sz="1800" kern="1200">
+        <a:solidFill>
+          <a:schemeClr val="tx1"/>
+        </a:solidFill>
+        <a:latin typeface="+mn-lt"/>
+        <a:ea typeface="+mn-ea"/>
+        <a:cs typeface="+mn-cs"/>
+      </a:defRPr>
+    </a:lvl3pPr>
+    <a:lvl4pPr marL="1371600" algn="l" defTabSz="914400" rtl="0" eaLnBrk="1" latinLnBrk="0" hangingPunct="1">
+      <a:defRPr sz="1800" kern="1200">
+        <a:solidFill>
+          <a:schemeClr val="tx1"/>
+        </a:solidFill>
+        <a:latin typeface="+mn-lt"/>
+        <a:ea typeface="+mn-ea"/>
+        <a:cs typeface="+mn-cs"/>
+      </a:defRPr>
+    </a:lvl4pPr>
+    <a:lvl5pPr marL="1828800" algn="l" defTabSz="914400" rtl="0" eaLnBrk="1" latinLnBrk="0" hangingPunct="1">
+      <a:defRPr sz="1800" kern="1200">
+        <a:solidFill>
+          <a:schemeClr val="tx1"/>
+        </a:solidFill>
+        <a:latin typeface="+mn-lt"/>
+        <a:ea typeface="+mn-ea"/>
+        <a:cs typeface="+mn-cs"/>
+      </a:defRPr>
+    </a:lvl5pPr>
+    <a:lvl6pPr marL="2286000" algn="l" defTabSz="914400" rtl="0" eaLnBrk="1" latinLnBrk="0" hangingPunct="1">
+      <a:defRPr sz="1800" kern="1200">
+        <a:solidFill>
+          <a:schemeClr val="tx1"/>
+        </a:solidFill>
+        <a:latin typeface="+mn-lt"/>
+        <a:ea typeface="+mn-ea"/>
+        <a:cs typeface="+mn-cs"/>
+      </a:defRPr>
+    </a:lvl6pPr>
+    <a:lvl7pPr marL="2743200" algn="l" defTabSz="914400" rtl="0" eaLnBrk="1" latinLnBrk="0" hangingPunct="1">
+      <a:defRPr sz="1800" kern="1200">
+        <a:solidFill>
+          <a:schemeClr val="tx1"/>
+        </a:solidFill>
+        <a:latin typeface="+mn-lt"/>
+        <a:ea typeface="+mn-ea"/>
+        <a:cs typeface="+mn-cs"/>
+      </a:defRPr>
+    </a:lvl7pPr>
+    <a:lvl8pPr marL="3200400" algn="l" defTabSz="914400" rtl="0" eaLnBrk="1" latinLnBrk="0" hangingPunct="1">
+      <a:defRPr sz="1800" kern="1200">
+        <a:solidFill>
+          <a:schemeClr val="tx1"/>
+        </a:solidFill>
+        <a:latin typeface="+mn-lt"/>
+        <a:ea typeface="+mn-ea"/>
+        <a:cs typeface="+mn-cs"/>
+      </a:defRPr>
+    </a:lvl8pPr>
+    <a:lvl9pPr marL="3657600" algn="l" defTabSz="914400" rtl="0" eaLnBrk="1" latinLnBrk="0" hangingPunct="1">
+      <a:defRPr sz="1800" kern="1200">
+        <a:solidFill>
+          <a:schemeClr val="tx1"/>
+        </a:solidFill>
+        <a:latin typeface="+mn-lt"/>
+        <a:ea typeface="+mn-ea"/>
+        <a:cs typeface="+mn-cs"/>
+      </a:defRPr>
+    </a:lvl9pPr>
+  </p:defaultTextStyle>
 </p:presentation>
 </file>
 
 <file path=ppt/slideLayouts/slideLayout1.xml><?xml version="1.0" encoding="utf-8"?>
-<p:sldLayout xmlns:a="http://schemas.openxmlformats.org/drawingml/2006/main" xmlns:p="http://schemas.openxmlformats.org/presentationml/2006/main" xmlns:r="http://schemas.openxmlformats.org/officeDocument/2006/relationships" xmlns:p14="http://schemas.microsoft.com/office/powerpoint/2010/main" xmlns:p15="http://schemas.microsoft.com/office/powerpoint/2012/main" xmlns:mc="http://schemas.openxmlformats.org/markup-compatibility/2006" type="blank" preserve="1">
+<p:sldLayout xmlns:a="http://schemas.openxmlformats.org/drawingml/2006/main" xmlns:r="http://schemas.openxmlformats.org/officeDocument/2006/relationships" xmlns:p="http://schemas.openxmlformats.org/presentationml/2006/main" type="blank" preserve="1">
   <p:cSld name="Blank Slide">
     <p:spTree>
       <p:nvGrpSpPr>
@@ -49,11 +144,14 @@
       </p:grpSpPr>
     </p:spTree>
   </p:cSld>
+  <p:clrMapOvr>
+    <a:masterClrMapping/>
+  </p:clrMapOvr>
 </p:sldLayout>
 </file>
 
 <file path=ppt/slideLayouts/slideLayout10.xml><?xml version="1.0" encoding="utf-8"?>
-<p:sldLayout xmlns:a="http://schemas.openxmlformats.org/drawingml/2006/main" xmlns:p="http://schemas.openxmlformats.org/presentationml/2006/main" xmlns:r="http://schemas.openxmlformats.org/officeDocument/2006/relationships" xmlns:p14="http://schemas.microsoft.com/office/powerpoint/2010/main" xmlns:p15="http://schemas.microsoft.com/office/powerpoint/2012/main" xmlns:mc="http://schemas.openxmlformats.org/markup-compatibility/2006" type="objOverTx" preserve="1">
+<p:sldLayout xmlns:a="http://schemas.openxmlformats.org/drawingml/2006/main" xmlns:r="http://schemas.openxmlformats.org/officeDocument/2006/relationships" xmlns:p="http://schemas.openxmlformats.org/presentationml/2006/main" type="objOverTx" preserve="1">
   <p:cSld name="Title, Content over Content">
     <p:spTree>
       <p:nvGrpSpPr>
@@ -89,11 +187,12 @@
           </a:prstGeom>
         </p:spPr>
         <p:txBody>
-          <a:bodyPr lIns="0" rIns="0" tIns="0" bIns="0" anchor="ctr">
+          <a:bodyPr lIns="0" tIns="0" rIns="0" bIns="0" anchor="ctr">
             <a:noAutofit/>
           </a:bodyPr>
-          <a:p>
-            <a:endParaRPr b="0" lang="en-US" sz="1800" spc="-1" strike="noStrike">
+          <a:lstStyle/>
+          <a:p>
+            <a:endParaRPr lang="en-US" sz="1800" b="0" strike="noStrike" spc="-1">
               <a:solidFill>
                 <a:srgbClr val="000000"/>
               </a:solidFill>
@@ -122,11 +221,12 @@
           </a:prstGeom>
         </p:spPr>
         <p:txBody>
-          <a:bodyPr lIns="0" rIns="0" tIns="0" bIns="0">
+          <a:bodyPr lIns="0" tIns="0" rIns="0" bIns="0">
             <a:normAutofit/>
           </a:bodyPr>
-          <a:p>
-            <a:endParaRPr b="0" lang="en-US" sz="2000" spc="-1" strike="noStrike">
+          <a:lstStyle/>
+          <a:p>
+            <a:endParaRPr lang="en-US" sz="2000" b="0" strike="noStrike" spc="-1">
               <a:solidFill>
                 <a:srgbClr val="595959"/>
               </a:solidFill>
@@ -155,11 +255,12 @@
           </a:prstGeom>
         </p:spPr>
         <p:txBody>
-          <a:bodyPr lIns="0" rIns="0" tIns="0" bIns="0">
+          <a:bodyPr lIns="0" tIns="0" rIns="0" bIns="0">
             <a:normAutofit/>
           </a:bodyPr>
-          <a:p>
-            <a:endParaRPr b="0" lang="en-US" sz="2000" spc="-1" strike="noStrike">
+          <a:lstStyle/>
+          <a:p>
+            <a:endParaRPr lang="en-US" sz="2000" b="0" strike="noStrike" spc="-1">
               <a:solidFill>
                 <a:srgbClr val="595959"/>
               </a:solidFill>
@@ -170,11 +271,14 @@
       </p:sp>
     </p:spTree>
   </p:cSld>
+  <p:clrMapOvr>
+    <a:masterClrMapping/>
+  </p:clrMapOvr>
 </p:sldLayout>
 </file>
 
 <file path=ppt/slideLayouts/slideLayout11.xml><?xml version="1.0" encoding="utf-8"?>
-<p:sldLayout xmlns:a="http://schemas.openxmlformats.org/drawingml/2006/main" xmlns:p="http://schemas.openxmlformats.org/presentationml/2006/main" xmlns:r="http://schemas.openxmlformats.org/officeDocument/2006/relationships" xmlns:p14="http://schemas.microsoft.com/office/powerpoint/2010/main" xmlns:p15="http://schemas.microsoft.com/office/powerpoint/2012/main" xmlns:mc="http://schemas.openxmlformats.org/markup-compatibility/2006" type="fourObj" preserve="1">
+<p:sldLayout xmlns:a="http://schemas.openxmlformats.org/drawingml/2006/main" xmlns:r="http://schemas.openxmlformats.org/officeDocument/2006/relationships" xmlns:p="http://schemas.openxmlformats.org/presentationml/2006/main" type="fourObj" preserve="1">
   <p:cSld name="Title, 4 Content">
     <p:spTree>
       <p:nvGrpSpPr>
@@ -210,11 +314,12 @@
           </a:prstGeom>
         </p:spPr>
         <p:txBody>
-          <a:bodyPr lIns="0" rIns="0" tIns="0" bIns="0" anchor="ctr">
+          <a:bodyPr lIns="0" tIns="0" rIns="0" bIns="0" anchor="ctr">
             <a:noAutofit/>
           </a:bodyPr>
-          <a:p>
-            <a:endParaRPr b="0" lang="en-US" sz="1800" spc="-1" strike="noStrike">
+          <a:lstStyle/>
+          <a:p>
+            <a:endParaRPr lang="en-US" sz="1800" b="0" strike="noStrike" spc="-1">
               <a:solidFill>
                 <a:srgbClr val="000000"/>
               </a:solidFill>
@@ -243,11 +348,12 @@
           </a:prstGeom>
         </p:spPr>
         <p:txBody>
-          <a:bodyPr lIns="0" rIns="0" tIns="0" bIns="0">
+          <a:bodyPr lIns="0" tIns="0" rIns="0" bIns="0">
             <a:normAutofit/>
           </a:bodyPr>
-          <a:p>
-            <a:endParaRPr b="0" lang="en-US" sz="2000" spc="-1" strike="noStrike">
+          <a:lstStyle/>
+          <a:p>
+            <a:endParaRPr lang="en-US" sz="2000" b="0" strike="noStrike" spc="-1">
               <a:solidFill>
                 <a:srgbClr val="595959"/>
               </a:solidFill>
@@ -276,11 +382,12 @@
           </a:prstGeom>
         </p:spPr>
         <p:txBody>
-          <a:bodyPr lIns="0" rIns="0" tIns="0" bIns="0">
+          <a:bodyPr lIns="0" tIns="0" rIns="0" bIns="0">
             <a:normAutofit/>
           </a:bodyPr>
-          <a:p>
-            <a:endParaRPr b="0" lang="en-US" sz="2000" spc="-1" strike="noStrike">
+          <a:lstStyle/>
+          <a:p>
+            <a:endParaRPr lang="en-US" sz="2000" b="0" strike="noStrike" spc="-1">
               <a:solidFill>
                 <a:srgbClr val="595959"/>
               </a:solidFill>
@@ -309,11 +416,12 @@
           </a:prstGeom>
         </p:spPr>
         <p:txBody>
-          <a:bodyPr lIns="0" rIns="0" tIns="0" bIns="0">
+          <a:bodyPr lIns="0" tIns="0" rIns="0" bIns="0">
             <a:normAutofit/>
           </a:bodyPr>
-          <a:p>
-            <a:endParaRPr b="0" lang="en-US" sz="2000" spc="-1" strike="noStrike">
+          <a:lstStyle/>
+          <a:p>
+            <a:endParaRPr lang="en-US" sz="2000" b="0" strike="noStrike" spc="-1">
               <a:solidFill>
                 <a:srgbClr val="595959"/>
               </a:solidFill>
@@ -342,11 +450,12 @@
           </a:prstGeom>
         </p:spPr>
         <p:txBody>
-          <a:bodyPr lIns="0" rIns="0" tIns="0" bIns="0">
+          <a:bodyPr lIns="0" tIns="0" rIns="0" bIns="0">
             <a:normAutofit/>
           </a:bodyPr>
-          <a:p>
-            <a:endParaRPr b="0" lang="en-US" sz="2000" spc="-1" strike="noStrike">
+          <a:lstStyle/>
+          <a:p>
+            <a:endParaRPr lang="en-US" sz="2000" b="0" strike="noStrike" spc="-1">
               <a:solidFill>
                 <a:srgbClr val="595959"/>
               </a:solidFill>
@@ -357,11 +466,14 @@
       </p:sp>
     </p:spTree>
   </p:cSld>
+  <p:clrMapOvr>
+    <a:masterClrMapping/>
+  </p:clrMapOvr>
 </p:sldLayout>
 </file>
 
 <file path=ppt/slideLayouts/slideLayout12.xml><?xml version="1.0" encoding="utf-8"?>
-<p:sldLayout xmlns:a="http://schemas.openxmlformats.org/drawingml/2006/main" xmlns:p="http://schemas.openxmlformats.org/presentationml/2006/main" xmlns:r="http://schemas.openxmlformats.org/officeDocument/2006/relationships" xmlns:p14="http://schemas.microsoft.com/office/powerpoint/2010/main" xmlns:p15="http://schemas.microsoft.com/office/powerpoint/2012/main" xmlns:mc="http://schemas.openxmlformats.org/markup-compatibility/2006" type="blank" preserve="1">
+<p:sldLayout xmlns:a="http://schemas.openxmlformats.org/drawingml/2006/main" xmlns:r="http://schemas.openxmlformats.org/officeDocument/2006/relationships" xmlns:p="http://schemas.openxmlformats.org/presentationml/2006/main" type="blank" preserve="1">
   <p:cSld name="Title, 6 Content">
     <p:spTree>
       <p:nvGrpSpPr>
@@ -397,11 +509,12 @@
           </a:prstGeom>
         </p:spPr>
         <p:txBody>
-          <a:bodyPr lIns="0" rIns="0" tIns="0" bIns="0" anchor="ctr">
+          <a:bodyPr lIns="0" tIns="0" rIns="0" bIns="0" anchor="ctr">
             <a:noAutofit/>
           </a:bodyPr>
-          <a:p>
-            <a:endParaRPr b="0" lang="en-US" sz="1800" spc="-1" strike="noStrike">
+          <a:lstStyle/>
+          <a:p>
+            <a:endParaRPr lang="en-US" sz="1800" b="0" strike="noStrike" spc="-1">
               <a:solidFill>
                 <a:srgbClr val="000000"/>
               </a:solidFill>
@@ -430,11 +543,12 @@
           </a:prstGeom>
         </p:spPr>
         <p:txBody>
-          <a:bodyPr lIns="0" rIns="0" tIns="0" bIns="0">
+          <a:bodyPr lIns="0" tIns="0" rIns="0" bIns="0">
             <a:normAutofit/>
           </a:bodyPr>
-          <a:p>
-            <a:endParaRPr b="0" lang="en-US" sz="2000" spc="-1" strike="noStrike">
+          <a:lstStyle/>
+          <a:p>
+            <a:endParaRPr lang="en-US" sz="2000" b="0" strike="noStrike" spc="-1">
               <a:solidFill>
                 <a:srgbClr val="595959"/>
               </a:solidFill>
@@ -463,11 +577,12 @@
           </a:prstGeom>
         </p:spPr>
         <p:txBody>
-          <a:bodyPr lIns="0" rIns="0" tIns="0" bIns="0">
+          <a:bodyPr lIns="0" tIns="0" rIns="0" bIns="0">
             <a:normAutofit/>
           </a:bodyPr>
-          <a:p>
-            <a:endParaRPr b="0" lang="en-US" sz="2000" spc="-1" strike="noStrike">
+          <a:lstStyle/>
+          <a:p>
+            <a:endParaRPr lang="en-US" sz="2000" b="0" strike="noStrike" spc="-1">
               <a:solidFill>
                 <a:srgbClr val="595959"/>
               </a:solidFill>
@@ -496,11 +611,12 @@
           </a:prstGeom>
         </p:spPr>
         <p:txBody>
-          <a:bodyPr lIns="0" rIns="0" tIns="0" bIns="0">
+          <a:bodyPr lIns="0" tIns="0" rIns="0" bIns="0">
             <a:normAutofit/>
           </a:bodyPr>
-          <a:p>
-            <a:endParaRPr b="0" lang="en-US" sz="2000" spc="-1" strike="noStrike">
+          <a:lstStyle/>
+          <a:p>
+            <a:endParaRPr lang="en-US" sz="2000" b="0" strike="noStrike" spc="-1">
               <a:solidFill>
                 <a:srgbClr val="595959"/>
               </a:solidFill>
@@ -529,11 +645,12 @@
           </a:prstGeom>
         </p:spPr>
         <p:txBody>
-          <a:bodyPr lIns="0" rIns="0" tIns="0" bIns="0">
+          <a:bodyPr lIns="0" tIns="0" rIns="0" bIns="0">
             <a:normAutofit/>
           </a:bodyPr>
-          <a:p>
-            <a:endParaRPr b="0" lang="en-US" sz="2000" spc="-1" strike="noStrike">
+          <a:lstStyle/>
+          <a:p>
+            <a:endParaRPr lang="en-US" sz="2000" b="0" strike="noStrike" spc="-1">
               <a:solidFill>
                 <a:srgbClr val="595959"/>
               </a:solidFill>
@@ -562,11 +679,12 @@
           </a:prstGeom>
         </p:spPr>
         <p:txBody>
-          <a:bodyPr lIns="0" rIns="0" tIns="0" bIns="0">
+          <a:bodyPr lIns="0" tIns="0" rIns="0" bIns="0">
             <a:normAutofit/>
           </a:bodyPr>
-          <a:p>
-            <a:endParaRPr b="0" lang="en-US" sz="2000" spc="-1" strike="noStrike">
+          <a:lstStyle/>
+          <a:p>
+            <a:endParaRPr lang="en-US" sz="2000" b="0" strike="noStrike" spc="-1">
               <a:solidFill>
                 <a:srgbClr val="595959"/>
               </a:solidFill>
@@ -595,11 +713,12 @@
           </a:prstGeom>
         </p:spPr>
         <p:txBody>
-          <a:bodyPr lIns="0" rIns="0" tIns="0" bIns="0">
+          <a:bodyPr lIns="0" tIns="0" rIns="0" bIns="0">
             <a:normAutofit/>
           </a:bodyPr>
-          <a:p>
-            <a:endParaRPr b="0" lang="en-US" sz="2000" spc="-1" strike="noStrike">
+          <a:lstStyle/>
+          <a:p>
+            <a:endParaRPr lang="en-US" sz="2000" b="0" strike="noStrike" spc="-1">
               <a:solidFill>
                 <a:srgbClr val="595959"/>
               </a:solidFill>
@@ -610,11 +729,14 @@
       </p:sp>
     </p:spTree>
   </p:cSld>
+  <p:clrMapOvr>
+    <a:masterClrMapping/>
+  </p:clrMapOvr>
 </p:sldLayout>
 </file>
 
 <file path=ppt/slideLayouts/slideLayout2.xml><?xml version="1.0" encoding="utf-8"?>
-<p:sldLayout xmlns:a="http://schemas.openxmlformats.org/drawingml/2006/main" xmlns:p="http://schemas.openxmlformats.org/presentationml/2006/main" xmlns:r="http://schemas.openxmlformats.org/officeDocument/2006/relationships" xmlns:p14="http://schemas.microsoft.com/office/powerpoint/2010/main" xmlns:p15="http://schemas.microsoft.com/office/powerpoint/2012/main" xmlns:mc="http://schemas.openxmlformats.org/markup-compatibility/2006" type="tx" preserve="1">
+<p:sldLayout xmlns:a="http://schemas.openxmlformats.org/drawingml/2006/main" xmlns:r="http://schemas.openxmlformats.org/officeDocument/2006/relationships" xmlns:p="http://schemas.openxmlformats.org/presentationml/2006/main" type="tx" preserve="1">
   <p:cSld name="Title Slide">
     <p:spTree>
       <p:nvGrpSpPr>
@@ -650,11 +772,12 @@
           </a:prstGeom>
         </p:spPr>
         <p:txBody>
-          <a:bodyPr lIns="0" rIns="0" tIns="0" bIns="0" anchor="ctr">
+          <a:bodyPr lIns="0" tIns="0" rIns="0" bIns="0" anchor="ctr">
             <a:noAutofit/>
           </a:bodyPr>
-          <a:p>
-            <a:endParaRPr b="0" lang="en-US" sz="1800" spc="-1" strike="noStrike">
+          <a:lstStyle/>
+          <a:p>
+            <a:endParaRPr lang="en-US" sz="1800" b="0" strike="noStrike" spc="-1">
               <a:solidFill>
                 <a:srgbClr val="000000"/>
               </a:solidFill>
@@ -683,12 +806,13 @@
           </a:prstGeom>
         </p:spPr>
         <p:txBody>
-          <a:bodyPr lIns="0" rIns="0" tIns="0" bIns="0" anchor="ctr">
+          <a:bodyPr lIns="0" tIns="0" rIns="0" bIns="0" anchor="ctr">
             <a:noAutofit/>
           </a:bodyPr>
+          <a:lstStyle/>
           <a:p>
             <a:pPr algn="ctr"/>
-            <a:endParaRPr b="0" lang="en-IN" sz="3200" spc="-1" strike="noStrike">
+            <a:endParaRPr lang="en-IN" sz="3200" b="0" strike="noStrike" spc="-1">
               <a:latin typeface="Arial"/>
             </a:endParaRPr>
           </a:p>
@@ -696,11 +820,14 @@
       </p:sp>
     </p:spTree>
   </p:cSld>
+  <p:clrMapOvr>
+    <a:masterClrMapping/>
+  </p:clrMapOvr>
 </p:sldLayout>
 </file>
 
 <file path=ppt/slideLayouts/slideLayout3.xml><?xml version="1.0" encoding="utf-8"?>
-<p:sldLayout xmlns:a="http://schemas.openxmlformats.org/drawingml/2006/main" xmlns:p="http://schemas.openxmlformats.org/presentationml/2006/main" xmlns:r="http://schemas.openxmlformats.org/officeDocument/2006/relationships" xmlns:p14="http://schemas.microsoft.com/office/powerpoint/2010/main" xmlns:p15="http://schemas.microsoft.com/office/powerpoint/2012/main" xmlns:mc="http://schemas.openxmlformats.org/markup-compatibility/2006" type="obj" preserve="1">
+<p:sldLayout xmlns:a="http://schemas.openxmlformats.org/drawingml/2006/main" xmlns:r="http://schemas.openxmlformats.org/officeDocument/2006/relationships" xmlns:p="http://schemas.openxmlformats.org/presentationml/2006/main" type="obj" preserve="1">
   <p:cSld name="Title, Content">
     <p:spTree>
       <p:nvGrpSpPr>
@@ -736,11 +863,12 @@
           </a:prstGeom>
         </p:spPr>
         <p:txBody>
-          <a:bodyPr lIns="0" rIns="0" tIns="0" bIns="0" anchor="ctr">
+          <a:bodyPr lIns="0" tIns="0" rIns="0" bIns="0" anchor="ctr">
             <a:noAutofit/>
           </a:bodyPr>
-          <a:p>
-            <a:endParaRPr b="0" lang="en-US" sz="1800" spc="-1" strike="noStrike">
+          <a:lstStyle/>
+          <a:p>
+            <a:endParaRPr lang="en-US" sz="1800" b="0" strike="noStrike" spc="-1">
               <a:solidFill>
                 <a:srgbClr val="000000"/>
               </a:solidFill>
@@ -769,11 +897,12 @@
           </a:prstGeom>
         </p:spPr>
         <p:txBody>
-          <a:bodyPr lIns="0" rIns="0" tIns="0" bIns="0">
+          <a:bodyPr lIns="0" tIns="0" rIns="0" bIns="0">
             <a:normAutofit/>
           </a:bodyPr>
-          <a:p>
-            <a:endParaRPr b="0" lang="en-US" sz="2000" spc="-1" strike="noStrike">
+          <a:lstStyle/>
+          <a:p>
+            <a:endParaRPr lang="en-US" sz="2000" b="0" strike="noStrike" spc="-1">
               <a:solidFill>
                 <a:srgbClr val="595959"/>
               </a:solidFill>
@@ -784,11 +913,14 @@
       </p:sp>
     </p:spTree>
   </p:cSld>
+  <p:clrMapOvr>
+    <a:masterClrMapping/>
+  </p:clrMapOvr>
 </p:sldLayout>
 </file>
 
 <file path=ppt/slideLayouts/slideLayout4.xml><?xml version="1.0" encoding="utf-8"?>
-<p:sldLayout xmlns:a="http://schemas.openxmlformats.org/drawingml/2006/main" xmlns:p="http://schemas.openxmlformats.org/presentationml/2006/main" xmlns:r="http://schemas.openxmlformats.org/officeDocument/2006/relationships" xmlns:p14="http://schemas.microsoft.com/office/powerpoint/2010/main" xmlns:p15="http://schemas.microsoft.com/office/powerpoint/2012/main" xmlns:mc="http://schemas.openxmlformats.org/markup-compatibility/2006" type="twoObj" preserve="1">
+<p:sldLayout xmlns:a="http://schemas.openxmlformats.org/drawingml/2006/main" xmlns:r="http://schemas.openxmlformats.org/officeDocument/2006/relationships" xmlns:p="http://schemas.openxmlformats.org/presentationml/2006/main" type="twoObj" preserve="1">
   <p:cSld name="Title, 2 Content">
     <p:spTree>
       <p:nvGrpSpPr>
@@ -824,11 +956,12 @@
           </a:prstGeom>
         </p:spPr>
         <p:txBody>
-          <a:bodyPr lIns="0" rIns="0" tIns="0" bIns="0" anchor="ctr">
+          <a:bodyPr lIns="0" tIns="0" rIns="0" bIns="0" anchor="ctr">
             <a:noAutofit/>
           </a:bodyPr>
-          <a:p>
-            <a:endParaRPr b="0" lang="en-US" sz="1800" spc="-1" strike="noStrike">
+          <a:lstStyle/>
+          <a:p>
+            <a:endParaRPr lang="en-US" sz="1800" b="0" strike="noStrike" spc="-1">
               <a:solidFill>
                 <a:srgbClr val="000000"/>
               </a:solidFill>
@@ -857,11 +990,12 @@
           </a:prstGeom>
         </p:spPr>
         <p:txBody>
-          <a:bodyPr lIns="0" rIns="0" tIns="0" bIns="0">
+          <a:bodyPr lIns="0" tIns="0" rIns="0" bIns="0">
             <a:normAutofit/>
           </a:bodyPr>
-          <a:p>
-            <a:endParaRPr b="0" lang="en-US" sz="2000" spc="-1" strike="noStrike">
+          <a:lstStyle/>
+          <a:p>
+            <a:endParaRPr lang="en-US" sz="2000" b="0" strike="noStrike" spc="-1">
               <a:solidFill>
                 <a:srgbClr val="595959"/>
               </a:solidFill>
@@ -890,11 +1024,12 @@
           </a:prstGeom>
         </p:spPr>
         <p:txBody>
-          <a:bodyPr lIns="0" rIns="0" tIns="0" bIns="0">
+          <a:bodyPr lIns="0" tIns="0" rIns="0" bIns="0">
             <a:normAutofit/>
           </a:bodyPr>
-          <a:p>
-            <a:endParaRPr b="0" lang="en-US" sz="2000" spc="-1" strike="noStrike">
+          <a:lstStyle/>
+          <a:p>
+            <a:endParaRPr lang="en-US" sz="2000" b="0" strike="noStrike" spc="-1">
               <a:solidFill>
                 <a:srgbClr val="595959"/>
               </a:solidFill>
@@ -905,11 +1040,14 @@
       </p:sp>
     </p:spTree>
   </p:cSld>
+  <p:clrMapOvr>
+    <a:masterClrMapping/>
+  </p:clrMapOvr>
 </p:sldLayout>
 </file>
 
 <file path=ppt/slideLayouts/slideLayout5.xml><?xml version="1.0" encoding="utf-8"?>
-<p:sldLayout xmlns:a="http://schemas.openxmlformats.org/drawingml/2006/main" xmlns:p="http://schemas.openxmlformats.org/presentationml/2006/main" xmlns:r="http://schemas.openxmlformats.org/officeDocument/2006/relationships" xmlns:p14="http://schemas.microsoft.com/office/powerpoint/2010/main" xmlns:p15="http://schemas.microsoft.com/office/powerpoint/2012/main" xmlns:mc="http://schemas.openxmlformats.org/markup-compatibility/2006" type="titleOnly" preserve="1">
+<p:sldLayout xmlns:a="http://schemas.openxmlformats.org/drawingml/2006/main" xmlns:r="http://schemas.openxmlformats.org/officeDocument/2006/relationships" xmlns:p="http://schemas.openxmlformats.org/presentationml/2006/main" type="titleOnly" preserve="1">
   <p:cSld name="Title Only">
     <p:spTree>
       <p:nvGrpSpPr>
@@ -945,11 +1083,12 @@
           </a:prstGeom>
         </p:spPr>
         <p:txBody>
-          <a:bodyPr lIns="0" rIns="0" tIns="0" bIns="0" anchor="ctr">
+          <a:bodyPr lIns="0" tIns="0" rIns="0" bIns="0" anchor="ctr">
             <a:noAutofit/>
           </a:bodyPr>
-          <a:p>
-            <a:endParaRPr b="0" lang="en-US" sz="1800" spc="-1" strike="noStrike">
+          <a:lstStyle/>
+          <a:p>
+            <a:endParaRPr lang="en-US" sz="1800" b="0" strike="noStrike" spc="-1">
               <a:solidFill>
                 <a:srgbClr val="000000"/>
               </a:solidFill>
@@ -960,11 +1099,14 @@
       </p:sp>
     </p:spTree>
   </p:cSld>
+  <p:clrMapOvr>
+    <a:masterClrMapping/>
+  </p:clrMapOvr>
 </p:sldLayout>
 </file>
 
 <file path=ppt/slideLayouts/slideLayout6.xml><?xml version="1.0" encoding="utf-8"?>
-<p:sldLayout xmlns:a="http://schemas.openxmlformats.org/drawingml/2006/main" xmlns:p="http://schemas.openxmlformats.org/presentationml/2006/main" xmlns:r="http://schemas.openxmlformats.org/officeDocument/2006/relationships" xmlns:p14="http://schemas.microsoft.com/office/powerpoint/2010/main" xmlns:p15="http://schemas.microsoft.com/office/powerpoint/2012/main" xmlns:mc="http://schemas.openxmlformats.org/markup-compatibility/2006" type="objOnly" preserve="1">
+<p:sldLayout xmlns:a="http://schemas.openxmlformats.org/drawingml/2006/main" xmlns:r="http://schemas.openxmlformats.org/officeDocument/2006/relationships" xmlns:p="http://schemas.openxmlformats.org/presentationml/2006/main" type="objOnly" preserve="1">
   <p:cSld name="Centered Text">
     <p:spTree>
       <p:nvGrpSpPr>
@@ -1000,12 +1142,13 @@
           </a:prstGeom>
         </p:spPr>
         <p:txBody>
-          <a:bodyPr lIns="0" rIns="0" tIns="0" bIns="0" anchor="ctr">
+          <a:bodyPr lIns="0" tIns="0" rIns="0" bIns="0" anchor="ctr">
             <a:noAutofit/>
           </a:bodyPr>
+          <a:lstStyle/>
           <a:p>
             <a:pPr algn="ctr"/>
-            <a:endParaRPr b="0" lang="en-IN" sz="3200" spc="-1" strike="noStrike">
+            <a:endParaRPr lang="en-IN" sz="3200" b="0" strike="noStrike" spc="-1">
               <a:latin typeface="Arial"/>
             </a:endParaRPr>
           </a:p>
@@ -1013,11 +1156,14 @@
       </p:sp>
     </p:spTree>
   </p:cSld>
+  <p:clrMapOvr>
+    <a:masterClrMapping/>
+  </p:clrMapOvr>
 </p:sldLayout>
 </file>
 
 <file path=ppt/slideLayouts/slideLayout7.xml><?xml version="1.0" encoding="utf-8"?>
-<p:sldLayout xmlns:a="http://schemas.openxmlformats.org/drawingml/2006/main" xmlns:p="http://schemas.openxmlformats.org/presentationml/2006/main" xmlns:r="http://schemas.openxmlformats.org/officeDocument/2006/relationships" xmlns:p14="http://schemas.microsoft.com/office/powerpoint/2010/main" xmlns:p15="http://schemas.microsoft.com/office/powerpoint/2012/main" xmlns:mc="http://schemas.openxmlformats.org/markup-compatibility/2006" type="twoObjAndObj" preserve="1">
+<p:sldLayout xmlns:a="http://schemas.openxmlformats.org/drawingml/2006/main" xmlns:r="http://schemas.openxmlformats.org/officeDocument/2006/relationships" xmlns:p="http://schemas.openxmlformats.org/presentationml/2006/main" type="twoObjAndObj" preserve="1">
   <p:cSld name="Title, 2 Content and Content">
     <p:spTree>
       <p:nvGrpSpPr>
@@ -1053,11 +1199,12 @@
           </a:prstGeom>
         </p:spPr>
         <p:txBody>
-          <a:bodyPr lIns="0" rIns="0" tIns="0" bIns="0" anchor="ctr">
+          <a:bodyPr lIns="0" tIns="0" rIns="0" bIns="0" anchor="ctr">
             <a:noAutofit/>
           </a:bodyPr>
-          <a:p>
-            <a:endParaRPr b="0" lang="en-US" sz="1800" spc="-1" strike="noStrike">
+          <a:lstStyle/>
+          <a:p>
+            <a:endParaRPr lang="en-US" sz="1800" b="0" strike="noStrike" spc="-1">
               <a:solidFill>
                 <a:srgbClr val="000000"/>
               </a:solidFill>
@@ -1086,11 +1233,12 @@
           </a:prstGeom>
         </p:spPr>
         <p:txBody>
-          <a:bodyPr lIns="0" rIns="0" tIns="0" bIns="0">
+          <a:bodyPr lIns="0" tIns="0" rIns="0" bIns="0">
             <a:normAutofit/>
           </a:bodyPr>
-          <a:p>
-            <a:endParaRPr b="0" lang="en-US" sz="2000" spc="-1" strike="noStrike">
+          <a:lstStyle/>
+          <a:p>
+            <a:endParaRPr lang="en-US" sz="2000" b="0" strike="noStrike" spc="-1">
               <a:solidFill>
                 <a:srgbClr val="595959"/>
               </a:solidFill>
@@ -1119,11 +1267,12 @@
           </a:prstGeom>
         </p:spPr>
         <p:txBody>
-          <a:bodyPr lIns="0" rIns="0" tIns="0" bIns="0">
+          <a:bodyPr lIns="0" tIns="0" rIns="0" bIns="0">
             <a:normAutofit/>
           </a:bodyPr>
-          <a:p>
-            <a:endParaRPr b="0" lang="en-US" sz="2000" spc="-1" strike="noStrike">
+          <a:lstStyle/>
+          <a:p>
+            <a:endParaRPr lang="en-US" sz="2000" b="0" strike="noStrike" spc="-1">
               <a:solidFill>
                 <a:srgbClr val="595959"/>
               </a:solidFill>
@@ -1152,11 +1301,12 @@
           </a:prstGeom>
         </p:spPr>
         <p:txBody>
-          <a:bodyPr lIns="0" rIns="0" tIns="0" bIns="0">
+          <a:bodyPr lIns="0" tIns="0" rIns="0" bIns="0">
             <a:normAutofit/>
           </a:bodyPr>
-          <a:p>
-            <a:endParaRPr b="0" lang="en-US" sz="2000" spc="-1" strike="noStrike">
+          <a:lstStyle/>
+          <a:p>
+            <a:endParaRPr lang="en-US" sz="2000" b="0" strike="noStrike" spc="-1">
               <a:solidFill>
                 <a:srgbClr val="595959"/>
               </a:solidFill>
@@ -1167,11 +1317,14 @@
       </p:sp>
     </p:spTree>
   </p:cSld>
+  <p:clrMapOvr>
+    <a:masterClrMapping/>
+  </p:clrMapOvr>
 </p:sldLayout>
 </file>
 
 <file path=ppt/slideLayouts/slideLayout8.xml><?xml version="1.0" encoding="utf-8"?>
-<p:sldLayout xmlns:a="http://schemas.openxmlformats.org/drawingml/2006/main" xmlns:p="http://schemas.openxmlformats.org/presentationml/2006/main" xmlns:r="http://schemas.openxmlformats.org/officeDocument/2006/relationships" xmlns:p14="http://schemas.microsoft.com/office/powerpoint/2010/main" xmlns:p15="http://schemas.microsoft.com/office/powerpoint/2012/main" xmlns:mc="http://schemas.openxmlformats.org/markup-compatibility/2006" type="objAndTwoObj" preserve="1">
+<p:sldLayout xmlns:a="http://schemas.openxmlformats.org/drawingml/2006/main" xmlns:r="http://schemas.openxmlformats.org/officeDocument/2006/relationships" xmlns:p="http://schemas.openxmlformats.org/presentationml/2006/main" type="objAndTwoObj" preserve="1">
   <p:cSld name="Title Content and 2 Content">
     <p:spTree>
       <p:nvGrpSpPr>
@@ -1207,11 +1360,12 @@
           </a:prstGeom>
         </p:spPr>
         <p:txBody>
-          <a:bodyPr lIns="0" rIns="0" tIns="0" bIns="0" anchor="ctr">
+          <a:bodyPr lIns="0" tIns="0" rIns="0" bIns="0" anchor="ctr">
             <a:noAutofit/>
           </a:bodyPr>
-          <a:p>
-            <a:endParaRPr b="0" lang="en-US" sz="1800" spc="-1" strike="noStrike">
+          <a:lstStyle/>
+          <a:p>
+            <a:endParaRPr lang="en-US" sz="1800" b="0" strike="noStrike" spc="-1">
               <a:solidFill>
                 <a:srgbClr val="000000"/>
               </a:solidFill>
@@ -1240,11 +1394,12 @@
           </a:prstGeom>
         </p:spPr>
         <p:txBody>
-          <a:bodyPr lIns="0" rIns="0" tIns="0" bIns="0">
+          <a:bodyPr lIns="0" tIns="0" rIns="0" bIns="0">
             <a:normAutofit/>
           </a:bodyPr>
-          <a:p>
-            <a:endParaRPr b="0" lang="en-US" sz="2000" spc="-1" strike="noStrike">
+          <a:lstStyle/>
+          <a:p>
+            <a:endParaRPr lang="en-US" sz="2000" b="0" strike="noStrike" spc="-1">
               <a:solidFill>
                 <a:srgbClr val="595959"/>
               </a:solidFill>
@@ -1273,11 +1428,12 @@
           </a:prstGeom>
         </p:spPr>
         <p:txBody>
-          <a:bodyPr lIns="0" rIns="0" tIns="0" bIns="0">
+          <a:bodyPr lIns="0" tIns="0" rIns="0" bIns="0">
             <a:normAutofit/>
           </a:bodyPr>
-          <a:p>
-            <a:endParaRPr b="0" lang="en-US" sz="2000" spc="-1" strike="noStrike">
+          <a:lstStyle/>
+          <a:p>
+            <a:endParaRPr lang="en-US" sz="2000" b="0" strike="noStrike" spc="-1">
               <a:solidFill>
                 <a:srgbClr val="595959"/>
               </a:solidFill>
@@ -1306,11 +1462,12 @@
           </a:prstGeom>
         </p:spPr>
         <p:txBody>
-          <a:bodyPr lIns="0" rIns="0" tIns="0" bIns="0">
+          <a:bodyPr lIns="0" tIns="0" rIns="0" bIns="0">
             <a:normAutofit/>
           </a:bodyPr>
-          <a:p>
-            <a:endParaRPr b="0" lang="en-US" sz="2000" spc="-1" strike="noStrike">
+          <a:lstStyle/>
+          <a:p>
+            <a:endParaRPr lang="en-US" sz="2000" b="0" strike="noStrike" spc="-1">
               <a:solidFill>
                 <a:srgbClr val="595959"/>
               </a:solidFill>
@@ -1321,11 +1478,14 @@
       </p:sp>
     </p:spTree>
   </p:cSld>
+  <p:clrMapOvr>
+    <a:masterClrMapping/>
+  </p:clrMapOvr>
 </p:sldLayout>
 </file>
 
 <file path=ppt/slideLayouts/slideLayout9.xml><?xml version="1.0" encoding="utf-8"?>
-<p:sldLayout xmlns:a="http://schemas.openxmlformats.org/drawingml/2006/main" xmlns:p="http://schemas.openxmlformats.org/presentationml/2006/main" xmlns:r="http://schemas.openxmlformats.org/officeDocument/2006/relationships" xmlns:p14="http://schemas.microsoft.com/office/powerpoint/2010/main" xmlns:p15="http://schemas.microsoft.com/office/powerpoint/2012/main" xmlns:mc="http://schemas.openxmlformats.org/markup-compatibility/2006" type="twoObjOverTx" preserve="1">
+<p:sldLayout xmlns:a="http://schemas.openxmlformats.org/drawingml/2006/main" xmlns:r="http://schemas.openxmlformats.org/officeDocument/2006/relationships" xmlns:p="http://schemas.openxmlformats.org/presentationml/2006/main" type="twoObjOverTx" preserve="1">
   <p:cSld name="Title, 2 Content over Content">
     <p:spTree>
       <p:nvGrpSpPr>
@@ -1361,11 +1521,12 @@
           </a:prstGeom>
         </p:spPr>
         <p:txBody>
-          <a:bodyPr lIns="0" rIns="0" tIns="0" bIns="0" anchor="ctr">
+          <a:bodyPr lIns="0" tIns="0" rIns="0" bIns="0" anchor="ctr">
             <a:noAutofit/>
           </a:bodyPr>
-          <a:p>
-            <a:endParaRPr b="0" lang="en-US" sz="1800" spc="-1" strike="noStrike">
+          <a:lstStyle/>
+          <a:p>
+            <a:endParaRPr lang="en-US" sz="1800" b="0" strike="noStrike" spc="-1">
               <a:solidFill>
                 <a:srgbClr val="000000"/>
               </a:solidFill>
@@ -1394,11 +1555,12 @@
           </a:prstGeom>
         </p:spPr>
         <p:txBody>
-          <a:bodyPr lIns="0" rIns="0" tIns="0" bIns="0">
+          <a:bodyPr lIns="0" tIns="0" rIns="0" bIns="0">
             <a:normAutofit/>
           </a:bodyPr>
-          <a:p>
-            <a:endParaRPr b="0" lang="en-US" sz="2000" spc="-1" strike="noStrike">
+          <a:lstStyle/>
+          <a:p>
+            <a:endParaRPr lang="en-US" sz="2000" b="0" strike="noStrike" spc="-1">
               <a:solidFill>
                 <a:srgbClr val="595959"/>
               </a:solidFill>
@@ -1427,11 +1589,12 @@
           </a:prstGeom>
         </p:spPr>
         <p:txBody>
-          <a:bodyPr lIns="0" rIns="0" tIns="0" bIns="0">
+          <a:bodyPr lIns="0" tIns="0" rIns="0" bIns="0">
             <a:normAutofit/>
           </a:bodyPr>
-          <a:p>
-            <a:endParaRPr b="0" lang="en-US" sz="2000" spc="-1" strike="noStrike">
+          <a:lstStyle/>
+          <a:p>
+            <a:endParaRPr lang="en-US" sz="2000" b="0" strike="noStrike" spc="-1">
               <a:solidFill>
                 <a:srgbClr val="595959"/>
               </a:solidFill>
@@ -1460,11 +1623,12 @@
           </a:prstGeom>
         </p:spPr>
         <p:txBody>
-          <a:bodyPr lIns="0" rIns="0" tIns="0" bIns="0">
+          <a:bodyPr lIns="0" tIns="0" rIns="0" bIns="0">
             <a:normAutofit/>
           </a:bodyPr>
-          <a:p>
-            <a:endParaRPr b="0" lang="en-US" sz="2000" spc="-1" strike="noStrike">
+          <a:lstStyle/>
+          <a:p>
+            <a:endParaRPr lang="en-US" sz="2000" b="0" strike="noStrike" spc="-1">
               <a:solidFill>
                 <a:srgbClr val="595959"/>
               </a:solidFill>
@@ -1475,17 +1639,21 @@
       </p:sp>
     </p:spTree>
   </p:cSld>
+  <p:clrMapOvr>
+    <a:masterClrMapping/>
+  </p:clrMapOvr>
 </p:sldLayout>
 </file>
 
 <file path=ppt/slideMasters/slideMaster1.xml><?xml version="1.0" encoding="utf-8"?>
-<p:sldMaster xmlns:a="http://schemas.openxmlformats.org/drawingml/2006/main" xmlns:p="http://schemas.openxmlformats.org/presentationml/2006/main" xmlns:r="http://schemas.openxmlformats.org/officeDocument/2006/relationships" xmlns:p14="http://schemas.microsoft.com/office/powerpoint/2010/main" xmlns:p15="http://schemas.microsoft.com/office/powerpoint/2012/main" xmlns:mc="http://schemas.openxmlformats.org/markup-compatibility/2006">
+<p:sldMaster xmlns:a="http://schemas.openxmlformats.org/drawingml/2006/main" xmlns:r="http://schemas.openxmlformats.org/officeDocument/2006/relationships" xmlns:p="http://schemas.openxmlformats.org/presentationml/2006/main">
   <p:cSld>
     <p:bg>
       <p:bgPr>
         <a:solidFill>
-          <a:srgbClr val="f3f3f2"/>
+          <a:srgbClr val="F3F3F2"/>
         </a:solidFill>
+        <a:effectLst/>
       </p:bgPr>
     </p:bg>
     <p:spTree>
@@ -1504,7 +1672,7 @@
       </p:grpSpPr>
       <p:sp>
         <p:nvSpPr>
-          <p:cNvPr id="0" name="CustomShape 1"/>
+          <p:cNvPr id="7" name="CustomShape 1"/>
           <p:cNvSpPr/>
           <p:nvPr/>
         </p:nvSpPr>
@@ -1517,6 +1685,7 @@
             <a:avLst/>
             <a:gdLst/>
             <a:ahLst/>
+            <a:cxnLst/>
             <a:rect l="l" t="t" r="r" b="b"/>
             <a:pathLst>
               <a:path w="558" h="4320">
@@ -1961,15 +2130,21 @@
           </a:ln>
         </p:spPr>
         <p:style>
-          <a:lnRef idx="0"/>
-          <a:fillRef idx="0"/>
-          <a:effectRef idx="0"/>
+          <a:lnRef idx="0">
+            <a:scrgbClr r="0" g="0" b="0"/>
+          </a:lnRef>
+          <a:fillRef idx="0">
+            <a:scrgbClr r="0" g="0" b="0"/>
+          </a:fillRef>
+          <a:effectRef idx="0">
+            <a:scrgbClr r="0" g="0" b="0"/>
+          </a:effectRef>
           <a:fontRef idx="minor"/>
         </p:style>
       </p:sp>
       <p:sp>
         <p:nvSpPr>
-          <p:cNvPr id="1" name="CustomShape 2"/>
+          <p:cNvPr id="8" name="CustomShape 2"/>
           <p:cNvSpPr/>
           <p:nvPr/>
         </p:nvSpPr>
@@ -2026,6 +2201,7 @@
           <a:bodyPr anchor="ctr">
             <a:noAutofit/>
           </a:bodyPr>
+          <a:lstStyle/>
           <a:p>
             <a:pPr>
               <a:lnSpc>
@@ -2033,15 +2209,15 @@
               </a:lnSpc>
             </a:pPr>
             <a:fld id="{0696FE48-4B98-406A-BA8B-4F39298C79AB}" type="datetime">
-              <a:rPr b="0" lang="en-IN" sz="1200" spc="-1" strike="noStrike">
+              <a:rPr lang="en-IN" sz="1200" b="0" strike="noStrike" spc="-1">
                 <a:solidFill>
                   <a:srgbClr val="595959"/>
                 </a:solidFill>
                 <a:latin typeface="Gill Sans MT"/>
               </a:rPr>
-              <a:t>01/12/20</a:t>
+              <a:t>01-12-2020</a:t>
             </a:fld>
-            <a:endParaRPr b="0" lang="en-IN" sz="1200" spc="-1" strike="noStrike">
+            <a:endParaRPr lang="en-IN" sz="1200" b="0" strike="noStrike" spc="-1">
               <a:latin typeface="Times New Roman"/>
             </a:endParaRPr>
           </a:p>
@@ -2070,8 +2246,9 @@
           <a:bodyPr anchor="ctr">
             <a:noAutofit/>
           </a:bodyPr>
-          <a:p>
-            <a:endParaRPr b="0" lang="en-IN" sz="2400" spc="-1" strike="noStrike">
+          <a:lstStyle/>
+          <a:p>
+            <a:endParaRPr lang="en-IN" sz="2400" b="0" strike="noStrike" spc="-1">
               <a:latin typeface="Times New Roman"/>
             </a:endParaRPr>
           </a:p>
@@ -2100,6 +2277,7 @@
           <a:bodyPr anchor="ctr">
             <a:noAutofit/>
           </a:bodyPr>
+          <a:lstStyle/>
           <a:p>
             <a:pPr algn="r">
               <a:lnSpc>
@@ -2107,15 +2285,15 @@
               </a:lnSpc>
             </a:pPr>
             <a:fld id="{AF2815A3-9F3E-496C-B538-5857A8582FCF}" type="slidenum">
-              <a:rPr b="0" lang="en-IN" sz="1200" spc="-1" strike="noStrike">
+              <a:rPr lang="en-IN" sz="1200" b="0" strike="noStrike" spc="-1">
                 <a:solidFill>
                   <a:srgbClr val="595959"/>
                 </a:solidFill>
                 <a:latin typeface="Gill Sans MT"/>
               </a:rPr>
-              <a:t>&lt;number&gt;</a:t>
+              <a:t>‹#›</a:t>
             </a:fld>
-            <a:endParaRPr b="0" lang="en-IN" sz="1200" spc="-1" strike="noStrike">
+            <a:endParaRPr lang="en-IN" sz="1200" b="0" strike="noStrike" spc="-1">
               <a:latin typeface="Times New Roman"/>
             </a:endParaRPr>
           </a:p>
@@ -2141,12 +2319,13 @@
           </a:prstGeom>
         </p:spPr>
         <p:txBody>
-          <a:bodyPr lIns="0" rIns="0" tIns="0" bIns="0" anchor="ctr">
+          <a:bodyPr lIns="0" tIns="0" rIns="0" bIns="0" anchor="ctr">
             <a:noAutofit/>
           </a:bodyPr>
+          <a:lstStyle/>
           <a:p>
             <a:r>
-              <a:rPr b="0" lang="en-US" sz="1800" spc="-1" strike="noStrike">
+              <a:rPr lang="en-US" sz="1800" b="0" strike="noStrike" spc="-1">
                 <a:solidFill>
                   <a:srgbClr val="000000"/>
                 </a:solidFill>
@@ -2154,12 +2333,6 @@
               </a:rPr>
               <a:t>Click to edit the title text format</a:t>
             </a:r>
-            <a:endParaRPr b="0" lang="en-US" sz="1800" spc="-1" strike="noStrike">
-              <a:solidFill>
-                <a:srgbClr val="000000"/>
-              </a:solidFill>
-              <a:latin typeface="Gill Sans MT"/>
-            </a:endParaRPr>
           </a:p>
         </p:txBody>
       </p:sp>
@@ -2183,9 +2356,10 @@
           </a:prstGeom>
         </p:spPr>
         <p:txBody>
-          <a:bodyPr lIns="0" rIns="0" tIns="0" bIns="0">
+          <a:bodyPr lIns="0" tIns="0" rIns="0" bIns="0">
             <a:normAutofit/>
           </a:bodyPr>
+          <a:lstStyle/>
           <a:p>
             <a:pPr marL="432000" indent="-324000">
               <a:spcBef>
@@ -2199,7 +2373,7 @@
               <a:buChar char=""/>
             </a:pPr>
             <a:r>
-              <a:rPr b="0" lang="en-US" sz="2000" spc="-1" strike="noStrike">
+              <a:rPr lang="en-US" sz="2000" b="0" strike="noStrike" spc="-1">
                 <a:solidFill>
                   <a:srgbClr val="595959"/>
                 </a:solidFill>
@@ -2207,15 +2381,9 @@
               </a:rPr>
               <a:t>Click to edit the outline text format</a:t>
             </a:r>
-            <a:endParaRPr b="0" lang="en-US" sz="2000" spc="-1" strike="noStrike">
-              <a:solidFill>
-                <a:srgbClr val="595959"/>
-              </a:solidFill>
-              <a:latin typeface="Gill Sans MT"/>
-            </a:endParaRPr>
-          </a:p>
-          <a:p>
-            <a:pPr lvl="1" marL="864000" indent="-324000">
+          </a:p>
+          <a:p>
+            <a:pPr marL="864000" lvl="1" indent="-324000">
               <a:spcBef>
                 <a:spcPts val="1134"/>
               </a:spcBef>
@@ -2227,7 +2395,7 @@
               <a:buChar char=""/>
             </a:pPr>
             <a:r>
-              <a:rPr b="0" lang="en-US" sz="1600" spc="-1" strike="noStrike">
+              <a:rPr lang="en-US" sz="1600" b="0" strike="noStrike" spc="-1">
                 <a:solidFill>
                   <a:srgbClr val="595959"/>
                 </a:solidFill>
@@ -2235,15 +2403,9 @@
               </a:rPr>
               <a:t>Second Outline Level</a:t>
             </a:r>
-            <a:endParaRPr b="0" lang="en-US" sz="1600" spc="-1" strike="noStrike">
-              <a:solidFill>
-                <a:srgbClr val="595959"/>
-              </a:solidFill>
-              <a:latin typeface="Gill Sans MT"/>
-            </a:endParaRPr>
-          </a:p>
-          <a:p>
-            <a:pPr lvl="2" marL="1296000" indent="-288000">
+          </a:p>
+          <a:p>
+            <a:pPr marL="1296000" lvl="2" indent="-288000">
               <a:spcBef>
                 <a:spcPts val="850"/>
               </a:spcBef>
@@ -2255,7 +2417,7 @@
               <a:buChar char=""/>
             </a:pPr>
             <a:r>
-              <a:rPr b="0" lang="en-US" sz="1400" spc="-1" strike="noStrike">
+              <a:rPr lang="en-US" sz="1400" b="0" strike="noStrike" spc="-1">
                 <a:solidFill>
                   <a:srgbClr val="595959"/>
                 </a:solidFill>
@@ -2263,15 +2425,9 @@
               </a:rPr>
               <a:t>Third Outline Level</a:t>
             </a:r>
-            <a:endParaRPr b="0" lang="en-US" sz="1400" spc="-1" strike="noStrike">
-              <a:solidFill>
-                <a:srgbClr val="595959"/>
-              </a:solidFill>
-              <a:latin typeface="Gill Sans MT"/>
-            </a:endParaRPr>
-          </a:p>
-          <a:p>
-            <a:pPr lvl="3" marL="1728000" indent="-216000">
+          </a:p>
+          <a:p>
+            <a:pPr marL="1728000" lvl="3" indent="-216000">
               <a:spcBef>
                 <a:spcPts val="567"/>
               </a:spcBef>
@@ -2283,7 +2439,7 @@
               <a:buChar char=""/>
             </a:pPr>
             <a:r>
-              <a:rPr b="0" lang="en-US" sz="1400" spc="-1" strike="noStrike">
+              <a:rPr lang="en-US" sz="1400" b="0" strike="noStrike" spc="-1">
                 <a:solidFill>
                   <a:srgbClr val="595959"/>
                 </a:solidFill>
@@ -2291,15 +2447,9 @@
               </a:rPr>
               <a:t>Fourth Outline Level</a:t>
             </a:r>
-            <a:endParaRPr b="0" lang="en-US" sz="1400" spc="-1" strike="noStrike">
-              <a:solidFill>
-                <a:srgbClr val="595959"/>
-              </a:solidFill>
-              <a:latin typeface="Gill Sans MT"/>
-            </a:endParaRPr>
-          </a:p>
-          <a:p>
-            <a:pPr lvl="4" marL="2160000" indent="-216000">
+          </a:p>
+          <a:p>
+            <a:pPr marL="2160000" lvl="4" indent="-216000">
               <a:spcBef>
                 <a:spcPts val="283"/>
               </a:spcBef>
@@ -2311,7 +2461,7 @@
               <a:buChar char=""/>
             </a:pPr>
             <a:r>
-              <a:rPr b="0" lang="en-US" sz="2000" spc="-1" strike="noStrike">
+              <a:rPr lang="en-US" sz="2000" b="0" strike="noStrike" spc="-1">
                 <a:solidFill>
                   <a:srgbClr val="595959"/>
                 </a:solidFill>
@@ -2319,15 +2469,9 @@
               </a:rPr>
               <a:t>Fifth Outline Level</a:t>
             </a:r>
-            <a:endParaRPr b="0" lang="en-US" sz="2000" spc="-1" strike="noStrike">
-              <a:solidFill>
-                <a:srgbClr val="595959"/>
-              </a:solidFill>
-              <a:latin typeface="Gill Sans MT"/>
-            </a:endParaRPr>
-          </a:p>
-          <a:p>
-            <a:pPr lvl="5" marL="2592000" indent="-216000">
+          </a:p>
+          <a:p>
+            <a:pPr marL="2592000" lvl="5" indent="-216000">
               <a:spcBef>
                 <a:spcPts val="283"/>
               </a:spcBef>
@@ -2339,7 +2483,7 @@
               <a:buChar char=""/>
             </a:pPr>
             <a:r>
-              <a:rPr b="0" lang="en-US" sz="2000" spc="-1" strike="noStrike">
+              <a:rPr lang="en-US" sz="2000" b="0" strike="noStrike" spc="-1">
                 <a:solidFill>
                   <a:srgbClr val="595959"/>
                 </a:solidFill>
@@ -2347,15 +2491,9 @@
               </a:rPr>
               <a:t>Sixth Outline Level</a:t>
             </a:r>
-            <a:endParaRPr b="0" lang="en-US" sz="2000" spc="-1" strike="noStrike">
-              <a:solidFill>
-                <a:srgbClr val="595959"/>
-              </a:solidFill>
-              <a:latin typeface="Gill Sans MT"/>
-            </a:endParaRPr>
-          </a:p>
-          <a:p>
-            <a:pPr lvl="6" marL="3024000" indent="-216000">
+          </a:p>
+          <a:p>
+            <a:pPr marL="3024000" lvl="6" indent="-216000">
               <a:spcBef>
                 <a:spcPts val="283"/>
               </a:spcBef>
@@ -2367,7 +2505,7 @@
               <a:buChar char=""/>
             </a:pPr>
             <a:r>
-              <a:rPr b="0" lang="en-US" sz="2000" spc="-1" strike="noStrike">
+              <a:rPr lang="en-US" sz="2000" b="0" strike="noStrike" spc="-1">
                 <a:solidFill>
                   <a:srgbClr val="595959"/>
                 </a:solidFill>
@@ -2375,37 +2513,311 @@
               </a:rPr>
               <a:t>Seventh Outline Level</a:t>
             </a:r>
-            <a:endParaRPr b="0" lang="en-US" sz="2000" spc="-1" strike="noStrike">
-              <a:solidFill>
-                <a:srgbClr val="595959"/>
-              </a:solidFill>
-              <a:latin typeface="Gill Sans MT"/>
-            </a:endParaRPr>
           </a:p>
         </p:txBody>
       </p:sp>
     </p:spTree>
   </p:cSld>
-  <p:clrMap bg1="lt1" bg2="lt2" tx1="dk1" tx2="dk2" accent1="accent1" accent2="accent2" accent3="accent3" accent4="accent4" accent5="accent5" accent6="accent6" hlink="hlink" folHlink="folHlink"/>
+  <p:clrMap bg1="lt1" tx1="dk1" bg2="lt2" tx2="dk2" accent1="accent1" accent2="accent2" accent3="accent3" accent4="accent4" accent5="accent5" accent6="accent6" hlink="hlink" folHlink="folHlink"/>
   <p:sldLayoutIdLst>
-    <p:sldLayoutId id="2147483649" r:id="rId2"/>
-    <p:sldLayoutId id="2147483650" r:id="rId3"/>
-    <p:sldLayoutId id="2147483651" r:id="rId4"/>
-    <p:sldLayoutId id="2147483652" r:id="rId5"/>
-    <p:sldLayoutId id="2147483653" r:id="rId6"/>
-    <p:sldLayoutId id="2147483654" r:id="rId7"/>
-    <p:sldLayoutId id="2147483655" r:id="rId8"/>
-    <p:sldLayoutId id="2147483656" r:id="rId9"/>
-    <p:sldLayoutId id="2147483657" r:id="rId10"/>
-    <p:sldLayoutId id="2147483658" r:id="rId11"/>
-    <p:sldLayoutId id="2147483659" r:id="rId12"/>
-    <p:sldLayoutId id="2147483660" r:id="rId13"/>
+    <p:sldLayoutId id="2147483649" r:id="rId1"/>
+    <p:sldLayoutId id="2147483650" r:id="rId2"/>
+    <p:sldLayoutId id="2147483651" r:id="rId3"/>
+    <p:sldLayoutId id="2147483652" r:id="rId4"/>
+    <p:sldLayoutId id="2147483653" r:id="rId5"/>
+    <p:sldLayoutId id="2147483654" r:id="rId6"/>
+    <p:sldLayoutId id="2147483655" r:id="rId7"/>
+    <p:sldLayoutId id="2147483656" r:id="rId8"/>
+    <p:sldLayoutId id="2147483657" r:id="rId9"/>
+    <p:sldLayoutId id="2147483658" r:id="rId10"/>
+    <p:sldLayoutId id="2147483659" r:id="rId11"/>
+    <p:sldLayoutId id="2147483660" r:id="rId12"/>
   </p:sldLayoutIdLst>
+  <p:txStyles>
+    <p:titleStyle>
+      <a:lvl1pPr algn="l" defTabSz="914400" rtl="0" eaLnBrk="1" latinLnBrk="0" hangingPunct="1">
+        <a:lnSpc>
+          <a:spcPct val="90000"/>
+        </a:lnSpc>
+        <a:spcBef>
+          <a:spcPct val="0"/>
+        </a:spcBef>
+        <a:buNone/>
+        <a:defRPr sz="4400" kern="1200">
+          <a:solidFill>
+            <a:schemeClr val="tx1"/>
+          </a:solidFill>
+          <a:latin typeface="+mj-lt"/>
+          <a:ea typeface="+mj-ea"/>
+          <a:cs typeface="+mj-cs"/>
+        </a:defRPr>
+      </a:lvl1pPr>
+    </p:titleStyle>
+    <p:bodyStyle>
+      <a:lvl1pPr marL="228600" indent="-228600" algn="l" defTabSz="914400" rtl="0" eaLnBrk="1" latinLnBrk="0" hangingPunct="1">
+        <a:lnSpc>
+          <a:spcPct val="90000"/>
+        </a:lnSpc>
+        <a:spcBef>
+          <a:spcPts val="1000"/>
+        </a:spcBef>
+        <a:buFont typeface="Arial" panose="020B0604020202020204" pitchFamily="34" charset="0"/>
+        <a:buChar char="•"/>
+        <a:defRPr sz="2800" kern="1200">
+          <a:solidFill>
+            <a:schemeClr val="tx1"/>
+          </a:solidFill>
+          <a:latin typeface="+mn-lt"/>
+          <a:ea typeface="+mn-ea"/>
+          <a:cs typeface="+mn-cs"/>
+        </a:defRPr>
+      </a:lvl1pPr>
+      <a:lvl2pPr marL="685800" indent="-228600" algn="l" defTabSz="914400" rtl="0" eaLnBrk="1" latinLnBrk="0" hangingPunct="1">
+        <a:lnSpc>
+          <a:spcPct val="90000"/>
+        </a:lnSpc>
+        <a:spcBef>
+          <a:spcPts val="500"/>
+        </a:spcBef>
+        <a:buFont typeface="Arial" panose="020B0604020202020204" pitchFamily="34" charset="0"/>
+        <a:buChar char="•"/>
+        <a:defRPr sz="2400" kern="1200">
+          <a:solidFill>
+            <a:schemeClr val="tx1"/>
+          </a:solidFill>
+          <a:latin typeface="+mn-lt"/>
+          <a:ea typeface="+mn-ea"/>
+          <a:cs typeface="+mn-cs"/>
+        </a:defRPr>
+      </a:lvl2pPr>
+      <a:lvl3pPr marL="1143000" indent="-228600" algn="l" defTabSz="914400" rtl="0" eaLnBrk="1" latinLnBrk="0" hangingPunct="1">
+        <a:lnSpc>
+          <a:spcPct val="90000"/>
+        </a:lnSpc>
+        <a:spcBef>
+          <a:spcPts val="500"/>
+        </a:spcBef>
+        <a:buFont typeface="Arial" panose="020B0604020202020204" pitchFamily="34" charset="0"/>
+        <a:buChar char="•"/>
+        <a:defRPr sz="2000" kern="1200">
+          <a:solidFill>
+            <a:schemeClr val="tx1"/>
+          </a:solidFill>
+          <a:latin typeface="+mn-lt"/>
+          <a:ea typeface="+mn-ea"/>
+          <a:cs typeface="+mn-cs"/>
+        </a:defRPr>
+      </a:lvl3pPr>
+      <a:lvl4pPr marL="1600200" indent="-228600" algn="l" defTabSz="914400" rtl="0" eaLnBrk="1" latinLnBrk="0" hangingPunct="1">
+        <a:lnSpc>
+          <a:spcPct val="90000"/>
+        </a:lnSpc>
+        <a:spcBef>
+          <a:spcPts val="500"/>
+        </a:spcBef>
+        <a:buFont typeface="Arial" panose="020B0604020202020204" pitchFamily="34" charset="0"/>
+        <a:buChar char="•"/>
+        <a:defRPr sz="1800" kern="1200">
+          <a:solidFill>
+            <a:schemeClr val="tx1"/>
+          </a:solidFill>
+          <a:latin typeface="+mn-lt"/>
+          <a:ea typeface="+mn-ea"/>
+          <a:cs typeface="+mn-cs"/>
+        </a:defRPr>
+      </a:lvl4pPr>
+      <a:lvl5pPr marL="2057400" indent="-228600" algn="l" defTabSz="914400" rtl="0" eaLnBrk="1" latinLnBrk="0" hangingPunct="1">
+        <a:lnSpc>
+          <a:spcPct val="90000"/>
+        </a:lnSpc>
+        <a:spcBef>
+          <a:spcPts val="500"/>
+        </a:spcBef>
+        <a:buFont typeface="Arial" panose="020B0604020202020204" pitchFamily="34" charset="0"/>
+        <a:buChar char="•"/>
+        <a:defRPr sz="1800" kern="1200">
+          <a:solidFill>
+            <a:schemeClr val="tx1"/>
+          </a:solidFill>
+          <a:latin typeface="+mn-lt"/>
+          <a:ea typeface="+mn-ea"/>
+          <a:cs typeface="+mn-cs"/>
+        </a:defRPr>
+      </a:lvl5pPr>
+      <a:lvl6pPr marL="2514600" indent="-228600" algn="l" defTabSz="914400" rtl="0" eaLnBrk="1" latinLnBrk="0" hangingPunct="1">
+        <a:lnSpc>
+          <a:spcPct val="90000"/>
+        </a:lnSpc>
+        <a:spcBef>
+          <a:spcPts val="500"/>
+        </a:spcBef>
+        <a:buFont typeface="Arial" panose="020B0604020202020204" pitchFamily="34" charset="0"/>
+        <a:buChar char="•"/>
+        <a:defRPr sz="1800" kern="1200">
+          <a:solidFill>
+            <a:schemeClr val="tx1"/>
+          </a:solidFill>
+          <a:latin typeface="+mn-lt"/>
+          <a:ea typeface="+mn-ea"/>
+          <a:cs typeface="+mn-cs"/>
+        </a:defRPr>
+      </a:lvl6pPr>
+      <a:lvl7pPr marL="2971800" indent="-228600" algn="l" defTabSz="914400" rtl="0" eaLnBrk="1" latinLnBrk="0" hangingPunct="1">
+        <a:lnSpc>
+          <a:spcPct val="90000"/>
+        </a:lnSpc>
+        <a:spcBef>
+          <a:spcPts val="500"/>
+        </a:spcBef>
+        <a:buFont typeface="Arial" panose="020B0604020202020204" pitchFamily="34" charset="0"/>
+        <a:buChar char="•"/>
+        <a:defRPr sz="1800" kern="1200">
+          <a:solidFill>
+            <a:schemeClr val="tx1"/>
+          </a:solidFill>
+          <a:latin typeface="+mn-lt"/>
+          <a:ea typeface="+mn-ea"/>
+          <a:cs typeface="+mn-cs"/>
+        </a:defRPr>
+      </a:lvl7pPr>
+      <a:lvl8pPr marL="3429000" indent="-228600" algn="l" defTabSz="914400" rtl="0" eaLnBrk="1" latinLnBrk="0" hangingPunct="1">
+        <a:lnSpc>
+          <a:spcPct val="90000"/>
+        </a:lnSpc>
+        <a:spcBef>
+          <a:spcPts val="500"/>
+        </a:spcBef>
+        <a:buFont typeface="Arial" panose="020B0604020202020204" pitchFamily="34" charset="0"/>
+        <a:buChar char="•"/>
+        <a:defRPr sz="1800" kern="1200">
+          <a:solidFill>
+            <a:schemeClr val="tx1"/>
+          </a:solidFill>
+          <a:latin typeface="+mn-lt"/>
+          <a:ea typeface="+mn-ea"/>
+          <a:cs typeface="+mn-cs"/>
+        </a:defRPr>
+      </a:lvl8pPr>
+      <a:lvl9pPr marL="3886200" indent="-228600" algn="l" defTabSz="914400" rtl="0" eaLnBrk="1" latinLnBrk="0" hangingPunct="1">
+        <a:lnSpc>
+          <a:spcPct val="90000"/>
+        </a:lnSpc>
+        <a:spcBef>
+          <a:spcPts val="500"/>
+        </a:spcBef>
+        <a:buFont typeface="Arial" panose="020B0604020202020204" pitchFamily="34" charset="0"/>
+        <a:buChar char="•"/>
+        <a:defRPr sz="1800" kern="1200">
+          <a:solidFill>
+            <a:schemeClr val="tx1"/>
+          </a:solidFill>
+          <a:latin typeface="+mn-lt"/>
+          <a:ea typeface="+mn-ea"/>
+          <a:cs typeface="+mn-cs"/>
+        </a:defRPr>
+      </a:lvl9pPr>
+    </p:bodyStyle>
+    <p:otherStyle>
+      <a:defPPr>
+        <a:defRPr lang="en-US"/>
+      </a:defPPr>
+      <a:lvl1pPr marL="0" algn="l" defTabSz="914400" rtl="0" eaLnBrk="1" latinLnBrk="0" hangingPunct="1">
+        <a:defRPr sz="1800" kern="1200">
+          <a:solidFill>
+            <a:schemeClr val="tx1"/>
+          </a:solidFill>
+          <a:latin typeface="+mn-lt"/>
+          <a:ea typeface="+mn-ea"/>
+          <a:cs typeface="+mn-cs"/>
+        </a:defRPr>
+      </a:lvl1pPr>
+      <a:lvl2pPr marL="457200" algn="l" defTabSz="914400" rtl="0" eaLnBrk="1" latinLnBrk="0" hangingPunct="1">
+        <a:defRPr sz="1800" kern="1200">
+          <a:solidFill>
+            <a:schemeClr val="tx1"/>
+          </a:solidFill>
+          <a:latin typeface="+mn-lt"/>
+          <a:ea typeface="+mn-ea"/>
+          <a:cs typeface="+mn-cs"/>
+        </a:defRPr>
+      </a:lvl2pPr>
+      <a:lvl3pPr marL="914400" algn="l" defTabSz="914400" rtl="0" eaLnBrk="1" latinLnBrk="0" hangingPunct="1">
+        <a:defRPr sz="1800" kern="1200">
+          <a:solidFill>
+            <a:schemeClr val="tx1"/>
+          </a:solidFill>
+          <a:latin typeface="+mn-lt"/>
+          <a:ea typeface="+mn-ea"/>
+          <a:cs typeface="+mn-cs"/>
+        </a:defRPr>
+      </a:lvl3pPr>
+      <a:lvl4pPr marL="1371600" algn="l" defTabSz="914400" rtl="0" eaLnBrk="1" latinLnBrk="0" hangingPunct="1">
+        <a:defRPr sz="1800" kern="1200">
+          <a:solidFill>
+            <a:schemeClr val="tx1"/>
+          </a:solidFill>
+          <a:latin typeface="+mn-lt"/>
+          <a:ea typeface="+mn-ea"/>
+          <a:cs typeface="+mn-cs"/>
+        </a:defRPr>
+      </a:lvl4pPr>
+      <a:lvl5pPr marL="1828800" algn="l" defTabSz="914400" rtl="0" eaLnBrk="1" latinLnBrk="0" hangingPunct="1">
+        <a:defRPr sz="1800" kern="1200">
+          <a:solidFill>
+            <a:schemeClr val="tx1"/>
+          </a:solidFill>
+          <a:latin typeface="+mn-lt"/>
+          <a:ea typeface="+mn-ea"/>
+          <a:cs typeface="+mn-cs"/>
+        </a:defRPr>
+      </a:lvl5pPr>
+      <a:lvl6pPr marL="2286000" algn="l" defTabSz="914400" rtl="0" eaLnBrk="1" latinLnBrk="0" hangingPunct="1">
+        <a:defRPr sz="1800" kern="1200">
+          <a:solidFill>
+            <a:schemeClr val="tx1"/>
+          </a:solidFill>
+          <a:latin typeface="+mn-lt"/>
+          <a:ea typeface="+mn-ea"/>
+          <a:cs typeface="+mn-cs"/>
+        </a:defRPr>
+      </a:lvl6pPr>
+      <a:lvl7pPr marL="2743200" algn="l" defTabSz="914400" rtl="0" eaLnBrk="1" latinLnBrk="0" hangingPunct="1">
+        <a:defRPr sz="1800" kern="1200">
+          <a:solidFill>
+            <a:schemeClr val="tx1"/>
+          </a:solidFill>
+          <a:latin typeface="+mn-lt"/>
+          <a:ea typeface="+mn-ea"/>
+          <a:cs typeface="+mn-cs"/>
+        </a:defRPr>
+      </a:lvl7pPr>
+      <a:lvl8pPr marL="3200400" algn="l" defTabSz="914400" rtl="0" eaLnBrk="1" latinLnBrk="0" hangingPunct="1">
+        <a:defRPr sz="1800" kern="1200">
+          <a:solidFill>
+            <a:schemeClr val="tx1"/>
+          </a:solidFill>
+          <a:latin typeface="+mn-lt"/>
+          <a:ea typeface="+mn-ea"/>
+          <a:cs typeface="+mn-cs"/>
+        </a:defRPr>
+      </a:lvl8pPr>
+      <a:lvl9pPr marL="3657600" algn="l" defTabSz="914400" rtl="0" eaLnBrk="1" latinLnBrk="0" hangingPunct="1">
+        <a:defRPr sz="1800" kern="1200">
+          <a:solidFill>
+            <a:schemeClr val="tx1"/>
+          </a:solidFill>
+          <a:latin typeface="+mn-lt"/>
+          <a:ea typeface="+mn-ea"/>
+          <a:cs typeface="+mn-cs"/>
+        </a:defRPr>
+      </a:lvl9pPr>
+    </p:otherStyle>
+  </p:txStyles>
 </p:sldMaster>
 </file>
 
 <file path=ppt/slides/slide1.xml><?xml version="1.0" encoding="utf-8"?>
-<p:sld xmlns:a="http://schemas.openxmlformats.org/drawingml/2006/main" xmlns:p="http://schemas.openxmlformats.org/presentationml/2006/main" xmlns:r="http://schemas.openxmlformats.org/officeDocument/2006/relationships" xmlns:p14="http://schemas.microsoft.com/office/powerpoint/2010/main" xmlns:p15="http://schemas.microsoft.com/office/powerpoint/2012/main" xmlns:mc="http://schemas.openxmlformats.org/markup-compatibility/2006">
+<p:sld xmlns:a="http://schemas.openxmlformats.org/drawingml/2006/main" xmlns:r="http://schemas.openxmlformats.org/officeDocument/2006/relationships" xmlns:p="http://schemas.openxmlformats.org/presentationml/2006/main">
   <p:cSld>
     <p:spTree>
       <p:nvGrpSpPr>
@@ -2441,15 +2853,22 @@
           </a:ln>
         </p:spPr>
         <p:style>
-          <a:lnRef idx="0"/>
-          <a:fillRef idx="0"/>
-          <a:effectRef idx="0"/>
+          <a:lnRef idx="0">
+            <a:scrgbClr r="0" g="0" b="0"/>
+          </a:lnRef>
+          <a:fillRef idx="0">
+            <a:scrgbClr r="0" g="0" b="0"/>
+          </a:fillRef>
+          <a:effectRef idx="0">
+            <a:scrgbClr r="0" g="0" b="0"/>
+          </a:effectRef>
           <a:fontRef idx="minor"/>
         </p:style>
         <p:txBody>
-          <a:bodyPr lIns="90000" rIns="90000" tIns="45000" bIns="45000">
+          <a:bodyPr lIns="90000" tIns="45000" rIns="90000" bIns="45000">
             <a:spAutoFit/>
           </a:bodyPr>
+          <a:lstStyle/>
           <a:p>
             <a:pPr>
               <a:lnSpc>
@@ -2457,15 +2876,15 @@
               </a:lnSpc>
             </a:pPr>
             <a:r>
-              <a:rPr b="0" lang="en-US" sz="4800" spc="-1" strike="noStrike">
+              <a:rPr lang="en-US" sz="4800" b="0" strike="noStrike" spc="-1">
                 <a:solidFill>
-                  <a:srgbClr val="3b90a3"/>
+                  <a:srgbClr val="3B90A3"/>
                 </a:solidFill>
                 <a:latin typeface="Arial Rounded MT Bold"/>
               </a:rPr>
               <a:t>Selected Track</a:t>
             </a:r>
-            <a:endParaRPr b="0" lang="en-IN" sz="4800" spc="-1" strike="noStrike">
+            <a:endParaRPr lang="en-IN" sz="4800" b="0" strike="noStrike" spc="-1">
               <a:latin typeface="Arial"/>
             </a:endParaRPr>
           </a:p>
@@ -2491,15 +2910,22 @@
           </a:ln>
         </p:spPr>
         <p:style>
-          <a:lnRef idx="0"/>
-          <a:fillRef idx="0"/>
-          <a:effectRef idx="0"/>
+          <a:lnRef idx="0">
+            <a:scrgbClr r="0" g="0" b="0"/>
+          </a:lnRef>
+          <a:fillRef idx="0">
+            <a:scrgbClr r="0" g="0" b="0"/>
+          </a:fillRef>
+          <a:effectRef idx="0">
+            <a:scrgbClr r="0" g="0" b="0"/>
+          </a:effectRef>
           <a:fontRef idx="minor"/>
         </p:style>
         <p:txBody>
-          <a:bodyPr lIns="90000" rIns="90000" tIns="45000" bIns="45000">
+          <a:bodyPr lIns="90000" tIns="45000" rIns="90000" bIns="45000">
             <a:spAutoFit/>
           </a:bodyPr>
+          <a:lstStyle/>
           <a:p>
             <a:pPr>
               <a:lnSpc>
@@ -2507,7 +2933,7 @@
               </a:lnSpc>
             </a:pPr>
             <a:r>
-              <a:rPr b="0" lang="en-US" sz="6600" spc="-1" strike="noStrike">
+              <a:rPr lang="en-US" sz="6600" b="0" strike="noStrike" spc="-1">
                 <a:solidFill>
                   <a:srgbClr val="000000"/>
                 </a:solidFill>
@@ -2515,7 +2941,7 @@
               </a:rPr>
               <a:t>Health</a:t>
             </a:r>
-            <a:endParaRPr b="0" lang="en-IN" sz="6600" spc="-1" strike="noStrike">
+            <a:endParaRPr lang="en-IN" sz="6600" b="0" strike="noStrike" spc="-1">
               <a:latin typeface="Arial"/>
             </a:endParaRPr>
           </a:p>
@@ -2523,12 +2949,12 @@
       </p:sp>
       <p:pic>
         <p:nvPicPr>
-          <p:cNvPr id="45" name="Picture 4" descr=""/>
+          <p:cNvPr id="45" name="Picture 4"/>
           <p:cNvPicPr/>
           <p:nvPr/>
         </p:nvPicPr>
         <p:blipFill>
-          <a:blip r:embed="rId1"/>
+          <a:blip r:embed="rId2"/>
           <a:stretch/>
         </p:blipFill>
         <p:spPr>
@@ -2546,19 +2972,14 @@
       </p:pic>
     </p:spTree>
   </p:cSld>
-  <mc:AlternateContent>
-    <mc:Choice Requires="p14">
-      <p:transition spd="slow" p14:dur="2000"/>
-    </mc:Choice>
-    <mc:Fallback>
-      <p:transition spd="slow"/>
-    </mc:Fallback>
-  </mc:AlternateContent>
+  <p:clrMapOvr>
+    <a:masterClrMapping/>
+  </p:clrMapOvr>
 </p:sld>
 </file>
 
 <file path=ppt/slides/slide10.xml><?xml version="1.0" encoding="utf-8"?>
-<p:sld xmlns:a="http://schemas.openxmlformats.org/drawingml/2006/main" xmlns:p="http://schemas.openxmlformats.org/presentationml/2006/main" xmlns:r="http://schemas.openxmlformats.org/officeDocument/2006/relationships" xmlns:p14="http://schemas.microsoft.com/office/powerpoint/2010/main" xmlns:p15="http://schemas.microsoft.com/office/powerpoint/2012/main" xmlns:mc="http://schemas.openxmlformats.org/markup-compatibility/2006">
+<p:sld xmlns:a="http://schemas.openxmlformats.org/drawingml/2006/main" xmlns:r="http://schemas.openxmlformats.org/officeDocument/2006/relationships" xmlns:p="http://schemas.openxmlformats.org/presentationml/2006/main">
   <p:cSld>
     <p:spTree>
       <p:nvGrpSpPr>
@@ -2608,15 +3029,22 @@
             </a:ln>
           </p:spPr>
           <p:style>
-            <a:lnRef idx="0"/>
-            <a:fillRef idx="0"/>
-            <a:effectRef idx="0"/>
+            <a:lnRef idx="0">
+              <a:scrgbClr r="0" g="0" b="0"/>
+            </a:lnRef>
+            <a:fillRef idx="0">
+              <a:scrgbClr r="0" g="0" b="0"/>
+            </a:fillRef>
+            <a:effectRef idx="0">
+              <a:scrgbClr r="0" g="0" b="0"/>
+            </a:effectRef>
             <a:fontRef idx="minor"/>
           </p:style>
           <p:txBody>
-            <a:bodyPr lIns="90000" rIns="90000" tIns="45000" bIns="45000">
+            <a:bodyPr lIns="90000" tIns="45000" rIns="90000" bIns="45000">
               <a:spAutoFit/>
             </a:bodyPr>
+            <a:lstStyle/>
             <a:p>
               <a:pPr>
                 <a:lnSpc>
@@ -2624,15 +3052,15 @@
                 </a:lnSpc>
               </a:pPr>
               <a:r>
-                <a:rPr b="0" lang="en-US" sz="4800" spc="-1" strike="noStrike">
+                <a:rPr lang="en-US" sz="4800" b="0" strike="noStrike" spc="-1">
                   <a:solidFill>
-                    <a:srgbClr val="3b90a3"/>
+                    <a:srgbClr val="3B90A3"/>
                   </a:solidFill>
                   <a:latin typeface="Arial Rounded MT Bold"/>
                 </a:rPr>
                 <a:t>Reduce Paperwork</a:t>
               </a:r>
-              <a:endParaRPr b="0" lang="en-IN" sz="4800" spc="-1" strike="noStrike">
+              <a:endParaRPr lang="en-IN" sz="4800" b="0" strike="noStrike" spc="-1">
                 <a:latin typeface="Arial"/>
               </a:endParaRPr>
             </a:p>
@@ -2658,15 +3086,22 @@
             </a:ln>
           </p:spPr>
           <p:style>
-            <a:lnRef idx="0"/>
-            <a:fillRef idx="0"/>
-            <a:effectRef idx="0"/>
+            <a:lnRef idx="0">
+              <a:scrgbClr r="0" g="0" b="0"/>
+            </a:lnRef>
+            <a:fillRef idx="0">
+              <a:scrgbClr r="0" g="0" b="0"/>
+            </a:fillRef>
+            <a:effectRef idx="0">
+              <a:scrgbClr r="0" g="0" b="0"/>
+            </a:effectRef>
             <a:fontRef idx="minor"/>
           </p:style>
           <p:txBody>
-            <a:bodyPr lIns="90000" rIns="90000" tIns="45000" bIns="45000">
+            <a:bodyPr lIns="90000" tIns="45000" rIns="90000" bIns="45000">
               <a:spAutoFit/>
             </a:bodyPr>
+            <a:lstStyle/>
             <a:p>
               <a:pPr>
                 <a:lnSpc>
@@ -2674,7 +3109,7 @@
                 </a:lnSpc>
               </a:pPr>
               <a:r>
-                <a:rPr b="0" lang="en-US" sz="2400" spc="-1" strike="noStrike">
+                <a:rPr lang="en-US" sz="2400" b="0" strike="noStrike" spc="-1">
                   <a:solidFill>
                     <a:srgbClr val="333333"/>
                   </a:solidFill>
@@ -2682,7 +3117,7 @@
                 </a:rPr>
                 <a:t>Paper documents can take up a significant amount of space, and the quantity of paper will increase day by day. Furthermore, documents will typically need to be stored close to hand so that they can be accessed as quickly as possible.</a:t>
               </a:r>
-              <a:endParaRPr b="0" lang="en-IN" sz="2400" spc="-1" strike="noStrike">
+              <a:endParaRPr lang="en-IN" sz="2400" b="0" strike="noStrike" spc="-1">
                 <a:latin typeface="Arial"/>
               </a:endParaRPr>
             </a:p>
@@ -2693,7 +3128,7 @@
                 </a:lnSpc>
               </a:pPr>
               <a:r>
-                <a:rPr b="0" lang="en-US" sz="2400" spc="-1" strike="noStrike">
+                <a:rPr lang="en-US" sz="2400" b="0" strike="noStrike" spc="-1">
                   <a:solidFill>
                     <a:srgbClr val="333333"/>
                   </a:solidFill>
@@ -2701,7 +3136,7 @@
                 </a:rPr>
                 <a:t>A patient can access his medical history through any device by just logging into his/her account on MedDoc , this would eliminate the need for carrying physical documents everywhere and thus, reduce the need of paperwork.</a:t>
               </a:r>
-              <a:endParaRPr b="0" lang="en-IN" sz="2400" spc="-1" strike="noStrike">
+              <a:endParaRPr lang="en-IN" sz="2400" b="0" strike="noStrike" spc="-1">
                 <a:latin typeface="Arial"/>
               </a:endParaRPr>
             </a:p>
@@ -2709,12 +3144,12 @@
         </p:sp>
         <p:pic>
           <p:nvPicPr>
-            <p:cNvPr id="67" name="Picture 4" descr=""/>
+            <p:cNvPr id="67" name="Picture 4"/>
             <p:cNvPicPr/>
             <p:nvPr/>
           </p:nvPicPr>
           <p:blipFill>
-            <a:blip r:embed="rId1"/>
+            <a:blip r:embed="rId2"/>
             <a:stretch/>
           </p:blipFill>
           <p:spPr>
@@ -2733,19 +3168,14 @@
       </p:grpSp>
     </p:spTree>
   </p:cSld>
-  <mc:AlternateContent>
-    <mc:Choice Requires="p14">
-      <p:transition spd="slow" p14:dur="2000"/>
-    </mc:Choice>
-    <mc:Fallback>
-      <p:transition spd="slow"/>
-    </mc:Fallback>
-  </mc:AlternateContent>
+  <p:clrMapOvr>
+    <a:masterClrMapping/>
+  </p:clrMapOvr>
 </p:sld>
 </file>
 
 <file path=ppt/slides/slide11.xml><?xml version="1.0" encoding="utf-8"?>
-<p:sld xmlns:a="http://schemas.openxmlformats.org/drawingml/2006/main" xmlns:p="http://schemas.openxmlformats.org/presentationml/2006/main" xmlns:r="http://schemas.openxmlformats.org/officeDocument/2006/relationships" xmlns:p14="http://schemas.microsoft.com/office/powerpoint/2010/main" xmlns:p15="http://schemas.microsoft.com/office/powerpoint/2012/main" xmlns:mc="http://schemas.openxmlformats.org/markup-compatibility/2006">
+<p:sld xmlns:a="http://schemas.openxmlformats.org/drawingml/2006/main" xmlns:r="http://schemas.openxmlformats.org/officeDocument/2006/relationships" xmlns:p="http://schemas.openxmlformats.org/presentationml/2006/main">
   <p:cSld>
     <p:spTree>
       <p:nvGrpSpPr>
@@ -2795,15 +3225,22 @@
             </a:ln>
           </p:spPr>
           <p:style>
-            <a:lnRef idx="0"/>
-            <a:fillRef idx="0"/>
-            <a:effectRef idx="0"/>
+            <a:lnRef idx="0">
+              <a:scrgbClr r="0" g="0" b="0"/>
+            </a:lnRef>
+            <a:fillRef idx="0">
+              <a:scrgbClr r="0" g="0" b="0"/>
+            </a:fillRef>
+            <a:effectRef idx="0">
+              <a:scrgbClr r="0" g="0" b="0"/>
+            </a:effectRef>
             <a:fontRef idx="minor"/>
           </p:style>
           <p:txBody>
-            <a:bodyPr lIns="90000" rIns="90000" tIns="45000" bIns="45000">
+            <a:bodyPr lIns="90000" tIns="45000" rIns="90000" bIns="45000">
               <a:spAutoFit/>
             </a:bodyPr>
+            <a:lstStyle/>
             <a:p>
               <a:pPr>
                 <a:lnSpc>
@@ -2811,15 +3248,15 @@
                 </a:lnSpc>
               </a:pPr>
               <a:r>
-                <a:rPr b="0" lang="en-US" sz="4800" spc="-1" strike="noStrike">
+                <a:rPr lang="en-US" sz="4800" b="0" strike="noStrike" spc="-1">
                   <a:solidFill>
-                    <a:srgbClr val="3b90a3"/>
+                    <a:srgbClr val="3B90A3"/>
                   </a:solidFill>
                   <a:latin typeface="Arial Rounded MT Bold"/>
                 </a:rPr>
                 <a:t>Does away with the existing</a:t>
               </a:r>
-              <a:endParaRPr b="0" lang="en-IN" sz="4800" spc="-1" strike="noStrike">
+              <a:endParaRPr lang="en-IN" sz="4800" b="0" strike="noStrike" spc="-1">
                 <a:latin typeface="Arial"/>
               </a:endParaRPr>
             </a:p>
@@ -2845,15 +3282,22 @@
             </a:ln>
           </p:spPr>
           <p:style>
-            <a:lnRef idx="0"/>
-            <a:fillRef idx="0"/>
-            <a:effectRef idx="0"/>
+            <a:lnRef idx="0">
+              <a:scrgbClr r="0" g="0" b="0"/>
+            </a:lnRef>
+            <a:fillRef idx="0">
+              <a:scrgbClr r="0" g="0" b="0"/>
+            </a:fillRef>
+            <a:effectRef idx="0">
+              <a:scrgbClr r="0" g="0" b="0"/>
+            </a:effectRef>
             <a:fontRef idx="minor"/>
           </p:style>
           <p:txBody>
-            <a:bodyPr lIns="90000" rIns="90000" tIns="45000" bIns="45000">
+            <a:bodyPr lIns="90000" tIns="45000" rIns="90000" bIns="45000">
               <a:spAutoFit/>
             </a:bodyPr>
+            <a:lstStyle/>
             <a:p>
               <a:pPr>
                 <a:lnSpc>
@@ -2861,7 +3305,7 @@
                 </a:lnSpc>
               </a:pPr>
               <a:r>
-                <a:rPr b="0" lang="en-IN" sz="3200" spc="-1" strike="noStrike">
+                <a:rPr lang="en-IN" sz="3200" b="0" strike="noStrike" spc="-1">
                   <a:solidFill>
                     <a:srgbClr val="000000"/>
                   </a:solidFill>
@@ -2869,7 +3313,7 @@
                 </a:rPr>
                 <a:t>This system targets to provide complete solution for Hospital and Health Care Services.</a:t>
               </a:r>
-              <a:endParaRPr b="0" lang="en-IN" sz="3200" spc="-1" strike="noStrike">
+              <a:endParaRPr lang="en-IN" sz="3200" b="0" strike="noStrike" spc="-1">
                 <a:latin typeface="Arial"/>
               </a:endParaRPr>
             </a:p>
@@ -2879,7 +3323,7 @@
                   <a:spcPct val="100000"/>
                 </a:lnSpc>
               </a:pPr>
-              <a:endParaRPr b="0" lang="en-IN" sz="3200" spc="-1" strike="noStrike">
+              <a:endParaRPr lang="en-IN" sz="3200" b="0" strike="noStrike" spc="-1">
                 <a:latin typeface="Arial"/>
               </a:endParaRPr>
             </a:p>
@@ -2890,7 +3334,7 @@
                 </a:lnSpc>
               </a:pPr>
               <a:r>
-                <a:rPr b="0" lang="en-IN" sz="3200" spc="-1" strike="noStrike">
+                <a:rPr lang="en-IN" sz="3200" b="0" strike="noStrike" spc="-1">
                   <a:solidFill>
                     <a:srgbClr val="000000"/>
                   </a:solidFill>
@@ -2898,7 +3342,7 @@
                 </a:rPr>
                 <a:t>This system can be used in Hospital , Clinic , Diagonistics or Pathology Labs for maintaining Patient Details and their test results.</a:t>
               </a:r>
-              <a:endParaRPr b="0" lang="en-IN" sz="3200" spc="-1" strike="noStrike">
+              <a:endParaRPr lang="en-IN" sz="3200" b="0" strike="noStrike" spc="-1">
                 <a:latin typeface="Arial"/>
               </a:endParaRPr>
             </a:p>
@@ -2906,12 +3350,12 @@
         </p:sp>
         <p:pic>
           <p:nvPicPr>
-            <p:cNvPr id="71" name="Picture 6" descr=""/>
+            <p:cNvPr id="71" name="Picture 6"/>
             <p:cNvPicPr/>
             <p:nvPr/>
           </p:nvPicPr>
           <p:blipFill>
-            <a:blip r:embed="rId1"/>
+            <a:blip r:embed="rId2"/>
             <a:stretch/>
           </p:blipFill>
           <p:spPr>
@@ -2930,19 +3374,14 @@
       </p:grpSp>
     </p:spTree>
   </p:cSld>
-  <mc:AlternateContent>
-    <mc:Choice Requires="p14">
-      <p:transition spd="slow" p14:dur="2000"/>
-    </mc:Choice>
-    <mc:Fallback>
-      <p:transition spd="slow"/>
-    </mc:Fallback>
-  </mc:AlternateContent>
+  <p:clrMapOvr>
+    <a:masterClrMapping/>
+  </p:clrMapOvr>
 </p:sld>
 </file>
 
 <file path=ppt/slides/slide12.xml><?xml version="1.0" encoding="utf-8"?>
-<p:sld xmlns:a="http://schemas.openxmlformats.org/drawingml/2006/main" xmlns:p="http://schemas.openxmlformats.org/presentationml/2006/main" xmlns:r="http://schemas.openxmlformats.org/officeDocument/2006/relationships" xmlns:p14="http://schemas.microsoft.com/office/powerpoint/2010/main" xmlns:p15="http://schemas.microsoft.com/office/powerpoint/2012/main" xmlns:mc="http://schemas.openxmlformats.org/markup-compatibility/2006">
+<p:sld xmlns:a="http://schemas.openxmlformats.org/drawingml/2006/main" xmlns:r="http://schemas.openxmlformats.org/officeDocument/2006/relationships" xmlns:p="http://schemas.openxmlformats.org/presentationml/2006/main">
   <p:cSld>
     <p:spTree>
       <p:nvGrpSpPr>
@@ -2992,15 +3431,22 @@
             </a:ln>
           </p:spPr>
           <p:style>
-            <a:lnRef idx="0"/>
-            <a:fillRef idx="0"/>
-            <a:effectRef idx="0"/>
+            <a:lnRef idx="0">
+              <a:scrgbClr r="0" g="0" b="0"/>
+            </a:lnRef>
+            <a:fillRef idx="0">
+              <a:scrgbClr r="0" g="0" b="0"/>
+            </a:fillRef>
+            <a:effectRef idx="0">
+              <a:scrgbClr r="0" g="0" b="0"/>
+            </a:effectRef>
             <a:fontRef idx="minor"/>
           </p:style>
           <p:txBody>
-            <a:bodyPr lIns="90000" rIns="90000" tIns="45000" bIns="45000">
+            <a:bodyPr lIns="90000" tIns="45000" rIns="90000" bIns="45000">
               <a:spAutoFit/>
             </a:bodyPr>
+            <a:lstStyle/>
             <a:p>
               <a:pPr>
                 <a:lnSpc>
@@ -3008,15 +3454,15 @@
                 </a:lnSpc>
               </a:pPr>
               <a:r>
-                <a:rPr b="0" lang="en-US" sz="4800" spc="-1" strike="noStrike">
+                <a:rPr lang="en-US" sz="4800" b="0" strike="noStrike" spc="-1">
                   <a:solidFill>
-                    <a:srgbClr val="3b90a3"/>
+                    <a:srgbClr val="3B90A3"/>
                   </a:solidFill>
                   <a:latin typeface="Arial Rounded MT Bold"/>
                 </a:rPr>
                 <a:t>Hospital admins can accordingly change the data</a:t>
               </a:r>
-              <a:endParaRPr b="0" lang="en-IN" sz="4800" spc="-1" strike="noStrike">
+              <a:endParaRPr lang="en-IN" sz="4800" b="0" strike="noStrike" spc="-1">
                 <a:latin typeface="Arial"/>
               </a:endParaRPr>
             </a:p>
@@ -3042,15 +3488,22 @@
             </a:ln>
           </p:spPr>
           <p:style>
-            <a:lnRef idx="0"/>
-            <a:fillRef idx="0"/>
-            <a:effectRef idx="0"/>
+            <a:lnRef idx="0">
+              <a:scrgbClr r="0" g="0" b="0"/>
+            </a:lnRef>
+            <a:fillRef idx="0">
+              <a:scrgbClr r="0" g="0" b="0"/>
+            </a:fillRef>
+            <a:effectRef idx="0">
+              <a:scrgbClr r="0" g="0" b="0"/>
+            </a:effectRef>
             <a:fontRef idx="minor"/>
           </p:style>
           <p:txBody>
-            <a:bodyPr lIns="90000" rIns="90000" tIns="45000" bIns="45000">
+            <a:bodyPr lIns="90000" tIns="45000" rIns="90000" bIns="45000">
               <a:spAutoFit/>
             </a:bodyPr>
+            <a:lstStyle/>
             <a:p>
               <a:pPr>
                 <a:lnSpc>
@@ -3058,7 +3511,7 @@
                 </a:lnSpc>
               </a:pPr>
               <a:r>
-                <a:rPr b="0" lang="en-IN" sz="3200" spc="-1" strike="noStrike">
+                <a:rPr lang="en-IN" sz="3200" b="0" strike="noStrike" spc="-1">
                   <a:solidFill>
                     <a:srgbClr val="000000"/>
                   </a:solidFill>
@@ -3066,7 +3519,7 @@
                 </a:rPr>
                 <a:t>Hospital admins can change and delete data according to the hospital</a:t>
               </a:r>
-              <a:endParaRPr b="0" lang="en-IN" sz="3200" spc="-1" strike="noStrike">
+              <a:endParaRPr lang="en-IN" sz="3200" b="0" strike="noStrike" spc="-1">
                 <a:latin typeface="Arial"/>
               </a:endParaRPr>
             </a:p>
@@ -3077,7 +3530,7 @@
                 </a:lnSpc>
               </a:pPr>
               <a:r>
-                <a:rPr b="0" lang="en-IN" sz="3200" spc="-1" strike="noStrike">
+                <a:rPr lang="en-IN" sz="3200" b="0" strike="noStrike" spc="-1">
                   <a:solidFill>
                     <a:srgbClr val="000000"/>
                   </a:solidFill>
@@ -3085,7 +3538,7 @@
                 </a:rPr>
                 <a:t>They can update departments and about patients as well.</a:t>
               </a:r>
-              <a:endParaRPr b="0" lang="en-IN" sz="3200" spc="-1" strike="noStrike">
+              <a:endParaRPr lang="en-IN" sz="3200" b="0" strike="noStrike" spc="-1">
                 <a:latin typeface="Arial"/>
               </a:endParaRPr>
             </a:p>
@@ -3093,12 +3546,12 @@
         </p:sp>
         <p:pic>
           <p:nvPicPr>
-            <p:cNvPr id="75" name="Picture 4" descr=""/>
+            <p:cNvPr id="75" name="Picture 4"/>
             <p:cNvPicPr/>
             <p:nvPr/>
           </p:nvPicPr>
           <p:blipFill>
-            <a:blip r:embed="rId1"/>
+            <a:blip r:embed="rId2"/>
             <a:stretch/>
           </p:blipFill>
           <p:spPr>
@@ -3117,19 +3570,14 @@
       </p:grpSp>
     </p:spTree>
   </p:cSld>
-  <mc:AlternateContent>
-    <mc:Choice Requires="p14">
-      <p:transition spd="slow" p14:dur="2000"/>
-    </mc:Choice>
-    <mc:Fallback>
-      <p:transition spd="slow"/>
-    </mc:Fallback>
-  </mc:AlternateContent>
+  <p:clrMapOvr>
+    <a:masterClrMapping/>
+  </p:clrMapOvr>
 </p:sld>
 </file>
 
 <file path=ppt/slides/slide13.xml><?xml version="1.0" encoding="utf-8"?>
-<p:sld xmlns:a="http://schemas.openxmlformats.org/drawingml/2006/main" xmlns:p="http://schemas.openxmlformats.org/presentationml/2006/main" xmlns:r="http://schemas.openxmlformats.org/officeDocument/2006/relationships" xmlns:p14="http://schemas.microsoft.com/office/powerpoint/2010/main" xmlns:p15="http://schemas.microsoft.com/office/powerpoint/2012/main" xmlns:mc="http://schemas.openxmlformats.org/markup-compatibility/2006">
+<p:sld xmlns:a="http://schemas.openxmlformats.org/drawingml/2006/main" xmlns:r="http://schemas.openxmlformats.org/officeDocument/2006/relationships" xmlns:p="http://schemas.openxmlformats.org/presentationml/2006/main">
   <p:cSld>
     <p:spTree>
       <p:nvGrpSpPr>
@@ -3165,15 +3613,22 @@
           </a:ln>
         </p:spPr>
         <p:style>
-          <a:lnRef idx="0"/>
-          <a:fillRef idx="0"/>
-          <a:effectRef idx="0"/>
+          <a:lnRef idx="0">
+            <a:scrgbClr r="0" g="0" b="0"/>
+          </a:lnRef>
+          <a:fillRef idx="0">
+            <a:scrgbClr r="0" g="0" b="0"/>
+          </a:fillRef>
+          <a:effectRef idx="0">
+            <a:scrgbClr r="0" g="0" b="0"/>
+          </a:effectRef>
           <a:fontRef idx="minor"/>
         </p:style>
         <p:txBody>
-          <a:bodyPr lIns="90000" rIns="90000" tIns="45000" bIns="45000">
+          <a:bodyPr lIns="90000" tIns="45000" rIns="90000" bIns="45000">
             <a:spAutoFit/>
           </a:bodyPr>
+          <a:lstStyle/>
           <a:p>
             <a:pPr>
               <a:lnSpc>
@@ -3181,15 +3636,15 @@
               </a:lnSpc>
             </a:pPr>
             <a:r>
-              <a:rPr b="0" lang="en-US" sz="6600" spc="-1" strike="noStrike">
+              <a:rPr lang="en-US" sz="6600" b="0" strike="noStrike" spc="-1">
                 <a:solidFill>
-                  <a:srgbClr val="3b90a3"/>
+                  <a:srgbClr val="3B90A3"/>
                 </a:solidFill>
                 <a:latin typeface="Arial Rounded MT Bold"/>
               </a:rPr>
               <a:t>Future Prospects</a:t>
             </a:r>
-            <a:endParaRPr b="0" lang="en-IN" sz="6600" spc="-1" strike="noStrike">
+            <a:endParaRPr lang="en-IN" sz="6600" b="0" strike="noStrike" spc="-1">
               <a:latin typeface="Arial"/>
             </a:endParaRPr>
           </a:p>
@@ -3197,19 +3652,14 @@
       </p:sp>
     </p:spTree>
   </p:cSld>
-  <mc:AlternateContent>
-    <mc:Choice Requires="p14">
-      <p:transition spd="slow" p14:dur="2000"/>
-    </mc:Choice>
-    <mc:Fallback>
-      <p:transition spd="slow"/>
-    </mc:Fallback>
-  </mc:AlternateContent>
+  <p:clrMapOvr>
+    <a:masterClrMapping/>
+  </p:clrMapOvr>
 </p:sld>
 </file>
 
 <file path=ppt/slides/slide14.xml><?xml version="1.0" encoding="utf-8"?>
-<p:sld xmlns:a="http://schemas.openxmlformats.org/drawingml/2006/main" xmlns:p="http://schemas.openxmlformats.org/presentationml/2006/main" xmlns:r="http://schemas.openxmlformats.org/officeDocument/2006/relationships" xmlns:p14="http://schemas.microsoft.com/office/powerpoint/2010/main" xmlns:p15="http://schemas.microsoft.com/office/powerpoint/2012/main" xmlns:mc="http://schemas.openxmlformats.org/markup-compatibility/2006">
+<p:sld xmlns:a="http://schemas.openxmlformats.org/drawingml/2006/main" xmlns:r="http://schemas.openxmlformats.org/officeDocument/2006/relationships" xmlns:p="http://schemas.openxmlformats.org/presentationml/2006/main">
   <p:cSld>
     <p:spTree>
       <p:nvGrpSpPr>
@@ -3259,15 +3709,22 @@
             </a:ln>
           </p:spPr>
           <p:style>
-            <a:lnRef idx="0"/>
-            <a:fillRef idx="0"/>
-            <a:effectRef idx="0"/>
+            <a:lnRef idx="0">
+              <a:scrgbClr r="0" g="0" b="0"/>
+            </a:lnRef>
+            <a:fillRef idx="0">
+              <a:scrgbClr r="0" g="0" b="0"/>
+            </a:fillRef>
+            <a:effectRef idx="0">
+              <a:scrgbClr r="0" g="0" b="0"/>
+            </a:effectRef>
             <a:fontRef idx="minor"/>
           </p:style>
           <p:txBody>
-            <a:bodyPr lIns="90000" rIns="90000" tIns="45000" bIns="45000">
+            <a:bodyPr lIns="90000" tIns="45000" rIns="90000" bIns="45000">
               <a:spAutoFit/>
             </a:bodyPr>
+            <a:lstStyle/>
             <a:p>
               <a:pPr>
                 <a:lnSpc>
@@ -3275,15 +3732,15 @@
                 </a:lnSpc>
               </a:pPr>
               <a:r>
-                <a:rPr b="0" lang="en-US" sz="4800" spc="-1" strike="noStrike">
+                <a:rPr lang="en-US" sz="4800" b="0" strike="noStrike" spc="-1">
                   <a:solidFill>
-                    <a:srgbClr val="3b90a3"/>
+                    <a:srgbClr val="3B90A3"/>
                   </a:solidFill>
                   <a:latin typeface="Arial Rounded MT Bold"/>
                 </a:rPr>
                 <a:t>View prescription</a:t>
               </a:r>
-              <a:endParaRPr b="0" lang="en-IN" sz="4800" spc="-1" strike="noStrike">
+              <a:endParaRPr lang="en-IN" sz="4800" b="0" strike="noStrike" spc="-1">
                 <a:latin typeface="Arial"/>
               </a:endParaRPr>
             </a:p>
@@ -3309,15 +3766,22 @@
             </a:ln>
           </p:spPr>
           <p:style>
-            <a:lnRef idx="0"/>
-            <a:fillRef idx="0"/>
-            <a:effectRef idx="0"/>
+            <a:lnRef idx="0">
+              <a:scrgbClr r="0" g="0" b="0"/>
+            </a:lnRef>
+            <a:fillRef idx="0">
+              <a:scrgbClr r="0" g="0" b="0"/>
+            </a:fillRef>
+            <a:effectRef idx="0">
+              <a:scrgbClr r="0" g="0" b="0"/>
+            </a:effectRef>
             <a:fontRef idx="minor"/>
           </p:style>
           <p:txBody>
-            <a:bodyPr lIns="90000" rIns="90000" tIns="45000" bIns="45000">
+            <a:bodyPr lIns="90000" tIns="45000" rIns="90000" bIns="45000">
               <a:spAutoFit/>
             </a:bodyPr>
+            <a:lstStyle/>
             <a:p>
               <a:pPr>
                 <a:lnSpc>
@@ -3325,7 +3789,7 @@
                 </a:lnSpc>
               </a:pPr>
               <a:r>
-                <a:rPr b="0" lang="en-US" sz="2800" spc="-1" strike="noStrike">
+                <a:rPr lang="en-US" sz="2800" b="0" strike="noStrike" spc="-1">
                   <a:solidFill>
                     <a:srgbClr val="191917"/>
                   </a:solidFill>
@@ -3333,7 +3797,7 @@
                 </a:rPr>
                 <a:t>Do you require regular prescriptions for your health condition?</a:t>
               </a:r>
-              <a:endParaRPr b="0" lang="en-IN" sz="2800" spc="-1" strike="noStrike">
+              <a:endParaRPr lang="en-IN" sz="2800" b="0" strike="noStrike" spc="-1">
                 <a:latin typeface="Arial"/>
               </a:endParaRPr>
             </a:p>
@@ -3343,7 +3807,7 @@
                   <a:spcPct val="100000"/>
                 </a:lnSpc>
               </a:pPr>
-              <a:endParaRPr b="0" lang="en-IN" sz="2800" spc="-1" strike="noStrike">
+              <a:endParaRPr lang="en-IN" sz="2800" b="0" strike="noStrike" spc="-1">
                 <a:latin typeface="Arial"/>
               </a:endParaRPr>
             </a:p>
@@ -3354,7 +3818,7 @@
                 </a:lnSpc>
               </a:pPr>
               <a:r>
-                <a:rPr b="0" lang="en-US" sz="2800" spc="-1" strike="noStrike">
+                <a:rPr lang="en-US" sz="2800" b="0" strike="noStrike" spc="-1">
                   <a:solidFill>
                     <a:srgbClr val="000000"/>
                   </a:solidFill>
@@ -3362,7 +3826,7 @@
                 </a:rPr>
                 <a:t>A legal and digitally signed prescription is generated for the patients by using MedDoc and can be provided to pharmacist and this could eliminate the false practises of using fake prescriptions by the people</a:t>
               </a:r>
-              <a:endParaRPr b="0" lang="en-IN" sz="2800" spc="-1" strike="noStrike">
+              <a:endParaRPr lang="en-IN" sz="2800" b="0" strike="noStrike" spc="-1">
                 <a:latin typeface="Arial"/>
               </a:endParaRPr>
             </a:p>
@@ -3372,7 +3836,7 @@
                   <a:spcPct val="100000"/>
                 </a:lnSpc>
               </a:pPr>
-              <a:endParaRPr b="0" lang="en-IN" sz="2800" spc="-1" strike="noStrike">
+              <a:endParaRPr lang="en-IN" sz="2800" b="0" strike="noStrike" spc="-1">
                 <a:latin typeface="Arial"/>
               </a:endParaRPr>
             </a:p>
@@ -3380,12 +3844,12 @@
         </p:sp>
         <p:pic>
           <p:nvPicPr>
-            <p:cNvPr id="80" name="Picture 5" descr=""/>
+            <p:cNvPr id="80" name="Picture 5"/>
             <p:cNvPicPr/>
             <p:nvPr/>
           </p:nvPicPr>
           <p:blipFill>
-            <a:blip r:embed="rId1"/>
+            <a:blip r:embed="rId2"/>
             <a:stretch/>
           </p:blipFill>
           <p:spPr>
@@ -3404,19 +3868,14 @@
       </p:grpSp>
     </p:spTree>
   </p:cSld>
-  <mc:AlternateContent>
-    <mc:Choice Requires="p14">
-      <p:transition spd="slow" p14:dur="2000"/>
-    </mc:Choice>
-    <mc:Fallback>
-      <p:transition spd="slow"/>
-    </mc:Fallback>
-  </mc:AlternateContent>
+  <p:clrMapOvr>
+    <a:masterClrMapping/>
+  </p:clrMapOvr>
 </p:sld>
 </file>
 
 <file path=ppt/slides/slide15.xml><?xml version="1.0" encoding="utf-8"?>
-<p:sld xmlns:a="http://schemas.openxmlformats.org/drawingml/2006/main" xmlns:p="http://schemas.openxmlformats.org/presentationml/2006/main" xmlns:r="http://schemas.openxmlformats.org/officeDocument/2006/relationships" xmlns:p14="http://schemas.microsoft.com/office/powerpoint/2010/main" xmlns:p15="http://schemas.microsoft.com/office/powerpoint/2012/main" xmlns:mc="http://schemas.openxmlformats.org/markup-compatibility/2006">
+<p:sld xmlns:a="http://schemas.openxmlformats.org/drawingml/2006/main" xmlns:r="http://schemas.openxmlformats.org/officeDocument/2006/relationships" xmlns:p="http://schemas.openxmlformats.org/presentationml/2006/main">
   <p:cSld>
     <p:spTree>
       <p:nvGrpSpPr>
@@ -3452,15 +3911,22 @@
           </a:ln>
         </p:spPr>
         <p:style>
-          <a:lnRef idx="0"/>
-          <a:fillRef idx="0"/>
-          <a:effectRef idx="0"/>
+          <a:lnRef idx="0">
+            <a:scrgbClr r="0" g="0" b="0"/>
+          </a:lnRef>
+          <a:fillRef idx="0">
+            <a:scrgbClr r="0" g="0" b="0"/>
+          </a:fillRef>
+          <a:effectRef idx="0">
+            <a:scrgbClr r="0" g="0" b="0"/>
+          </a:effectRef>
           <a:fontRef idx="minor"/>
         </p:style>
         <p:txBody>
-          <a:bodyPr lIns="90000" rIns="90000" tIns="45000" bIns="45000">
+          <a:bodyPr lIns="90000" tIns="45000" rIns="90000" bIns="45000">
             <a:spAutoFit/>
           </a:bodyPr>
+          <a:lstStyle/>
           <a:p>
             <a:pPr>
               <a:lnSpc>
@@ -3468,15 +3934,15 @@
               </a:lnSpc>
             </a:pPr>
             <a:r>
-              <a:rPr b="0" lang="en-US" sz="5400" spc="-1" strike="noStrike">
+              <a:rPr lang="en-US" sz="5400" b="0" strike="noStrike" spc="-1">
                 <a:solidFill>
-                  <a:srgbClr val="3b90a3"/>
+                  <a:srgbClr val="3B90A3"/>
                 </a:solidFill>
                 <a:latin typeface="Arial Rounded MT Bold"/>
               </a:rPr>
               <a:t>Search Hospitals by location</a:t>
             </a:r>
-            <a:endParaRPr b="0" lang="en-IN" sz="5400" spc="-1" strike="noStrike">
+            <a:endParaRPr lang="en-IN" sz="5400" b="0" strike="noStrike" spc="-1">
               <a:latin typeface="Arial"/>
             </a:endParaRPr>
           </a:p>
@@ -3502,15 +3968,22 @@
           </a:ln>
         </p:spPr>
         <p:style>
-          <a:lnRef idx="0"/>
-          <a:fillRef idx="0"/>
-          <a:effectRef idx="0"/>
+          <a:lnRef idx="0">
+            <a:scrgbClr r="0" g="0" b="0"/>
+          </a:lnRef>
+          <a:fillRef idx="0">
+            <a:scrgbClr r="0" g="0" b="0"/>
+          </a:fillRef>
+          <a:effectRef idx="0">
+            <a:scrgbClr r="0" g="0" b="0"/>
+          </a:effectRef>
           <a:fontRef idx="minor"/>
         </p:style>
         <p:txBody>
-          <a:bodyPr lIns="90000" rIns="90000" tIns="45000" bIns="45000">
+          <a:bodyPr lIns="90000" tIns="45000" rIns="90000" bIns="45000">
             <a:spAutoFit/>
           </a:bodyPr>
+          <a:lstStyle/>
           <a:p>
             <a:pPr>
               <a:lnSpc>
@@ -3518,7 +3991,7 @@
               </a:lnSpc>
             </a:pPr>
             <a:r>
-              <a:rPr b="0" lang="en-US" sz="3600" spc="-1" strike="noStrike">
+              <a:rPr lang="en-US" sz="3600" b="0" strike="noStrike" spc="-1">
                 <a:solidFill>
                   <a:srgbClr val="000000"/>
                 </a:solidFill>
@@ -3526,7 +3999,7 @@
               </a:rPr>
               <a:t>One can search hospital in a particular location.</a:t>
             </a:r>
-            <a:endParaRPr b="0" lang="en-IN" sz="3600" spc="-1" strike="noStrike">
+            <a:endParaRPr lang="en-IN" sz="3600" b="0" strike="noStrike" spc="-1">
               <a:latin typeface="Arial"/>
             </a:endParaRPr>
           </a:p>
@@ -3536,7 +4009,7 @@
                 <a:spcPct val="100000"/>
               </a:lnSpc>
             </a:pPr>
-            <a:endParaRPr b="0" lang="en-IN" sz="3600" spc="-1" strike="noStrike">
+            <a:endParaRPr lang="en-IN" sz="3600" b="0" strike="noStrike" spc="-1">
               <a:latin typeface="Arial"/>
             </a:endParaRPr>
           </a:p>
@@ -3547,7 +4020,7 @@
               </a:lnSpc>
             </a:pPr>
             <a:r>
-              <a:rPr b="0" lang="en-US" sz="3600" spc="-1" strike="noStrike">
+              <a:rPr lang="en-US" sz="3600" b="0" strike="noStrike" spc="-1">
                 <a:solidFill>
                   <a:srgbClr val="333333"/>
                 </a:solidFill>
@@ -3555,7 +4028,7 @@
               </a:rPr>
               <a:t>This means that anyone from any corner of the world can have access to your healthcare center’s information.</a:t>
             </a:r>
-            <a:endParaRPr b="0" lang="en-IN" sz="3600" spc="-1" strike="noStrike">
+            <a:endParaRPr lang="en-IN" sz="3600" b="0" strike="noStrike" spc="-1">
               <a:latin typeface="Arial"/>
             </a:endParaRPr>
           </a:p>
@@ -3563,12 +4036,12 @@
       </p:sp>
       <p:pic>
         <p:nvPicPr>
-          <p:cNvPr id="83" name="Picture 4" descr=""/>
+          <p:cNvPr id="83" name="Picture 4"/>
           <p:cNvPicPr/>
           <p:nvPr/>
         </p:nvPicPr>
         <p:blipFill>
-          <a:blip r:embed="rId1"/>
+          <a:blip r:embed="rId2"/>
           <a:stretch/>
         </p:blipFill>
         <p:spPr>
@@ -3586,19 +4059,14 @@
       </p:pic>
     </p:spTree>
   </p:cSld>
-  <mc:AlternateContent>
-    <mc:Choice Requires="p14">
-      <p:transition spd="slow" p14:dur="2000"/>
-    </mc:Choice>
-    <mc:Fallback>
-      <p:transition spd="slow"/>
-    </mc:Fallback>
-  </mc:AlternateContent>
+  <p:clrMapOvr>
+    <a:masterClrMapping/>
+  </p:clrMapOvr>
 </p:sld>
 </file>
 
 <file path=ppt/slides/slide16.xml><?xml version="1.0" encoding="utf-8"?>
-<p:sld xmlns:a="http://schemas.openxmlformats.org/drawingml/2006/main" xmlns:p="http://schemas.openxmlformats.org/presentationml/2006/main" xmlns:r="http://schemas.openxmlformats.org/officeDocument/2006/relationships" xmlns:p14="http://schemas.microsoft.com/office/powerpoint/2010/main" xmlns:p15="http://schemas.microsoft.com/office/powerpoint/2012/main" xmlns:mc="http://schemas.openxmlformats.org/markup-compatibility/2006">
+<p:sld xmlns:a="http://schemas.openxmlformats.org/drawingml/2006/main" xmlns:r="http://schemas.openxmlformats.org/officeDocument/2006/relationships" xmlns:p="http://schemas.openxmlformats.org/presentationml/2006/main">
   <p:cSld>
     <p:spTree>
       <p:nvGrpSpPr>
@@ -3634,15 +4102,22 @@
           </a:ln>
         </p:spPr>
         <p:style>
-          <a:lnRef idx="0"/>
-          <a:fillRef idx="0"/>
-          <a:effectRef idx="0"/>
+          <a:lnRef idx="0">
+            <a:scrgbClr r="0" g="0" b="0"/>
+          </a:lnRef>
+          <a:fillRef idx="0">
+            <a:scrgbClr r="0" g="0" b="0"/>
+          </a:fillRef>
+          <a:effectRef idx="0">
+            <a:scrgbClr r="0" g="0" b="0"/>
+          </a:effectRef>
           <a:fontRef idx="minor"/>
         </p:style>
         <p:txBody>
-          <a:bodyPr lIns="90000" rIns="90000" tIns="45000" bIns="45000">
+          <a:bodyPr lIns="90000" tIns="45000" rIns="90000" bIns="45000">
             <a:spAutoFit/>
           </a:bodyPr>
+          <a:lstStyle/>
           <a:p>
             <a:pPr>
               <a:lnSpc>
@@ -3650,15 +4125,15 @@
               </a:lnSpc>
             </a:pPr>
             <a:r>
-              <a:rPr b="0" lang="en-US" sz="5400" spc="-1" strike="noStrike">
+              <a:rPr lang="en-US" sz="5400" b="0" strike="noStrike" spc="-1">
                 <a:solidFill>
-                  <a:srgbClr val="3b90a3"/>
+                  <a:srgbClr val="3B90A3"/>
                 </a:solidFill>
                 <a:latin typeface="Arial Rounded MT Bold"/>
               </a:rPr>
               <a:t>More Editable Hospitable Page</a:t>
             </a:r>
-            <a:endParaRPr b="0" lang="en-IN" sz="5400" spc="-1" strike="noStrike">
+            <a:endParaRPr lang="en-IN" sz="5400" b="0" strike="noStrike" spc="-1">
               <a:latin typeface="Arial"/>
             </a:endParaRPr>
           </a:p>
@@ -3684,15 +4159,22 @@
           </a:ln>
         </p:spPr>
         <p:style>
-          <a:lnRef idx="0"/>
-          <a:fillRef idx="0"/>
-          <a:effectRef idx="0"/>
+          <a:lnRef idx="0">
+            <a:scrgbClr r="0" g="0" b="0"/>
+          </a:lnRef>
+          <a:fillRef idx="0">
+            <a:scrgbClr r="0" g="0" b="0"/>
+          </a:fillRef>
+          <a:effectRef idx="0">
+            <a:scrgbClr r="0" g="0" b="0"/>
+          </a:effectRef>
           <a:fontRef idx="minor"/>
         </p:style>
         <p:txBody>
-          <a:bodyPr lIns="90000" rIns="90000" tIns="45000" bIns="45000">
+          <a:bodyPr lIns="90000" tIns="45000" rIns="90000" bIns="45000">
             <a:spAutoFit/>
           </a:bodyPr>
+          <a:lstStyle/>
           <a:p>
             <a:pPr>
               <a:lnSpc>
@@ -3700,7 +4182,7 @@
               </a:lnSpc>
             </a:pPr>
             <a:r>
-              <a:rPr b="0" lang="en-US" sz="4000" spc="-1" strike="noStrike">
+              <a:rPr lang="en-US" sz="4000" b="0" strike="noStrike" spc="-1">
                 <a:solidFill>
                   <a:srgbClr val="000000"/>
                 </a:solidFill>
@@ -3708,7 +4190,7 @@
               </a:rPr>
               <a:t>Hospitals admins can edit more information about hospitals , it’s doctors and departments. </a:t>
             </a:r>
-            <a:endParaRPr b="0" lang="en-IN" sz="4000" spc="-1" strike="noStrike">
+            <a:endParaRPr lang="en-IN" sz="4000" b="0" strike="noStrike" spc="-1">
               <a:latin typeface="Arial"/>
             </a:endParaRPr>
           </a:p>
@@ -3716,12 +4198,12 @@
       </p:sp>
       <p:pic>
         <p:nvPicPr>
-          <p:cNvPr id="86" name="Picture 4" descr=""/>
+          <p:cNvPr id="86" name="Picture 4"/>
           <p:cNvPicPr/>
           <p:nvPr/>
         </p:nvPicPr>
         <p:blipFill>
-          <a:blip r:embed="rId1"/>
+          <a:blip r:embed="rId2"/>
           <a:stretch/>
         </p:blipFill>
         <p:spPr>
@@ -3739,19 +4221,14 @@
       </p:pic>
     </p:spTree>
   </p:cSld>
-  <mc:AlternateContent>
-    <mc:Choice Requires="p14">
-      <p:transition spd="slow" p14:dur="2000"/>
-    </mc:Choice>
-    <mc:Fallback>
-      <p:transition spd="slow"/>
-    </mc:Fallback>
-  </mc:AlternateContent>
+  <p:clrMapOvr>
+    <a:masterClrMapping/>
+  </p:clrMapOvr>
 </p:sld>
 </file>
 
 <file path=ppt/slides/slide17.xml><?xml version="1.0" encoding="utf-8"?>
-<p:sld xmlns:a="http://schemas.openxmlformats.org/drawingml/2006/main" xmlns:p="http://schemas.openxmlformats.org/presentationml/2006/main" xmlns:r="http://schemas.openxmlformats.org/officeDocument/2006/relationships" xmlns:p14="http://schemas.microsoft.com/office/powerpoint/2010/main" xmlns:p15="http://schemas.microsoft.com/office/powerpoint/2012/main" xmlns:mc="http://schemas.openxmlformats.org/markup-compatibility/2006">
+<p:sld xmlns:a="http://schemas.openxmlformats.org/drawingml/2006/main" xmlns:r="http://schemas.openxmlformats.org/officeDocument/2006/relationships" xmlns:p="http://schemas.openxmlformats.org/presentationml/2006/main">
   <p:cSld>
     <p:spTree>
       <p:nvGrpSpPr>
@@ -3769,12 +4246,12 @@
       </p:grpSpPr>
       <p:pic>
         <p:nvPicPr>
-          <p:cNvPr id="87" name="Picture 2" descr=""/>
+          <p:cNvPr id="87" name="Picture 2"/>
           <p:cNvPicPr/>
           <p:nvPr/>
         </p:nvPicPr>
         <p:blipFill>
-          <a:blip r:embed="rId1"/>
+          <a:blip r:embed="rId2"/>
           <a:stretch/>
         </p:blipFill>
         <p:spPr>
@@ -3792,19 +4269,14 @@
       </p:pic>
     </p:spTree>
   </p:cSld>
-  <mc:AlternateContent>
-    <mc:Choice Requires="p14">
-      <p:transition spd="slow" p14:dur="2000"/>
-    </mc:Choice>
-    <mc:Fallback>
-      <p:transition spd="slow"/>
-    </mc:Fallback>
-  </mc:AlternateContent>
+  <p:clrMapOvr>
+    <a:masterClrMapping/>
+  </p:clrMapOvr>
 </p:sld>
 </file>
 
 <file path=ppt/slides/slide18.xml><?xml version="1.0" encoding="utf-8"?>
-<p:sld xmlns:a="http://schemas.openxmlformats.org/drawingml/2006/main" xmlns:p="http://schemas.openxmlformats.org/presentationml/2006/main" xmlns:r="http://schemas.openxmlformats.org/officeDocument/2006/relationships" xmlns:p14="http://schemas.microsoft.com/office/powerpoint/2010/main" xmlns:p15="http://schemas.microsoft.com/office/powerpoint/2012/main" xmlns:mc="http://schemas.openxmlformats.org/markup-compatibility/2006">
+<p:sld xmlns:a="http://schemas.openxmlformats.org/drawingml/2006/main" xmlns:r="http://schemas.openxmlformats.org/officeDocument/2006/relationships" xmlns:p="http://schemas.openxmlformats.org/presentationml/2006/main">
   <p:cSld>
     <p:spTree>
       <p:nvGrpSpPr>
@@ -3840,20 +4312,21 @@
           </a:ln>
         </p:spPr>
         <p:txBody>
-          <a:bodyPr lIns="90000" rIns="90000" tIns="45000" bIns="45000">
+          <a:bodyPr lIns="90000" tIns="45000" rIns="90000" bIns="45000">
             <a:noAutofit/>
           </a:bodyPr>
+          <a:lstStyle/>
           <a:p>
             <a:r>
-              <a:rPr b="0" lang="en-US" sz="5400" spc="-1" strike="noStrike">
+              <a:rPr lang="en-US" sz="5400" b="0" strike="noStrike" spc="-1">
                 <a:solidFill>
-                  <a:srgbClr val="3b90a3"/>
+                  <a:srgbClr val="3B90A3"/>
                 </a:solidFill>
                 <a:latin typeface="Arial Rounded MT Bold"/>
               </a:rPr>
               <a:t>Video Link</a:t>
             </a:r>
-            <a:endParaRPr b="0" lang="en-IN" sz="5400" spc="-1" strike="noStrike">
+            <a:endParaRPr lang="en-IN" sz="5400" b="0" strike="noStrike" spc="-1">
               <a:latin typeface="Arial"/>
             </a:endParaRPr>
           </a:p>
@@ -3879,9 +4352,10 @@
           </a:ln>
         </p:spPr>
         <p:txBody>
-          <a:bodyPr lIns="90000" rIns="90000" tIns="45000" bIns="45000">
+          <a:bodyPr lIns="90000" tIns="45000" rIns="90000" bIns="45000">
             <a:noAutofit/>
           </a:bodyPr>
+          <a:lstStyle/>
           <a:p>
             <a:pPr>
               <a:lnSpc>
@@ -3889,35 +4363,24 @@
               </a:lnSpc>
             </a:pPr>
             <a:r>
-              <a:rPr b="0" lang="en-US" sz="4000" spc="-1" strike="noStrike">
-                <a:solidFill>
-                  <a:srgbClr val="000000"/>
-                </a:solidFill>
-                <a:latin typeface="Arial Rounded MT Bold"/>
+              <a:rPr lang="en-IN" sz="4000" b="0" strike="noStrike" spc="-1" dirty="0">
+                <a:latin typeface="Arial"/>
               </a:rPr>
-              <a:t>https://drive.google.com/file/d/1TJy1Se_6PZxwMPhVA02VF0IGVVvU1OoE/view?usp=sharing</a:t>
+              <a:t>https://drive.google.com/file/d/1kys_tHZSMI_1lEtR8wi1l9G8JyEtk3SL/view?usp=sharing</a:t>
             </a:r>
-            <a:endParaRPr b="0" lang="en-IN" sz="4000" spc="-1" strike="noStrike">
-              <a:latin typeface="Arial"/>
-            </a:endParaRPr>
           </a:p>
         </p:txBody>
       </p:sp>
     </p:spTree>
   </p:cSld>
-  <mc:AlternateContent>
-    <mc:Choice Requires="p14">
-      <p:transition spd="slow" p14:dur="2000"/>
-    </mc:Choice>
-    <mc:Fallback>
-      <p:transition spd="slow"/>
-    </mc:Fallback>
-  </mc:AlternateContent>
+  <p:clrMapOvr>
+    <a:masterClrMapping/>
+  </p:clrMapOvr>
 </p:sld>
 </file>
 
 <file path=ppt/slides/slide19.xml><?xml version="1.0" encoding="utf-8"?>
-<p:sld xmlns:a="http://schemas.openxmlformats.org/drawingml/2006/main" xmlns:p="http://schemas.openxmlformats.org/presentationml/2006/main" xmlns:r="http://schemas.openxmlformats.org/officeDocument/2006/relationships" xmlns:p14="http://schemas.microsoft.com/office/powerpoint/2010/main" xmlns:p15="http://schemas.microsoft.com/office/powerpoint/2012/main" xmlns:mc="http://schemas.openxmlformats.org/markup-compatibility/2006">
+<p:sld xmlns:a="http://schemas.openxmlformats.org/drawingml/2006/main" xmlns:r="http://schemas.openxmlformats.org/officeDocument/2006/relationships" xmlns:p="http://schemas.openxmlformats.org/presentationml/2006/main">
   <p:cSld>
     <p:spTree>
       <p:nvGrpSpPr>
@@ -3953,15 +4416,22 @@
           </a:ln>
         </p:spPr>
         <p:style>
-          <a:lnRef idx="0"/>
-          <a:fillRef idx="0"/>
-          <a:effectRef idx="0"/>
+          <a:lnRef idx="0">
+            <a:scrgbClr r="0" g="0" b="0"/>
+          </a:lnRef>
+          <a:fillRef idx="0">
+            <a:scrgbClr r="0" g="0" b="0"/>
+          </a:fillRef>
+          <a:effectRef idx="0">
+            <a:scrgbClr r="0" g="0" b="0"/>
+          </a:effectRef>
           <a:fontRef idx="minor"/>
         </p:style>
         <p:txBody>
-          <a:bodyPr lIns="90000" rIns="90000" tIns="45000" bIns="45000">
+          <a:bodyPr lIns="90000" tIns="45000" rIns="90000" bIns="45000">
             <a:spAutoFit/>
           </a:bodyPr>
+          <a:lstStyle/>
           <a:p>
             <a:pPr>
               <a:lnSpc>
@@ -3969,15 +4439,15 @@
               </a:lnSpc>
             </a:pPr>
             <a:r>
-              <a:rPr b="0" lang="en-US" sz="4800" spc="-1" strike="noStrike">
+              <a:rPr lang="en-US" sz="4800" b="0" strike="noStrike" spc="-1">
                 <a:solidFill>
-                  <a:srgbClr val="3b90a3"/>
+                  <a:srgbClr val="3B90A3"/>
                 </a:solidFill>
                 <a:latin typeface="Arial Rounded MT Bold"/>
               </a:rPr>
               <a:t>ABOUT TEAM</a:t>
             </a:r>
-            <a:endParaRPr b="0" lang="en-IN" sz="4800" spc="-1" strike="noStrike">
+            <a:endParaRPr lang="en-IN" sz="4800" b="0" strike="noStrike" spc="-1">
               <a:latin typeface="Arial"/>
             </a:endParaRPr>
           </a:p>
@@ -4031,15 +4501,22 @@
               </a:ln>
             </p:spPr>
             <p:style>
-              <a:lnRef idx="0"/>
-              <a:fillRef idx="0"/>
-              <a:effectRef idx="0"/>
+              <a:lnRef idx="0">
+                <a:scrgbClr r="0" g="0" b="0"/>
+              </a:lnRef>
+              <a:fillRef idx="0">
+                <a:scrgbClr r="0" g="0" b="0"/>
+              </a:fillRef>
+              <a:effectRef idx="0">
+                <a:scrgbClr r="0" g="0" b="0"/>
+              </a:effectRef>
               <a:fontRef idx="minor"/>
             </p:style>
             <p:txBody>
-              <a:bodyPr lIns="90000" rIns="90000" tIns="45000" bIns="45000">
+              <a:bodyPr lIns="90000" tIns="45000" rIns="90000" bIns="45000">
                 <a:spAutoFit/>
               </a:bodyPr>
+              <a:lstStyle/>
               <a:p>
                 <a:pPr>
                   <a:lnSpc>
@@ -4047,24 +4524,24 @@
                   </a:lnSpc>
                 </a:pPr>
                 <a:r>
-                  <a:rPr b="0" lang="en-US" sz="1800" spc="-1" strike="noStrike">
+                  <a:rPr lang="en-US" sz="1800" b="0" strike="noStrike" spc="-1">
                     <a:solidFill>
-                      <a:srgbClr val="0d0d0d"/>
+                      <a:srgbClr val="0D0D0D"/>
                     </a:solidFill>
                     <a:latin typeface="Arial Rounded MT Bold"/>
                   </a:rPr>
                   <a:t>1.   </a:t>
                 </a:r>
                 <a:r>
-                  <a:rPr b="0" lang="en-US" sz="1800" spc="-1" strike="noStrike">
+                  <a:rPr lang="en-US" sz="1800" b="0" strike="noStrike" spc="-1">
                     <a:solidFill>
-                      <a:srgbClr val="3b90a3"/>
+                      <a:srgbClr val="3B90A3"/>
                     </a:solidFill>
                     <a:latin typeface="Arial Rounded MT Bold"/>
                   </a:rPr>
                   <a:t>Aarchie Girdhar</a:t>
                 </a:r>
-                <a:endParaRPr b="0" lang="en-IN" sz="1800" spc="-1" strike="noStrike">
+                <a:endParaRPr lang="en-IN" sz="1800" b="0" strike="noStrike" spc="-1">
                   <a:latin typeface="Arial"/>
                 </a:endParaRPr>
               </a:p>
@@ -4075,24 +4552,15 @@
                   </a:lnSpc>
                 </a:pPr>
                 <a:r>
-                  <a:rPr b="0" lang="en-US" sz="1800" spc="-1" strike="noStrike">
+                  <a:rPr lang="en-US" sz="1800" b="0" strike="noStrike" spc="-1">
                     <a:solidFill>
                       <a:srgbClr val="000000"/>
                     </a:solidFill>
                     <a:latin typeface="Arial Rounded MT Bold"/>
                   </a:rPr>
-                  <a:t>      </a:t>
+                  <a:t>      Department : Computer Science</a:t>
                 </a:r>
-                <a:r>
-                  <a:rPr b="0" lang="en-US" sz="1800" spc="-1" strike="noStrike">
-                    <a:solidFill>
-                      <a:srgbClr val="000000"/>
-                    </a:solidFill>
-                    <a:latin typeface="Arial Rounded MT Bold"/>
-                  </a:rPr>
-                  <a:t>Department : Computer Science</a:t>
-                </a:r>
-                <a:endParaRPr b="0" lang="en-IN" sz="1800" spc="-1" strike="noStrike">
+                <a:endParaRPr lang="en-IN" sz="1800" b="0" strike="noStrike" spc="-1">
                   <a:latin typeface="Arial"/>
                 </a:endParaRPr>
               </a:p>
@@ -4103,24 +4571,15 @@
                   </a:lnSpc>
                 </a:pPr>
                 <a:r>
-                  <a:rPr b="0" lang="en-US" sz="1800" spc="-1" strike="noStrike">
+                  <a:rPr lang="en-US" sz="1800" b="0" strike="noStrike" spc="-1">
                     <a:solidFill>
                       <a:srgbClr val="000000"/>
                     </a:solidFill>
                     <a:latin typeface="Arial Rounded MT Bold"/>
                   </a:rPr>
-                  <a:t>      </a:t>
+                  <a:t>      Batch : 2019</a:t>
                 </a:r>
-                <a:r>
-                  <a:rPr b="0" lang="en-US" sz="1800" spc="-1" strike="noStrike">
-                    <a:solidFill>
-                      <a:srgbClr val="000000"/>
-                    </a:solidFill>
-                    <a:latin typeface="Arial Rounded MT Bold"/>
-                  </a:rPr>
-                  <a:t>Batch : 2019</a:t>
-                </a:r>
-                <a:endParaRPr b="0" lang="en-IN" sz="1800" spc="-1" strike="noStrike">
+                <a:endParaRPr lang="en-IN" sz="1800" b="0" strike="noStrike" spc="-1">
                   <a:latin typeface="Arial"/>
                 </a:endParaRPr>
               </a:p>
@@ -4131,24 +4590,15 @@
                   </a:lnSpc>
                 </a:pPr>
                 <a:r>
-                  <a:rPr b="0" lang="en-US" sz="1800" spc="-1" strike="noStrike">
+                  <a:rPr lang="en-US" sz="1800" b="0" strike="noStrike" spc="-1">
                     <a:solidFill>
                       <a:srgbClr val="000000"/>
                     </a:solidFill>
                     <a:latin typeface="Arial Rounded MT Bold"/>
                   </a:rPr>
-                  <a:t>      </a:t>
+                  <a:t>      Roll Number : 1910990235</a:t>
                 </a:r>
-                <a:r>
-                  <a:rPr b="0" lang="en-US" sz="1800" spc="-1" strike="noStrike">
-                    <a:solidFill>
-                      <a:srgbClr val="000000"/>
-                    </a:solidFill>
-                    <a:latin typeface="Arial Rounded MT Bold"/>
-                  </a:rPr>
-                  <a:t>Roll Number : 1910990235</a:t>
-                </a:r>
-                <a:endParaRPr b="0" lang="en-IN" sz="1800" spc="-1" strike="noStrike">
+                <a:endParaRPr lang="en-IN" sz="1800" b="0" strike="noStrike" spc="-1">
                   <a:latin typeface="Arial"/>
                 </a:endParaRPr>
               </a:p>
@@ -4159,24 +4609,15 @@
                   </a:lnSpc>
                 </a:pPr>
                 <a:r>
-                  <a:rPr b="0" lang="en-US" sz="1800" spc="-1" strike="noStrike">
+                  <a:rPr lang="en-US" sz="1800" b="0" strike="noStrike" spc="-1">
                     <a:solidFill>
                       <a:srgbClr val="000000"/>
                     </a:solidFill>
                     <a:latin typeface="Arial Rounded MT Bold"/>
                   </a:rPr>
-                  <a:t>      </a:t>
+                  <a:t>      Email: aarchie0235.cse19@chitkara.edu.in</a:t>
                 </a:r>
-                <a:r>
-                  <a:rPr b="0" lang="en-US" sz="1800" spc="-1" strike="noStrike">
-                    <a:solidFill>
-                      <a:srgbClr val="000000"/>
-                    </a:solidFill>
-                    <a:latin typeface="Arial Rounded MT Bold"/>
-                  </a:rPr>
-                  <a:t>Email: aarchie0235.cse19@chitkara.edu.in</a:t>
-                </a:r>
-                <a:endParaRPr b="0" lang="en-IN" sz="1800" spc="-1" strike="noStrike">
+                <a:endParaRPr lang="en-IN" sz="1800" b="0" strike="noStrike" spc="-1">
                   <a:latin typeface="Arial"/>
                 </a:endParaRPr>
               </a:p>
@@ -4202,15 +4643,22 @@
               </a:ln>
             </p:spPr>
             <p:style>
-              <a:lnRef idx="0"/>
-              <a:fillRef idx="0"/>
-              <a:effectRef idx="0"/>
+              <a:lnRef idx="0">
+                <a:scrgbClr r="0" g="0" b="0"/>
+              </a:lnRef>
+              <a:fillRef idx="0">
+                <a:scrgbClr r="0" g="0" b="0"/>
+              </a:fillRef>
+              <a:effectRef idx="0">
+                <a:scrgbClr r="0" g="0" b="0"/>
+              </a:effectRef>
               <a:fontRef idx="minor"/>
             </p:style>
             <p:txBody>
-              <a:bodyPr lIns="90000" rIns="90000" tIns="45000" bIns="45000">
+              <a:bodyPr lIns="90000" tIns="45000" rIns="90000" bIns="45000">
                 <a:spAutoFit/>
               </a:bodyPr>
+              <a:lstStyle/>
               <a:p>
                 <a:pPr>
                   <a:lnSpc>
@@ -4218,7 +4666,7 @@
                   </a:lnSpc>
                 </a:pPr>
                 <a:r>
-                  <a:rPr b="0" lang="en-US" sz="1800" spc="-1" strike="noStrike">
+                  <a:rPr lang="en-US" sz="1800" b="0" strike="noStrike" spc="-1">
                     <a:solidFill>
                       <a:srgbClr val="000000"/>
                     </a:solidFill>
@@ -4227,15 +4675,15 @@
                   <a:t>2.   </a:t>
                 </a:r>
                 <a:r>
-                  <a:rPr b="0" lang="en-US" sz="1800" spc="-1" strike="noStrike">
+                  <a:rPr lang="en-US" sz="1800" b="0" strike="noStrike" spc="-1">
                     <a:solidFill>
-                      <a:srgbClr val="3b90a3"/>
+                      <a:srgbClr val="3B90A3"/>
                     </a:solidFill>
                     <a:latin typeface="Arial Rounded MT Bold"/>
                   </a:rPr>
                   <a:t>Divyanshi Bajpai</a:t>
                 </a:r>
-                <a:endParaRPr b="0" lang="en-IN" sz="1800" spc="-1" strike="noStrike">
+                <a:endParaRPr lang="en-IN" sz="1800" b="0" strike="noStrike" spc="-1">
                   <a:latin typeface="Arial"/>
                 </a:endParaRPr>
               </a:p>
@@ -4246,24 +4694,15 @@
                   </a:lnSpc>
                 </a:pPr>
                 <a:r>
-                  <a:rPr b="0" lang="en-US" sz="1800" spc="-1" strike="noStrike">
+                  <a:rPr lang="en-US" sz="1800" b="0" strike="noStrike" spc="-1">
                     <a:solidFill>
                       <a:srgbClr val="000000"/>
                     </a:solidFill>
                     <a:latin typeface="Arial Rounded MT Bold"/>
                   </a:rPr>
-                  <a:t>      </a:t>
+                  <a:t>      Department : Computer Science</a:t>
                 </a:r>
-                <a:r>
-                  <a:rPr b="0" lang="en-US" sz="1800" spc="-1" strike="noStrike">
-                    <a:solidFill>
-                      <a:srgbClr val="000000"/>
-                    </a:solidFill>
-                    <a:latin typeface="Arial Rounded MT Bold"/>
-                  </a:rPr>
-                  <a:t>Department : Computer Science</a:t>
-                </a:r>
-                <a:endParaRPr b="0" lang="en-IN" sz="1800" spc="-1" strike="noStrike">
+                <a:endParaRPr lang="en-IN" sz="1800" b="0" strike="noStrike" spc="-1">
                   <a:latin typeface="Arial"/>
                 </a:endParaRPr>
               </a:p>
@@ -4274,24 +4713,15 @@
                   </a:lnSpc>
                 </a:pPr>
                 <a:r>
-                  <a:rPr b="0" lang="en-US" sz="1800" spc="-1" strike="noStrike">
+                  <a:rPr lang="en-US" sz="1800" b="0" strike="noStrike" spc="-1">
                     <a:solidFill>
                       <a:srgbClr val="000000"/>
                     </a:solidFill>
                     <a:latin typeface="Arial Rounded MT Bold"/>
                   </a:rPr>
-                  <a:t>      </a:t>
+                  <a:t>      Batch : 2019</a:t>
                 </a:r>
-                <a:r>
-                  <a:rPr b="0" lang="en-US" sz="1800" spc="-1" strike="noStrike">
-                    <a:solidFill>
-                      <a:srgbClr val="000000"/>
-                    </a:solidFill>
-                    <a:latin typeface="Arial Rounded MT Bold"/>
-                  </a:rPr>
-                  <a:t>Batch : 2019</a:t>
-                </a:r>
-                <a:endParaRPr b="0" lang="en-IN" sz="1800" spc="-1" strike="noStrike">
+                <a:endParaRPr lang="en-IN" sz="1800" b="0" strike="noStrike" spc="-1">
                   <a:latin typeface="Arial"/>
                 </a:endParaRPr>
               </a:p>
@@ -4302,24 +4732,15 @@
                   </a:lnSpc>
                 </a:pPr>
                 <a:r>
-                  <a:rPr b="0" lang="en-US" sz="1800" spc="-1" strike="noStrike">
+                  <a:rPr lang="en-US" sz="1800" b="0" strike="noStrike" spc="-1">
                     <a:solidFill>
                       <a:srgbClr val="000000"/>
                     </a:solidFill>
                     <a:latin typeface="Arial Rounded MT Bold"/>
                   </a:rPr>
-                  <a:t>      </a:t>
+                  <a:t>      Roll Number : 1910990278</a:t>
                 </a:r>
-                <a:r>
-                  <a:rPr b="0" lang="en-US" sz="1800" spc="-1" strike="noStrike">
-                    <a:solidFill>
-                      <a:srgbClr val="000000"/>
-                    </a:solidFill>
-                    <a:latin typeface="Arial Rounded MT Bold"/>
-                  </a:rPr>
-                  <a:t>Roll Number : 1910990278</a:t>
-                </a:r>
-                <a:endParaRPr b="0" lang="en-IN" sz="1800" spc="-1" strike="noStrike">
+                <a:endParaRPr lang="en-IN" sz="1800" b="0" strike="noStrike" spc="-1">
                   <a:latin typeface="Arial"/>
                 </a:endParaRPr>
               </a:p>
@@ -4330,24 +4751,15 @@
                   </a:lnSpc>
                 </a:pPr>
                 <a:r>
-                  <a:rPr b="0" lang="en-US" sz="1800" spc="-1" strike="noStrike">
+                  <a:rPr lang="en-US" sz="1800" b="0" strike="noStrike" spc="-1">
                     <a:solidFill>
                       <a:srgbClr val="000000"/>
                     </a:solidFill>
                     <a:latin typeface="Arial Rounded MT Bold"/>
                   </a:rPr>
-                  <a:t>      </a:t>
+                  <a:t>      Email: divyanshi0278.cse19@chitkara.edu.in</a:t>
                 </a:r>
-                <a:r>
-                  <a:rPr b="0" lang="en-US" sz="1800" spc="-1" strike="noStrike">
-                    <a:solidFill>
-                      <a:srgbClr val="000000"/>
-                    </a:solidFill>
-                    <a:latin typeface="Arial Rounded MT Bold"/>
-                  </a:rPr>
-                  <a:t>Email: divyanshi0278.cse19@chitkara.edu.in</a:t>
-                </a:r>
-                <a:endParaRPr b="0" lang="en-IN" sz="1800" spc="-1" strike="noStrike">
+                <a:endParaRPr lang="en-IN" sz="1800" b="0" strike="noStrike" spc="-1">
                   <a:latin typeface="Arial"/>
                 </a:endParaRPr>
               </a:p>
@@ -4358,7 +4770,7 @@
                   </a:lnSpc>
                 </a:pPr>
                 <a:r>
-                  <a:rPr b="0" lang="en-US" sz="1800" spc="-1" strike="noStrike">
+                  <a:rPr lang="en-US" sz="1800" b="0" strike="noStrike" spc="-1">
                     <a:solidFill>
                       <a:srgbClr val="000000"/>
                     </a:solidFill>
@@ -4366,7 +4778,7 @@
                   </a:rPr>
                   <a:t>       </a:t>
                 </a:r>
-                <a:endParaRPr b="0" lang="en-IN" sz="1800" spc="-1" strike="noStrike">
+                <a:endParaRPr lang="en-IN" sz="1800" b="0" strike="noStrike" spc="-1">
                   <a:latin typeface="Arial"/>
                 </a:endParaRPr>
               </a:p>
@@ -4393,15 +4805,22 @@
             </a:ln>
           </p:spPr>
           <p:style>
-            <a:lnRef idx="0"/>
-            <a:fillRef idx="0"/>
-            <a:effectRef idx="0"/>
+            <a:lnRef idx="0">
+              <a:scrgbClr r="0" g="0" b="0"/>
+            </a:lnRef>
+            <a:fillRef idx="0">
+              <a:scrgbClr r="0" g="0" b="0"/>
+            </a:fillRef>
+            <a:effectRef idx="0">
+              <a:scrgbClr r="0" g="0" b="0"/>
+            </a:effectRef>
             <a:fontRef idx="minor"/>
           </p:style>
           <p:txBody>
-            <a:bodyPr lIns="90000" rIns="90000" tIns="45000" bIns="45000">
+            <a:bodyPr lIns="90000" tIns="45000" rIns="90000" bIns="45000">
               <a:spAutoFit/>
             </a:bodyPr>
+            <a:lstStyle/>
             <a:p>
               <a:pPr>
                 <a:lnSpc>
@@ -4409,7 +4828,7 @@
                 </a:lnSpc>
               </a:pPr>
               <a:r>
-                <a:rPr b="0" lang="en-US" sz="1800" spc="-1" strike="noStrike">
+                <a:rPr lang="en-US" sz="1800" b="0" strike="noStrike" spc="-1">
                   <a:solidFill>
                     <a:srgbClr val="000000"/>
                   </a:solidFill>
@@ -4418,15 +4837,15 @@
                 <a:t>3.   </a:t>
               </a:r>
               <a:r>
-                <a:rPr b="0" lang="en-US" sz="1800" spc="-1" strike="noStrike">
+                <a:rPr lang="en-US" sz="1800" b="0" strike="noStrike" spc="-1">
                   <a:solidFill>
-                    <a:srgbClr val="3b90a3"/>
+                    <a:srgbClr val="3B90A3"/>
                   </a:solidFill>
                   <a:latin typeface="Arial Rounded MT Bold"/>
                 </a:rPr>
                 <a:t>Paras Chaudhary</a:t>
               </a:r>
-              <a:endParaRPr b="0" lang="en-IN" sz="1800" spc="-1" strike="noStrike">
+              <a:endParaRPr lang="en-IN" sz="1800" b="0" strike="noStrike" spc="-1">
                 <a:latin typeface="Arial"/>
               </a:endParaRPr>
             </a:p>
@@ -4437,24 +4856,15 @@
                 </a:lnSpc>
               </a:pPr>
               <a:r>
-                <a:rPr b="0" lang="en-US" sz="1800" spc="-1" strike="noStrike">
+                <a:rPr lang="en-US" sz="1800" b="0" strike="noStrike" spc="-1">
                   <a:solidFill>
                     <a:srgbClr val="000000"/>
                   </a:solidFill>
                   <a:latin typeface="Arial Rounded MT Bold"/>
                 </a:rPr>
-                <a:t>      </a:t>
+                <a:t>      Department : Computer Science</a:t>
               </a:r>
-              <a:r>
-                <a:rPr b="0" lang="en-US" sz="1800" spc="-1" strike="noStrike">
-                  <a:solidFill>
-                    <a:srgbClr val="000000"/>
-                  </a:solidFill>
-                  <a:latin typeface="Arial Rounded MT Bold"/>
-                </a:rPr>
-                <a:t>Department : Computer Science</a:t>
-              </a:r>
-              <a:endParaRPr b="0" lang="en-IN" sz="1800" spc="-1" strike="noStrike">
+              <a:endParaRPr lang="en-IN" sz="1800" b="0" strike="noStrike" spc="-1">
                 <a:latin typeface="Arial"/>
               </a:endParaRPr>
             </a:p>
@@ -4465,24 +4875,15 @@
                 </a:lnSpc>
               </a:pPr>
               <a:r>
-                <a:rPr b="0" lang="en-US" sz="1800" spc="-1" strike="noStrike">
+                <a:rPr lang="en-US" sz="1800" b="0" strike="noStrike" spc="-1">
                   <a:solidFill>
                     <a:srgbClr val="000000"/>
                   </a:solidFill>
                   <a:latin typeface="Arial Rounded MT Bold"/>
                 </a:rPr>
-                <a:t>      </a:t>
+                <a:t>      Batch : 2019</a:t>
               </a:r>
-              <a:r>
-                <a:rPr b="0" lang="en-US" sz="1800" spc="-1" strike="noStrike">
-                  <a:solidFill>
-                    <a:srgbClr val="000000"/>
-                  </a:solidFill>
-                  <a:latin typeface="Arial Rounded MT Bold"/>
-                </a:rPr>
-                <a:t>Batch : 2019</a:t>
-              </a:r>
-              <a:endParaRPr b="0" lang="en-IN" sz="1800" spc="-1" strike="noStrike">
+              <a:endParaRPr lang="en-IN" sz="1800" b="0" strike="noStrike" spc="-1">
                 <a:latin typeface="Arial"/>
               </a:endParaRPr>
             </a:p>
@@ -4493,24 +4894,15 @@
                 </a:lnSpc>
               </a:pPr>
               <a:r>
-                <a:rPr b="0" lang="en-US" sz="1800" spc="-1" strike="noStrike">
+                <a:rPr lang="en-US" sz="1800" b="0" strike="noStrike" spc="-1">
                   <a:solidFill>
                     <a:srgbClr val="000000"/>
                   </a:solidFill>
                   <a:latin typeface="Arial Rounded MT Bold"/>
                 </a:rPr>
-                <a:t>      </a:t>
+                <a:t>      Roll Number : 1910991638</a:t>
               </a:r>
-              <a:r>
-                <a:rPr b="0" lang="en-US" sz="1800" spc="-1" strike="noStrike">
-                  <a:solidFill>
-                    <a:srgbClr val="000000"/>
-                  </a:solidFill>
-                  <a:latin typeface="Arial Rounded MT Bold"/>
-                </a:rPr>
-                <a:t>Roll Number : 1910991638</a:t>
-              </a:r>
-              <a:endParaRPr b="0" lang="en-IN" sz="1800" spc="-1" strike="noStrike">
+              <a:endParaRPr lang="en-IN" sz="1800" b="0" strike="noStrike" spc="-1">
                 <a:latin typeface="Arial"/>
               </a:endParaRPr>
             </a:p>
@@ -4521,24 +4913,15 @@
                 </a:lnSpc>
               </a:pPr>
               <a:r>
-                <a:rPr b="0" lang="en-US" sz="1800" spc="-1" strike="noStrike">
+                <a:rPr lang="en-US" sz="1800" b="0" strike="noStrike" spc="-1">
                   <a:solidFill>
                     <a:srgbClr val="000000"/>
                   </a:solidFill>
                   <a:latin typeface="Arial Rounded MT Bold"/>
                 </a:rPr>
-                <a:t>      </a:t>
+                <a:t>      Email: paras1638.cse19@chitkara.edu.in</a:t>
               </a:r>
-              <a:r>
-                <a:rPr b="0" lang="en-US" sz="1800" spc="-1" strike="noStrike">
-                  <a:solidFill>
-                    <a:srgbClr val="000000"/>
-                  </a:solidFill>
-                  <a:latin typeface="Arial Rounded MT Bold"/>
-                </a:rPr>
-                <a:t>Email: paras1638.cse19@chitkara.edu.in</a:t>
-              </a:r>
-              <a:endParaRPr b="0" lang="en-IN" sz="1800" spc="-1" strike="noStrike">
+              <a:endParaRPr lang="en-IN" sz="1800" b="0" strike="noStrike" spc="-1">
                 <a:latin typeface="Arial"/>
               </a:endParaRPr>
             </a:p>
@@ -4564,15 +4947,22 @@
             </a:ln>
           </p:spPr>
           <p:style>
-            <a:lnRef idx="0"/>
-            <a:fillRef idx="0"/>
-            <a:effectRef idx="0"/>
+            <a:lnRef idx="0">
+              <a:scrgbClr r="0" g="0" b="0"/>
+            </a:lnRef>
+            <a:fillRef idx="0">
+              <a:scrgbClr r="0" g="0" b="0"/>
+            </a:fillRef>
+            <a:effectRef idx="0">
+              <a:scrgbClr r="0" g="0" b="0"/>
+            </a:effectRef>
             <a:fontRef idx="minor"/>
           </p:style>
           <p:txBody>
-            <a:bodyPr lIns="90000" rIns="90000" tIns="45000" bIns="45000">
+            <a:bodyPr lIns="90000" tIns="45000" rIns="90000" bIns="45000">
               <a:spAutoFit/>
             </a:bodyPr>
+            <a:lstStyle/>
             <a:p>
               <a:pPr>
                 <a:lnSpc>
@@ -4580,7 +4970,7 @@
                 </a:lnSpc>
               </a:pPr>
               <a:r>
-                <a:rPr b="0" lang="en-US" sz="1800" spc="-1" strike="noStrike">
+                <a:rPr lang="en-US" sz="1800" b="0" strike="noStrike" spc="-1">
                   <a:solidFill>
                     <a:srgbClr val="000000"/>
                   </a:solidFill>
@@ -4589,15 +4979,15 @@
                 <a:t>4.   </a:t>
               </a:r>
               <a:r>
-                <a:rPr b="0" lang="en-US" sz="1800" spc="-1" strike="noStrike">
+                <a:rPr lang="en-US" sz="1800" b="0" strike="noStrike" spc="-1">
                   <a:solidFill>
-                    <a:srgbClr val="3b90a3"/>
+                    <a:srgbClr val="3B90A3"/>
                   </a:solidFill>
                   <a:latin typeface="Arial Rounded MT Bold"/>
                 </a:rPr>
                 <a:t>Shaurya Kaushal</a:t>
               </a:r>
-              <a:endParaRPr b="0" lang="en-IN" sz="1800" spc="-1" strike="noStrike">
+              <a:endParaRPr lang="en-IN" sz="1800" b="0" strike="noStrike" spc="-1">
                 <a:latin typeface="Arial"/>
               </a:endParaRPr>
             </a:p>
@@ -4608,24 +4998,15 @@
                 </a:lnSpc>
               </a:pPr>
               <a:r>
-                <a:rPr b="0" lang="en-US" sz="1800" spc="-1" strike="noStrike">
+                <a:rPr lang="en-US" sz="1800" b="0" strike="noStrike" spc="-1">
                   <a:solidFill>
                     <a:srgbClr val="000000"/>
                   </a:solidFill>
                   <a:latin typeface="Arial Rounded MT Bold"/>
                 </a:rPr>
-                <a:t>      </a:t>
+                <a:t>      Department : Computer Science</a:t>
               </a:r>
-              <a:r>
-                <a:rPr b="0" lang="en-US" sz="1800" spc="-1" strike="noStrike">
-                  <a:solidFill>
-                    <a:srgbClr val="000000"/>
-                  </a:solidFill>
-                  <a:latin typeface="Arial Rounded MT Bold"/>
-                </a:rPr>
-                <a:t>Department : Computer Science</a:t>
-              </a:r>
-              <a:endParaRPr b="0" lang="en-IN" sz="1800" spc="-1" strike="noStrike">
+              <a:endParaRPr lang="en-IN" sz="1800" b="0" strike="noStrike" spc="-1">
                 <a:latin typeface="Arial"/>
               </a:endParaRPr>
             </a:p>
@@ -4636,24 +5017,15 @@
                 </a:lnSpc>
               </a:pPr>
               <a:r>
-                <a:rPr b="0" lang="en-US" sz="1800" spc="-1" strike="noStrike">
+                <a:rPr lang="en-US" sz="1800" b="0" strike="noStrike" spc="-1">
                   <a:solidFill>
                     <a:srgbClr val="000000"/>
                   </a:solidFill>
                   <a:latin typeface="Arial Rounded MT Bold"/>
                 </a:rPr>
-                <a:t>      </a:t>
+                <a:t>      Batch : 2019</a:t>
               </a:r>
-              <a:r>
-                <a:rPr b="0" lang="en-US" sz="1800" spc="-1" strike="noStrike">
-                  <a:solidFill>
-                    <a:srgbClr val="000000"/>
-                  </a:solidFill>
-                  <a:latin typeface="Arial Rounded MT Bold"/>
-                </a:rPr>
-                <a:t>Batch : 2019</a:t>
-              </a:r>
-              <a:endParaRPr b="0" lang="en-IN" sz="1800" spc="-1" strike="noStrike">
+              <a:endParaRPr lang="en-IN" sz="1800" b="0" strike="noStrike" spc="-1">
                 <a:latin typeface="Arial"/>
               </a:endParaRPr>
             </a:p>
@@ -4664,24 +5036,15 @@
                 </a:lnSpc>
               </a:pPr>
               <a:r>
-                <a:rPr b="0" lang="en-US" sz="1800" spc="-1" strike="noStrike">
+                <a:rPr lang="en-US" sz="1800" b="0" strike="noStrike" spc="-1">
                   <a:solidFill>
                     <a:srgbClr val="000000"/>
                   </a:solidFill>
                   <a:latin typeface="Arial Rounded MT Bold"/>
                 </a:rPr>
-                <a:t>      </a:t>
+                <a:t>      Roll Number : 1910990237</a:t>
               </a:r>
-              <a:r>
-                <a:rPr b="0" lang="en-US" sz="1800" spc="-1" strike="noStrike">
-                  <a:solidFill>
-                    <a:srgbClr val="000000"/>
-                  </a:solidFill>
-                  <a:latin typeface="Arial Rounded MT Bold"/>
-                </a:rPr>
-                <a:t>Roll Number : 1910990237</a:t>
-              </a:r>
-              <a:endParaRPr b="0" lang="en-IN" sz="1800" spc="-1" strike="noStrike">
+              <a:endParaRPr lang="en-IN" sz="1800" b="0" strike="noStrike" spc="-1">
                 <a:latin typeface="Arial"/>
               </a:endParaRPr>
             </a:p>
@@ -4692,24 +5055,15 @@
                 </a:lnSpc>
               </a:pPr>
               <a:r>
-                <a:rPr b="0" lang="en-US" sz="1800" spc="-1" strike="noStrike">
+                <a:rPr lang="en-US" sz="1800" b="0" strike="noStrike" spc="-1">
                   <a:solidFill>
                     <a:srgbClr val="000000"/>
                   </a:solidFill>
                   <a:latin typeface="Arial Rounded MT Bold"/>
                 </a:rPr>
-                <a:t>      </a:t>
+                <a:t>      Email: shaurya0237.cse19@chitkara.edu.in</a:t>
               </a:r>
-              <a:r>
-                <a:rPr b="0" lang="en-US" sz="1800" spc="-1" strike="noStrike">
-                  <a:solidFill>
-                    <a:srgbClr val="000000"/>
-                  </a:solidFill>
-                  <a:latin typeface="Arial Rounded MT Bold"/>
-                </a:rPr>
-                <a:t>Email: shaurya0237.cse19@chitkara.edu.in</a:t>
-              </a:r>
-              <a:endParaRPr b="0" lang="en-IN" sz="1800" spc="-1" strike="noStrike">
+              <a:endParaRPr lang="en-IN" sz="1800" b="0" strike="noStrike" spc="-1">
                 <a:latin typeface="Arial"/>
               </a:endParaRPr>
             </a:p>
@@ -4720,7 +5074,7 @@
                 </a:lnSpc>
               </a:pPr>
               <a:r>
-                <a:rPr b="0" lang="en-US" sz="1800" spc="-1" strike="noStrike">
+                <a:rPr lang="en-US" sz="1800" b="0" strike="noStrike" spc="-1">
                   <a:solidFill>
                     <a:srgbClr val="000000"/>
                   </a:solidFill>
@@ -4728,7 +5082,7 @@
                 </a:rPr>
                 <a:t>       </a:t>
               </a:r>
-              <a:endParaRPr b="0" lang="en-IN" sz="1800" spc="-1" strike="noStrike">
+              <a:endParaRPr lang="en-IN" sz="1800" b="0" strike="noStrike" spc="-1">
                 <a:latin typeface="Arial"/>
               </a:endParaRPr>
             </a:p>
@@ -4737,19 +5091,14 @@
       </p:grpSp>
     </p:spTree>
   </p:cSld>
-  <mc:AlternateContent>
-    <mc:Choice Requires="p14">
-      <p:transition spd="slow" p14:dur="2000"/>
-    </mc:Choice>
-    <mc:Fallback>
-      <p:transition spd="slow"/>
-    </mc:Fallback>
-  </mc:AlternateContent>
+  <p:clrMapOvr>
+    <a:masterClrMapping/>
+  </p:clrMapOvr>
 </p:sld>
 </file>
 
 <file path=ppt/slides/slide2.xml><?xml version="1.0" encoding="utf-8"?>
-<p:sld xmlns:a="http://schemas.openxmlformats.org/drawingml/2006/main" xmlns:p="http://schemas.openxmlformats.org/presentationml/2006/main" xmlns:r="http://schemas.openxmlformats.org/officeDocument/2006/relationships" xmlns:p14="http://schemas.microsoft.com/office/powerpoint/2010/main" xmlns:p15="http://schemas.microsoft.com/office/powerpoint/2012/main" xmlns:mc="http://schemas.openxmlformats.org/markup-compatibility/2006">
+<p:sld xmlns:a="http://schemas.openxmlformats.org/drawingml/2006/main" xmlns:r="http://schemas.openxmlformats.org/officeDocument/2006/relationships" xmlns:p="http://schemas.openxmlformats.org/presentationml/2006/main">
   <p:cSld>
     <p:spTree>
       <p:nvGrpSpPr>
@@ -4799,15 +5148,22 @@
             </a:ln>
           </p:spPr>
           <p:style>
-            <a:lnRef idx="0"/>
-            <a:fillRef idx="0"/>
-            <a:effectRef idx="0"/>
+            <a:lnRef idx="0">
+              <a:scrgbClr r="0" g="0" b="0"/>
+            </a:lnRef>
+            <a:fillRef idx="0">
+              <a:scrgbClr r="0" g="0" b="0"/>
+            </a:fillRef>
+            <a:effectRef idx="0">
+              <a:scrgbClr r="0" g="0" b="0"/>
+            </a:effectRef>
             <a:fontRef idx="minor"/>
           </p:style>
           <p:txBody>
-            <a:bodyPr lIns="90000" rIns="90000" tIns="45000" bIns="45000">
+            <a:bodyPr lIns="90000" tIns="45000" rIns="90000" bIns="45000">
               <a:spAutoFit/>
             </a:bodyPr>
+            <a:lstStyle/>
             <a:p>
               <a:pPr>
                 <a:lnSpc>
@@ -4815,15 +5171,15 @@
                 </a:lnSpc>
               </a:pPr>
               <a:r>
-                <a:rPr b="0" lang="en-US" sz="4800" spc="-1" strike="noStrike">
+                <a:rPr lang="en-US" sz="4800" b="0" strike="noStrike" spc="-1">
                   <a:solidFill>
-                    <a:srgbClr val="3b90a3"/>
+                    <a:srgbClr val="3B90A3"/>
                   </a:solidFill>
                   <a:latin typeface="Arial Rounded MT Bold"/>
                 </a:rPr>
                 <a:t>Problem Statement</a:t>
               </a:r>
-              <a:endParaRPr b="0" lang="en-IN" sz="4800" spc="-1" strike="noStrike">
+              <a:endParaRPr lang="en-IN" sz="4800" b="0" strike="noStrike" spc="-1">
                 <a:latin typeface="Arial"/>
               </a:endParaRPr>
             </a:p>
@@ -4849,15 +5205,22 @@
             </a:ln>
           </p:spPr>
           <p:style>
-            <a:lnRef idx="0"/>
-            <a:fillRef idx="0"/>
-            <a:effectRef idx="0"/>
+            <a:lnRef idx="0">
+              <a:scrgbClr r="0" g="0" b="0"/>
+            </a:lnRef>
+            <a:fillRef idx="0">
+              <a:scrgbClr r="0" g="0" b="0"/>
+            </a:fillRef>
+            <a:effectRef idx="0">
+              <a:scrgbClr r="0" g="0" b="0"/>
+            </a:effectRef>
             <a:fontRef idx="minor"/>
           </p:style>
           <p:txBody>
-            <a:bodyPr lIns="90000" rIns="90000" tIns="45000" bIns="45000">
+            <a:bodyPr lIns="90000" tIns="45000" rIns="90000" bIns="45000">
               <a:spAutoFit/>
             </a:bodyPr>
+            <a:lstStyle/>
             <a:p>
               <a:pPr>
                 <a:lnSpc>
@@ -4865,7 +5228,7 @@
                 </a:lnSpc>
               </a:pPr>
               <a:r>
-                <a:rPr b="0" lang="en-US" sz="2400" spc="-1" strike="noStrike">
+                <a:rPr lang="en-US" sz="2400" b="0" strike="noStrike" spc="-1">
                   <a:solidFill>
                     <a:srgbClr val="000000"/>
                   </a:solidFill>
@@ -4873,7 +5236,7 @@
                 </a:rPr>
                 <a:t>India is a hotbed of tech innovations and startups across the world. Tech-equipped medical devices and the development of top-notch technology for critical ailments such as heart diseases, diabetes, and cancer are already bringing laurels to Indian health-tech startups.</a:t>
               </a:r>
-              <a:endParaRPr b="0" lang="en-IN" sz="2400" spc="-1" strike="noStrike">
+              <a:endParaRPr lang="en-IN" sz="2400" b="0" strike="noStrike" spc="-1">
                 <a:latin typeface="Arial"/>
               </a:endParaRPr>
             </a:p>
@@ -4883,7 +5246,7 @@
                   <a:spcPct val="100000"/>
                 </a:lnSpc>
               </a:pPr>
-              <a:endParaRPr b="0" lang="en-IN" sz="2400" spc="-1" strike="noStrike">
+              <a:endParaRPr lang="en-IN" sz="2400" b="0" strike="noStrike" spc="-1">
                 <a:latin typeface="Arial"/>
               </a:endParaRPr>
             </a:p>
@@ -4894,7 +5257,7 @@
                 </a:lnSpc>
               </a:pPr>
               <a:r>
-                <a:rPr b="0" lang="en-US" sz="2400" spc="-1" strike="noStrike">
+                <a:rPr lang="en-US" sz="2400" b="0" strike="noStrike" spc="-1">
                   <a:solidFill>
                     <a:srgbClr val="000000"/>
                   </a:solidFill>
@@ -4902,7 +5265,7 @@
                 </a:rPr>
                 <a:t>Create Solutions to deal with these two major challenges faced by the patients:</a:t>
               </a:r>
-              <a:endParaRPr b="0" lang="en-IN" sz="2400" spc="-1" strike="noStrike">
+              <a:endParaRPr lang="en-IN" sz="2400" b="0" strike="noStrike" spc="-1">
                 <a:latin typeface="Arial"/>
               </a:endParaRPr>
             </a:p>
@@ -4918,7 +5281,7 @@
                 <a:buAutoNum type="arabicPeriod"/>
               </a:pPr>
               <a:r>
-                <a:rPr b="0" lang="en-US" sz="2400" spc="-1" strike="noStrike">
+                <a:rPr lang="en-US" sz="2400" b="0" strike="noStrike" spc="-1">
                   <a:solidFill>
                     <a:srgbClr val="000000"/>
                   </a:solidFill>
@@ -4926,7 +5289,7 @@
                 </a:rPr>
                 <a:t>Enabling a patient-centered information exchange system.</a:t>
               </a:r>
-              <a:endParaRPr b="0" lang="en-IN" sz="2400" spc="-1" strike="noStrike">
+              <a:endParaRPr lang="en-IN" sz="2400" b="0" strike="noStrike" spc="-1">
                 <a:latin typeface="Arial"/>
               </a:endParaRPr>
             </a:p>
@@ -4942,7 +5305,7 @@
                 <a:buAutoNum type="arabicPeriod"/>
               </a:pPr>
               <a:r>
-                <a:rPr b="0" lang="en-US" sz="2400" spc="-1" strike="noStrike">
+                <a:rPr lang="en-US" sz="2400" b="0" strike="noStrike" spc="-1">
                   <a:solidFill>
                     <a:srgbClr val="000000"/>
                   </a:solidFill>
@@ -4950,7 +5313,7 @@
                 </a:rPr>
                 <a:t>Personal medical assistant.</a:t>
               </a:r>
-              <a:endParaRPr b="0" lang="en-IN" sz="2400" spc="-1" strike="noStrike">
+              <a:endParaRPr lang="en-IN" sz="2400" b="0" strike="noStrike" spc="-1">
                 <a:latin typeface="Arial"/>
               </a:endParaRPr>
             </a:p>
@@ -4959,19 +5322,14 @@
       </p:grpSp>
     </p:spTree>
   </p:cSld>
-  <mc:AlternateContent>
-    <mc:Choice Requires="p14">
-      <p:transition spd="slow" p14:dur="2000"/>
-    </mc:Choice>
-    <mc:Fallback>
-      <p:transition spd="slow"/>
-    </mc:Fallback>
-  </mc:AlternateContent>
+  <p:clrMapOvr>
+    <a:masterClrMapping/>
+  </p:clrMapOvr>
 </p:sld>
 </file>
 
 <file path=ppt/slides/slide3.xml><?xml version="1.0" encoding="utf-8"?>
-<p:sld xmlns:a="http://schemas.openxmlformats.org/drawingml/2006/main" xmlns:p="http://schemas.openxmlformats.org/presentationml/2006/main" xmlns:r="http://schemas.openxmlformats.org/officeDocument/2006/relationships" xmlns:p14="http://schemas.microsoft.com/office/powerpoint/2010/main" xmlns:p15="http://schemas.microsoft.com/office/powerpoint/2012/main" xmlns:mc="http://schemas.openxmlformats.org/markup-compatibility/2006">
+<p:sld xmlns:a="http://schemas.openxmlformats.org/drawingml/2006/main" xmlns:r="http://schemas.openxmlformats.org/officeDocument/2006/relationships" xmlns:p="http://schemas.openxmlformats.org/presentationml/2006/main">
   <p:cSld>
     <p:spTree>
       <p:nvGrpSpPr>
@@ -5007,15 +5365,22 @@
           </a:ln>
         </p:spPr>
         <p:style>
-          <a:lnRef idx="0"/>
-          <a:fillRef idx="0"/>
-          <a:effectRef idx="0"/>
+          <a:lnRef idx="0">
+            <a:scrgbClr r="0" g="0" b="0"/>
+          </a:lnRef>
+          <a:fillRef idx="0">
+            <a:scrgbClr r="0" g="0" b="0"/>
+          </a:fillRef>
+          <a:effectRef idx="0">
+            <a:scrgbClr r="0" g="0" b="0"/>
+          </a:effectRef>
           <a:fontRef idx="minor"/>
         </p:style>
         <p:txBody>
-          <a:bodyPr lIns="90000" rIns="90000" tIns="45000" bIns="45000">
+          <a:bodyPr lIns="90000" tIns="45000" rIns="90000" bIns="45000">
             <a:spAutoFit/>
           </a:bodyPr>
+          <a:lstStyle/>
           <a:p>
             <a:pPr>
               <a:lnSpc>
@@ -5023,15 +5388,15 @@
               </a:lnSpc>
             </a:pPr>
             <a:r>
-              <a:rPr b="0" lang="en-US" sz="4000" spc="-1" strike="noStrike">
+              <a:rPr lang="en-US" sz="4000" b="0" strike="noStrike" spc="-1">
                 <a:solidFill>
-                  <a:srgbClr val="3b90a3"/>
+                  <a:srgbClr val="3B90A3"/>
                 </a:solidFill>
                 <a:latin typeface="Arial Rounded MT Bold"/>
               </a:rPr>
               <a:t>OUR SOLUTION</a:t>
             </a:r>
-            <a:endParaRPr b="0" lang="en-IN" sz="4000" spc="-1" strike="noStrike">
+            <a:endParaRPr lang="en-IN" sz="4000" b="0" strike="noStrike" spc="-1">
               <a:latin typeface="Arial"/>
             </a:endParaRPr>
           </a:p>
@@ -5057,15 +5422,22 @@
           </a:ln>
         </p:spPr>
         <p:style>
-          <a:lnRef idx="0"/>
-          <a:fillRef idx="0"/>
-          <a:effectRef idx="0"/>
+          <a:lnRef idx="0">
+            <a:scrgbClr r="0" g="0" b="0"/>
+          </a:lnRef>
+          <a:fillRef idx="0">
+            <a:scrgbClr r="0" g="0" b="0"/>
+          </a:fillRef>
+          <a:effectRef idx="0">
+            <a:scrgbClr r="0" g="0" b="0"/>
+          </a:effectRef>
           <a:fontRef idx="minor"/>
         </p:style>
         <p:txBody>
-          <a:bodyPr lIns="90000" rIns="90000" tIns="45000" bIns="45000">
+          <a:bodyPr lIns="90000" tIns="45000" rIns="90000" bIns="45000">
             <a:spAutoFit/>
           </a:bodyPr>
+          <a:lstStyle/>
           <a:p>
             <a:pPr marL="285840" indent="-285480">
               <a:lnSpc>
@@ -5078,7 +5450,7 @@
               <a:buChar char="•"/>
             </a:pPr>
             <a:r>
-              <a:rPr b="0" lang="en-US" sz="2800" spc="-1" strike="noStrike">
+              <a:rPr lang="en-US" sz="2800" b="0" strike="noStrike" spc="-1">
                 <a:solidFill>
                   <a:srgbClr val="000000"/>
                 </a:solidFill>
@@ -5086,7 +5458,7 @@
               </a:rPr>
               <a:t>One interface for all hospitals in India.</a:t>
             </a:r>
-            <a:endParaRPr b="0" lang="en-IN" sz="2800" spc="-1" strike="noStrike">
+            <a:endParaRPr lang="en-IN" sz="2800" b="0" strike="noStrike" spc="-1">
               <a:latin typeface="Arial"/>
             </a:endParaRPr>
           </a:p>
@@ -5096,7 +5468,7 @@
                 <a:spcPct val="100000"/>
               </a:lnSpc>
             </a:pPr>
-            <a:endParaRPr b="0" lang="en-IN" sz="2800" spc="-1" strike="noStrike">
+            <a:endParaRPr lang="en-IN" sz="2800" b="0" strike="noStrike" spc="-1">
               <a:latin typeface="Arial"/>
             </a:endParaRPr>
           </a:p>
@@ -5112,7 +5484,7 @@
               <a:buChar char="•"/>
             </a:pPr>
             <a:r>
-              <a:rPr b="0" lang="en-US" sz="2800" spc="-1" strike="noStrike">
+              <a:rPr lang="en-US" sz="2800" b="0" strike="noStrike" spc="-1">
                 <a:solidFill>
                   <a:srgbClr val="000000"/>
                 </a:solidFill>
@@ -5120,7 +5492,7 @@
               </a:rPr>
               <a:t>Patients registered with us can access all the hospitals and make appointments with doctors.</a:t>
             </a:r>
-            <a:endParaRPr b="0" lang="en-IN" sz="2800" spc="-1" strike="noStrike">
+            <a:endParaRPr lang="en-IN" sz="2800" b="0" strike="noStrike" spc="-1">
               <a:latin typeface="Arial"/>
             </a:endParaRPr>
           </a:p>
@@ -5130,7 +5502,7 @@
                 <a:spcPct val="100000"/>
               </a:lnSpc>
             </a:pPr>
-            <a:endParaRPr b="0" lang="en-IN" sz="2800" spc="-1" strike="noStrike">
+            <a:endParaRPr lang="en-IN" sz="2800" b="0" strike="noStrike" spc="-1">
               <a:latin typeface="Arial"/>
             </a:endParaRPr>
           </a:p>
@@ -5146,7 +5518,7 @@
               <a:buChar char="•"/>
             </a:pPr>
             <a:r>
-              <a:rPr b="0" lang="en-US" sz="2800" spc="-1" strike="noStrike">
+              <a:rPr lang="en-US" sz="2800" b="0" strike="noStrike" spc="-1">
                 <a:solidFill>
                   <a:srgbClr val="000000"/>
                 </a:solidFill>
@@ -5155,7 +5527,7 @@
               <a:t>The hospitals can edit and structure the home page on our website</a:t>
             </a:r>
             <a:r>
-              <a:rPr b="0" lang="en-US" sz="1800" spc="-1" strike="noStrike">
+              <a:rPr lang="en-US" sz="1800" b="0" strike="noStrike" spc="-1">
                 <a:solidFill>
                   <a:srgbClr val="000000"/>
                 </a:solidFill>
@@ -5163,7 +5535,7 @@
               </a:rPr>
               <a:t>.</a:t>
             </a:r>
-            <a:endParaRPr b="0" lang="en-IN" sz="1800" spc="-1" strike="noStrike">
+            <a:endParaRPr lang="en-IN" sz="1800" b="0" strike="noStrike" spc="-1">
               <a:latin typeface="Arial"/>
             </a:endParaRPr>
           </a:p>
@@ -5173,7 +5545,7 @@
                 <a:spcPct val="100000"/>
               </a:lnSpc>
             </a:pPr>
-            <a:endParaRPr b="0" lang="en-IN" sz="1800" spc="-1" strike="noStrike">
+            <a:endParaRPr lang="en-IN" sz="1800" b="0" strike="noStrike" spc="-1">
               <a:latin typeface="Arial"/>
             </a:endParaRPr>
           </a:p>
@@ -5199,15 +5571,22 @@
           </a:ln>
         </p:spPr>
         <p:style>
-          <a:lnRef idx="0"/>
-          <a:fillRef idx="0"/>
-          <a:effectRef idx="0"/>
+          <a:lnRef idx="0">
+            <a:scrgbClr r="0" g="0" b="0"/>
+          </a:lnRef>
+          <a:fillRef idx="0">
+            <a:scrgbClr r="0" g="0" b="0"/>
+          </a:fillRef>
+          <a:effectRef idx="0">
+            <a:scrgbClr r="0" g="0" b="0"/>
+          </a:effectRef>
           <a:fontRef idx="minor"/>
         </p:style>
         <p:txBody>
-          <a:bodyPr lIns="90000" rIns="90000" tIns="45000" bIns="45000">
+          <a:bodyPr lIns="90000" tIns="45000" rIns="90000" bIns="45000">
             <a:spAutoFit/>
           </a:bodyPr>
+          <a:lstStyle/>
           <a:p>
             <a:pPr>
               <a:lnSpc>
@@ -5215,42 +5594,42 @@
               </a:lnSpc>
             </a:pPr>
             <a:r>
-              <a:rPr b="0" lang="en-US" sz="6000" spc="-1" strike="noStrike">
+              <a:rPr lang="en-US" sz="6000" b="0" strike="noStrike" spc="-1">
                 <a:solidFill>
-                  <a:srgbClr val="3b90a3"/>
+                  <a:srgbClr val="3B90A3"/>
                 </a:solidFill>
                 <a:latin typeface="Arial Rounded MT Bold"/>
               </a:rPr>
               <a:t>M</a:t>
             </a:r>
             <a:r>
-              <a:rPr b="0" lang="en-US" sz="6000" spc="-1" strike="noStrike">
+              <a:rPr lang="en-US" sz="6000" b="0" strike="noStrike" spc="-1">
                 <a:solidFill>
-                  <a:srgbClr val="0d0d0d"/>
+                  <a:srgbClr val="0D0D0D"/>
                 </a:solidFill>
                 <a:latin typeface="Arial Rounded MT Bold"/>
               </a:rPr>
               <a:t>ed</a:t>
             </a:r>
             <a:r>
-              <a:rPr b="0" lang="en-US" sz="6000" spc="-1" strike="noStrike">
+              <a:rPr lang="en-US" sz="6000" b="0" strike="noStrike" spc="-1">
                 <a:solidFill>
-                  <a:srgbClr val="3b90a3"/>
+                  <a:srgbClr val="3B90A3"/>
                 </a:solidFill>
                 <a:latin typeface="Arial Rounded MT Bold"/>
               </a:rPr>
               <a:t>D</a:t>
             </a:r>
             <a:r>
-              <a:rPr b="0" lang="en-US" sz="6000" spc="-1" strike="noStrike">
+              <a:rPr lang="en-US" sz="6000" b="0" strike="noStrike" spc="-1">
                 <a:solidFill>
-                  <a:srgbClr val="0d0d0d"/>
+                  <a:srgbClr val="0D0D0D"/>
                 </a:solidFill>
                 <a:latin typeface="Arial Rounded MT Bold"/>
               </a:rPr>
               <a:t>oc</a:t>
             </a:r>
-            <a:endParaRPr b="0" lang="en-IN" sz="6000" spc="-1" strike="noStrike">
+            <a:endParaRPr lang="en-IN" sz="6000" b="0" strike="noStrike" spc="-1">
               <a:latin typeface="Arial"/>
             </a:endParaRPr>
           </a:p>
@@ -5260,7 +5639,7 @@
                 <a:spcPct val="100000"/>
               </a:lnSpc>
             </a:pPr>
-            <a:endParaRPr b="0" lang="en-IN" sz="6000" spc="-1" strike="noStrike">
+            <a:endParaRPr lang="en-IN" sz="6000" b="0" strike="noStrike" spc="-1">
               <a:latin typeface="Arial"/>
             </a:endParaRPr>
           </a:p>
@@ -5268,19 +5647,14 @@
       </p:sp>
     </p:spTree>
   </p:cSld>
-  <mc:AlternateContent>
-    <mc:Choice Requires="p14">
-      <p:transition spd="slow" p14:dur="2000"/>
-    </mc:Choice>
-    <mc:Fallback>
-      <p:transition spd="slow"/>
-    </mc:Fallback>
-  </mc:AlternateContent>
+  <p:clrMapOvr>
+    <a:masterClrMapping/>
+  </p:clrMapOvr>
 </p:sld>
 </file>
 
 <file path=ppt/slides/slide4.xml><?xml version="1.0" encoding="utf-8"?>
-<p:sld xmlns:a="http://schemas.openxmlformats.org/drawingml/2006/main" xmlns:p="http://schemas.openxmlformats.org/presentationml/2006/main" xmlns:r="http://schemas.openxmlformats.org/officeDocument/2006/relationships" xmlns:p14="http://schemas.microsoft.com/office/powerpoint/2010/main" xmlns:p15="http://schemas.microsoft.com/office/powerpoint/2012/main" xmlns:mc="http://schemas.openxmlformats.org/markup-compatibility/2006">
+<p:sld xmlns:a="http://schemas.openxmlformats.org/drawingml/2006/main" xmlns:r="http://schemas.openxmlformats.org/officeDocument/2006/relationships" xmlns:p="http://schemas.openxmlformats.org/presentationml/2006/main">
   <p:cSld>
     <p:spTree>
       <p:nvGrpSpPr>
@@ -5298,12 +5672,12 @@
       </p:grpSpPr>
       <p:pic>
         <p:nvPicPr>
-          <p:cNvPr id="52" name="Picture 4" descr=""/>
+          <p:cNvPr id="52" name="Picture 4"/>
           <p:cNvPicPr/>
           <p:nvPr/>
         </p:nvPicPr>
         <p:blipFill>
-          <a:blip r:embed="rId1"/>
+          <a:blip r:embed="rId2"/>
           <a:stretch/>
         </p:blipFill>
         <p:spPr>
@@ -5321,19 +5695,14 @@
       </p:pic>
     </p:spTree>
   </p:cSld>
-  <mc:AlternateContent>
-    <mc:Choice Requires="p14">
-      <p:transition spd="slow" p14:dur="2000"/>
-    </mc:Choice>
-    <mc:Fallback>
-      <p:transition spd="slow"/>
-    </mc:Fallback>
-  </mc:AlternateContent>
+  <p:clrMapOvr>
+    <a:masterClrMapping/>
+  </p:clrMapOvr>
 </p:sld>
 </file>
 
 <file path=ppt/slides/slide5.xml><?xml version="1.0" encoding="utf-8"?>
-<p:sld xmlns:a="http://schemas.openxmlformats.org/drawingml/2006/main" xmlns:p="http://schemas.openxmlformats.org/presentationml/2006/main" xmlns:r="http://schemas.openxmlformats.org/officeDocument/2006/relationships" xmlns:p14="http://schemas.microsoft.com/office/powerpoint/2010/main" xmlns:p15="http://schemas.microsoft.com/office/powerpoint/2012/main" xmlns:mc="http://schemas.openxmlformats.org/markup-compatibility/2006">
+<p:sld xmlns:a="http://schemas.openxmlformats.org/drawingml/2006/main" xmlns:r="http://schemas.openxmlformats.org/officeDocument/2006/relationships" xmlns:p="http://schemas.openxmlformats.org/presentationml/2006/main">
   <p:cSld>
     <p:spTree>
       <p:nvGrpSpPr>
@@ -5351,12 +5720,12 @@
       </p:grpSpPr>
       <p:pic>
         <p:nvPicPr>
-          <p:cNvPr id="53" name="Picture 2" descr=""/>
+          <p:cNvPr id="53" name="Picture 2"/>
           <p:cNvPicPr/>
           <p:nvPr/>
         </p:nvPicPr>
         <p:blipFill>
-          <a:blip r:embed="rId1"/>
+          <a:blip r:embed="rId2"/>
           <a:stretch/>
         </p:blipFill>
         <p:spPr>
@@ -5374,19 +5743,14 @@
       </p:pic>
     </p:spTree>
   </p:cSld>
-  <mc:AlternateContent>
-    <mc:Choice Requires="p14">
-      <p:transition spd="slow" p14:dur="2000"/>
-    </mc:Choice>
-    <mc:Fallback>
-      <p:transition spd="slow"/>
-    </mc:Fallback>
-  </mc:AlternateContent>
+  <p:clrMapOvr>
+    <a:masterClrMapping/>
+  </p:clrMapOvr>
 </p:sld>
 </file>
 
 <file path=ppt/slides/slide6.xml><?xml version="1.0" encoding="utf-8"?>
-<p:sld xmlns:a="http://schemas.openxmlformats.org/drawingml/2006/main" xmlns:p="http://schemas.openxmlformats.org/presentationml/2006/main" xmlns:r="http://schemas.openxmlformats.org/officeDocument/2006/relationships" xmlns:p14="http://schemas.microsoft.com/office/powerpoint/2010/main" xmlns:p15="http://schemas.microsoft.com/office/powerpoint/2012/main" xmlns:mc="http://schemas.openxmlformats.org/markup-compatibility/2006">
+<p:sld xmlns:a="http://schemas.openxmlformats.org/drawingml/2006/main" xmlns:r="http://schemas.openxmlformats.org/officeDocument/2006/relationships" xmlns:p="http://schemas.openxmlformats.org/presentationml/2006/main">
   <p:cSld>
     <p:spTree>
       <p:nvGrpSpPr>
@@ -5404,12 +5768,12 @@
       </p:grpSpPr>
       <p:pic>
         <p:nvPicPr>
-          <p:cNvPr id="54" name="Picture 2" descr=""/>
+          <p:cNvPr id="54" name="Picture 2"/>
           <p:cNvPicPr/>
           <p:nvPr/>
         </p:nvPicPr>
         <p:blipFill>
-          <a:blip r:embed="rId1"/>
+          <a:blip r:embed="rId2"/>
           <a:stretch/>
         </p:blipFill>
         <p:spPr>
@@ -5427,19 +5791,14 @@
       </p:pic>
     </p:spTree>
   </p:cSld>
-  <mc:AlternateContent>
-    <mc:Choice Requires="p14">
-      <p:transition spd="slow" p14:dur="2000"/>
-    </mc:Choice>
-    <mc:Fallback>
-      <p:transition spd="slow"/>
-    </mc:Fallback>
-  </mc:AlternateContent>
+  <p:clrMapOvr>
+    <a:masterClrMapping/>
+  </p:clrMapOvr>
 </p:sld>
 </file>
 
 <file path=ppt/slides/slide7.xml><?xml version="1.0" encoding="utf-8"?>
-<p:sld xmlns:a="http://schemas.openxmlformats.org/drawingml/2006/main" xmlns:p="http://schemas.openxmlformats.org/presentationml/2006/main" xmlns:r="http://schemas.openxmlformats.org/officeDocument/2006/relationships" xmlns:p14="http://schemas.microsoft.com/office/powerpoint/2010/main" xmlns:p15="http://schemas.microsoft.com/office/powerpoint/2012/main" xmlns:mc="http://schemas.openxmlformats.org/markup-compatibility/2006">
+<p:sld xmlns:a="http://schemas.openxmlformats.org/drawingml/2006/main" xmlns:r="http://schemas.openxmlformats.org/officeDocument/2006/relationships" xmlns:p="http://schemas.openxmlformats.org/presentationml/2006/main">
   <p:cSld>
     <p:spTree>
       <p:nvGrpSpPr>
@@ -5457,12 +5816,12 @@
       </p:grpSpPr>
       <p:pic>
         <p:nvPicPr>
-          <p:cNvPr id="55" name="Picture 2" descr=""/>
+          <p:cNvPr id="55" name="Picture 2"/>
           <p:cNvPicPr/>
           <p:nvPr/>
         </p:nvPicPr>
         <p:blipFill>
-          <a:blip r:embed="rId1"/>
+          <a:blip r:embed="rId2"/>
           <a:stretch/>
         </p:blipFill>
         <p:spPr>
@@ -5480,19 +5839,14 @@
       </p:pic>
     </p:spTree>
   </p:cSld>
-  <mc:AlternateContent>
-    <mc:Choice Requires="p14">
-      <p:transition spd="slow" p14:dur="2000"/>
-    </mc:Choice>
-    <mc:Fallback>
-      <p:transition spd="slow"/>
-    </mc:Fallback>
-  </mc:AlternateContent>
+  <p:clrMapOvr>
+    <a:masterClrMapping/>
+  </p:clrMapOvr>
 </p:sld>
 </file>
 
 <file path=ppt/slides/slide8.xml><?xml version="1.0" encoding="utf-8"?>
-<p:sld xmlns:a="http://schemas.openxmlformats.org/drawingml/2006/main" xmlns:p="http://schemas.openxmlformats.org/presentationml/2006/main" xmlns:r="http://schemas.openxmlformats.org/officeDocument/2006/relationships" xmlns:p14="http://schemas.microsoft.com/office/powerpoint/2010/main" xmlns:p15="http://schemas.microsoft.com/office/powerpoint/2012/main" xmlns:mc="http://schemas.openxmlformats.org/markup-compatibility/2006">
+<p:sld xmlns:a="http://schemas.openxmlformats.org/drawingml/2006/main" xmlns:r="http://schemas.openxmlformats.org/officeDocument/2006/relationships" xmlns:p="http://schemas.openxmlformats.org/presentationml/2006/main">
   <p:cSld>
     <p:spTree>
       <p:nvGrpSpPr>
@@ -5542,15 +5896,22 @@
             </a:ln>
           </p:spPr>
           <p:style>
-            <a:lnRef idx="0"/>
-            <a:fillRef idx="0"/>
-            <a:effectRef idx="0"/>
+            <a:lnRef idx="0">
+              <a:scrgbClr r="0" g="0" b="0"/>
+            </a:lnRef>
+            <a:fillRef idx="0">
+              <a:scrgbClr r="0" g="0" b="0"/>
+            </a:fillRef>
+            <a:effectRef idx="0">
+              <a:scrgbClr r="0" g="0" b="0"/>
+            </a:effectRef>
             <a:fontRef idx="minor"/>
           </p:style>
           <p:txBody>
-            <a:bodyPr lIns="90000" rIns="90000" tIns="45000" bIns="45000">
+            <a:bodyPr lIns="90000" tIns="45000" rIns="90000" bIns="45000">
               <a:spAutoFit/>
             </a:bodyPr>
+            <a:lstStyle/>
             <a:p>
               <a:pPr>
                 <a:lnSpc>
@@ -5558,15 +5919,15 @@
                 </a:lnSpc>
               </a:pPr>
               <a:r>
-                <a:rPr b="0" lang="en-US" sz="4400" spc="-1" strike="noStrike">
+                <a:rPr lang="en-US" sz="4400" b="0" strike="noStrike" spc="-1">
                   <a:solidFill>
-                    <a:srgbClr val="3b90a3"/>
+                    <a:srgbClr val="3B90A3"/>
                   </a:solidFill>
                   <a:latin typeface="Arial Rounded MT Bold"/>
                 </a:rPr>
                 <a:t>Simple interface to get the access to all the hospitals present in India virtually</a:t>
               </a:r>
-              <a:endParaRPr b="0" lang="en-IN" sz="4400" spc="-1" strike="noStrike">
+              <a:endParaRPr lang="en-IN" sz="4400" b="0" strike="noStrike" spc="-1">
                 <a:latin typeface="Arial"/>
               </a:endParaRPr>
             </a:p>
@@ -5576,7 +5937,7 @@
                   <a:spcPct val="100000"/>
                 </a:lnSpc>
               </a:pPr>
-              <a:endParaRPr b="0" lang="en-IN" sz="4400" spc="-1" strike="noStrike">
+              <a:endParaRPr lang="en-IN" sz="4400" b="0" strike="noStrike" spc="-1">
                 <a:latin typeface="Arial"/>
               </a:endParaRPr>
             </a:p>
@@ -5602,15 +5963,22 @@
             </a:ln>
           </p:spPr>
           <p:style>
-            <a:lnRef idx="0"/>
-            <a:fillRef idx="0"/>
-            <a:effectRef idx="0"/>
+            <a:lnRef idx="0">
+              <a:scrgbClr r="0" g="0" b="0"/>
+            </a:lnRef>
+            <a:fillRef idx="0">
+              <a:scrgbClr r="0" g="0" b="0"/>
+            </a:fillRef>
+            <a:effectRef idx="0">
+              <a:scrgbClr r="0" g="0" b="0"/>
+            </a:effectRef>
             <a:fontRef idx="minor"/>
           </p:style>
           <p:txBody>
-            <a:bodyPr lIns="90000" rIns="90000" tIns="45000" bIns="45000">
+            <a:bodyPr lIns="90000" tIns="45000" rIns="90000" bIns="45000">
               <a:spAutoFit/>
             </a:bodyPr>
+            <a:lstStyle/>
             <a:p>
               <a:pPr>
                 <a:lnSpc>
@@ -5618,15 +5986,15 @@
                 </a:lnSpc>
               </a:pPr>
               <a:r>
-                <a:rPr b="0" lang="en-US" sz="3200" spc="-1" strike="noStrike">
+                <a:rPr lang="en-US" sz="3200" b="0" strike="noStrike" spc="-1">
                   <a:solidFill>
-                    <a:srgbClr val="0f1e2f"/>
+                    <a:srgbClr val="0F1E2F"/>
                   </a:solidFill>
                   <a:latin typeface="Arial Rounded MT Bold"/>
                 </a:rPr>
                 <a:t>You can virtually visit hospitals across India and get to know about the departments , lab test and qualifications and availability of a doctor of a particular hospital.</a:t>
               </a:r>
-              <a:endParaRPr b="0" lang="en-IN" sz="3200" spc="-1" strike="noStrike">
+              <a:endParaRPr lang="en-IN" sz="3200" b="0" strike="noStrike" spc="-1">
                 <a:latin typeface="Arial"/>
               </a:endParaRPr>
             </a:p>
@@ -5634,12 +6002,12 @@
         </p:sp>
         <p:pic>
           <p:nvPicPr>
-            <p:cNvPr id="59" name="Picture 3" descr=""/>
+            <p:cNvPr id="59" name="Picture 3"/>
             <p:cNvPicPr/>
             <p:nvPr/>
           </p:nvPicPr>
           <p:blipFill>
-            <a:blip r:embed="rId1"/>
+            <a:blip r:embed="rId2"/>
             <a:stretch/>
           </p:blipFill>
           <p:spPr>
@@ -5658,19 +6026,14 @@
       </p:grpSp>
     </p:spTree>
   </p:cSld>
-  <mc:AlternateContent>
-    <mc:Choice Requires="p14">
-      <p:transition spd="slow" p14:dur="2000"/>
-    </mc:Choice>
-    <mc:Fallback>
-      <p:transition spd="slow"/>
-    </mc:Fallback>
-  </mc:AlternateContent>
+  <p:clrMapOvr>
+    <a:masterClrMapping/>
+  </p:clrMapOvr>
 </p:sld>
 </file>
 
 <file path=ppt/slides/slide9.xml><?xml version="1.0" encoding="utf-8"?>
-<p:sld xmlns:a="http://schemas.openxmlformats.org/drawingml/2006/main" xmlns:p="http://schemas.openxmlformats.org/presentationml/2006/main" xmlns:r="http://schemas.openxmlformats.org/officeDocument/2006/relationships" xmlns:p14="http://schemas.microsoft.com/office/powerpoint/2010/main" xmlns:p15="http://schemas.microsoft.com/office/powerpoint/2012/main" xmlns:mc="http://schemas.openxmlformats.org/markup-compatibility/2006">
+<p:sld xmlns:a="http://schemas.openxmlformats.org/drawingml/2006/main" xmlns:r="http://schemas.openxmlformats.org/officeDocument/2006/relationships" xmlns:p="http://schemas.openxmlformats.org/presentationml/2006/main">
   <p:cSld>
     <p:spTree>
       <p:nvGrpSpPr>
@@ -5720,15 +6083,22 @@
             </a:ln>
           </p:spPr>
           <p:style>
-            <a:lnRef idx="0"/>
-            <a:fillRef idx="0"/>
-            <a:effectRef idx="0"/>
+            <a:lnRef idx="0">
+              <a:scrgbClr r="0" g="0" b="0"/>
+            </a:lnRef>
+            <a:fillRef idx="0">
+              <a:scrgbClr r="0" g="0" b="0"/>
+            </a:fillRef>
+            <a:effectRef idx="0">
+              <a:scrgbClr r="0" g="0" b="0"/>
+            </a:effectRef>
             <a:fontRef idx="minor"/>
           </p:style>
           <p:txBody>
-            <a:bodyPr lIns="90000" rIns="90000" tIns="45000" bIns="45000">
+            <a:bodyPr lIns="90000" tIns="45000" rIns="90000" bIns="45000">
               <a:spAutoFit/>
             </a:bodyPr>
+            <a:lstStyle/>
             <a:p>
               <a:pPr>
                 <a:lnSpc>
@@ -5736,15 +6106,15 @@
                 </a:lnSpc>
               </a:pPr>
               <a:r>
-                <a:rPr b="0" lang="en-US" sz="4400" spc="-1" strike="noStrike">
+                <a:rPr lang="en-US" sz="4400" b="0" strike="noStrike" spc="-1">
                   <a:solidFill>
-                    <a:srgbClr val="3b90a3"/>
+                    <a:srgbClr val="3B90A3"/>
                   </a:solidFill>
                   <a:latin typeface="Arial Rounded MT Bold"/>
                 </a:rPr>
                 <a:t>Book appointment according availability.</a:t>
               </a:r>
-              <a:endParaRPr b="0" lang="en-IN" sz="4400" spc="-1" strike="noStrike">
+              <a:endParaRPr lang="en-IN" sz="4400" b="0" strike="noStrike" spc="-1">
                 <a:latin typeface="Arial"/>
               </a:endParaRPr>
             </a:p>
@@ -5754,7 +6124,7 @@
                   <a:spcPct val="100000"/>
                 </a:lnSpc>
               </a:pPr>
-              <a:endParaRPr b="0" lang="en-IN" sz="4400" spc="-1" strike="noStrike">
+              <a:endParaRPr lang="en-IN" sz="4400" b="0" strike="noStrike" spc="-1">
                 <a:latin typeface="Arial"/>
               </a:endParaRPr>
             </a:p>
@@ -5780,15 +6150,22 @@
             </a:ln>
           </p:spPr>
           <p:style>
-            <a:lnRef idx="0"/>
-            <a:fillRef idx="0"/>
-            <a:effectRef idx="0"/>
+            <a:lnRef idx="0">
+              <a:scrgbClr r="0" g="0" b="0"/>
+            </a:lnRef>
+            <a:fillRef idx="0">
+              <a:scrgbClr r="0" g="0" b="0"/>
+            </a:fillRef>
+            <a:effectRef idx="0">
+              <a:scrgbClr r="0" g="0" b="0"/>
+            </a:effectRef>
             <a:fontRef idx="minor"/>
           </p:style>
           <p:txBody>
-            <a:bodyPr lIns="90000" rIns="90000" tIns="45000" bIns="45000">
+            <a:bodyPr lIns="90000" tIns="45000" rIns="90000" bIns="45000">
               <a:spAutoFit/>
             </a:bodyPr>
+            <a:lstStyle/>
             <a:p>
               <a:pPr>
                 <a:lnSpc>
@@ -5796,15 +6173,15 @@
                 </a:lnSpc>
               </a:pPr>
               <a:r>
-                <a:rPr b="0" lang="en-US" sz="2800" spc="-1" strike="noStrike">
+                <a:rPr lang="en-US" sz="2800" b="0" strike="noStrike" spc="-1">
                   <a:solidFill>
-                    <a:srgbClr val="0f1e2f"/>
+                    <a:srgbClr val="0F1E2F"/>
                   </a:solidFill>
                   <a:latin typeface="Arial Rounded MT Bold"/>
                 </a:rPr>
                 <a:t>Every time you have to visit hospital , to get an appointment. With this website, you don’t need to visit the hospital. You simply go on the internet and book your appointment.</a:t>
               </a:r>
-              <a:endParaRPr b="0" lang="en-IN" sz="2800" spc="-1" strike="noStrike">
+              <a:endParaRPr lang="en-IN" sz="2800" b="0" strike="noStrike" spc="-1">
                 <a:latin typeface="Arial"/>
               </a:endParaRPr>
             </a:p>
@@ -5814,7 +6191,7 @@
                   <a:spcPct val="100000"/>
                 </a:lnSpc>
               </a:pPr>
-              <a:endParaRPr b="0" lang="en-IN" sz="2800" spc="-1" strike="noStrike">
+              <a:endParaRPr lang="en-IN" sz="2800" b="0" strike="noStrike" spc="-1">
                 <a:latin typeface="Arial"/>
               </a:endParaRPr>
             </a:p>
@@ -5825,15 +6202,15 @@
                 </a:lnSpc>
               </a:pPr>
               <a:r>
-                <a:rPr b="0" lang="en-US" sz="2800" spc="-1" strike="noStrike">
+                <a:rPr lang="en-US" sz="2800" b="0" strike="noStrike" spc="-1">
                   <a:solidFill>
-                    <a:srgbClr val="0f1e2f"/>
+                    <a:srgbClr val="0F1E2F"/>
                   </a:solidFill>
                   <a:latin typeface="Arial Rounded MT Bold"/>
                 </a:rPr>
                 <a:t>You can see availability of the doctor and book your appointment without messing up your schedule. </a:t>
               </a:r>
-              <a:endParaRPr b="0" lang="en-IN" sz="2800" spc="-1" strike="noStrike">
+              <a:endParaRPr lang="en-IN" sz="2800" b="0" strike="noStrike" spc="-1">
                 <a:latin typeface="Arial"/>
               </a:endParaRPr>
             </a:p>
@@ -5841,12 +6218,12 @@
         </p:sp>
         <p:pic>
           <p:nvPicPr>
-            <p:cNvPr id="63" name="Picture 6" descr=""/>
+            <p:cNvPr id="63" name="Picture 6"/>
             <p:cNvPicPr/>
             <p:nvPr/>
           </p:nvPicPr>
           <p:blipFill>
-            <a:blip r:embed="rId1"/>
+            <a:blip r:embed="rId2"/>
             <a:stretch/>
           </p:blipFill>
           <p:spPr>
@@ -5865,14 +6242,9 @@
       </p:grpSp>
     </p:spTree>
   </p:cSld>
-  <mc:AlternateContent>
-    <mc:Choice Requires="p14">
-      <p:transition spd="slow" p14:dur="2000"/>
-    </mc:Choice>
-    <mc:Fallback>
-      <p:transition spd="slow"/>
-    </mc:Fallback>
-  </mc:AlternateContent>
+  <p:clrMapOvr>
+    <a:masterClrMapping/>
+  </p:clrMapOvr>
 </p:sld>
 </file>
 
@@ -5887,34 +6259,34 @@
         <a:sysClr val="window" lastClr="FFFFFF"/>
       </a:lt1>
       <a:dk2>
-        <a:srgbClr val="0b082e"/>
+        <a:srgbClr val="0B082E"/>
       </a:dk2>
       <a:lt2>
-        <a:srgbClr val="f3f3f2"/>
+        <a:srgbClr val="F3F3F2"/>
       </a:lt2>
       <a:accent1>
-        <a:srgbClr val="62b4c6"/>
+        <a:srgbClr val="62B4C6"/>
       </a:accent1>
       <a:accent2>
-        <a:srgbClr val="1b376e"/>
+        <a:srgbClr val="1B376E"/>
       </a:accent2>
       <a:accent3>
-        <a:srgbClr val="9ebe55"/>
+        <a:srgbClr val="9EBE55"/>
       </a:accent3>
       <a:accent4>
-        <a:srgbClr val="c65e5e"/>
+        <a:srgbClr val="C65E5E"/>
       </a:accent4>
       <a:accent5>
-        <a:srgbClr val="d3ba55"/>
+        <a:srgbClr val="D3BA55"/>
       </a:accent5>
       <a:accent6>
-        <a:srgbClr val="96648a"/>
+        <a:srgbClr val="96648A"/>
       </a:accent6>
       <a:hlink>
-        <a:srgbClr val="62b4c6"/>
+        <a:srgbClr val="62B4C6"/>
       </a:hlink>
       <a:folHlink>
-        <a:srgbClr val="96648a"/>
+        <a:srgbClr val="96648A"/>
       </a:folHlink>
     </a:clrScheme>
     <a:fontScheme name="Office">
@@ -6099,5 +6471,7 @@
       </a:bgFillStyleLst>
     </a:fmtScheme>
   </a:themeElements>
+  <a:objectDefaults/>
+  <a:extraClrSchemeLst/>
 </a:theme>
 </file>